--- a/slides/FInest-vs-LoFIP.pptx
+++ b/slides/FInest-vs-LoFIP.pptx
@@ -4,14 +4,18 @@
   <p:sldMasterIdLst>
     <p:sldMasterId id="2147483648" r:id="rId1"/>
   </p:sldMasterIdLst>
+  <p:handoutMasterIdLst>
+    <p:handoutMasterId r:id="rId7"/>
+  </p:handoutMasterIdLst>
   <p:sldIdLst>
-    <p:sldId id="256" r:id="rId2"/>
-    <p:sldId id="258" r:id="rId3"/>
-    <p:sldId id="259" r:id="rId4"/>
-    <p:sldId id="260" r:id="rId5"/>
+    <p:sldId id="261" r:id="rId2"/>
+    <p:sldId id="256" r:id="rId3"/>
+    <p:sldId id="262" r:id="rId4"/>
+    <p:sldId id="258" r:id="rId5"/>
+    <p:sldId id="259" r:id="rId6"/>
   </p:sldIdLst>
   <p:sldSz cx="9144000" cy="6858000" type="screen4x3"/>
-  <p:notesSz cx="6858000" cy="9144000"/>
+  <p:notesSz cx="6669088" cy="9928225"/>
   <p:defaultTextStyle>
     <a:defPPr>
       <a:defRPr lang="en-US"/>
@@ -110,6 +114,171 @@
 </p:presentation>
 </file>
 
+<file path=ppt/handoutMasters/handoutMaster1.xml><?xml version="1.0" encoding="utf-8"?>
+<p:handoutMaster xmlns:a="http://schemas.openxmlformats.org/drawingml/2006/main" xmlns:r="http://schemas.openxmlformats.org/officeDocument/2006/relationships" xmlns:p="http://schemas.openxmlformats.org/presentationml/2006/main">
+  <p:cSld>
+    <p:bg>
+      <p:bgRef idx="1001">
+        <a:schemeClr val="bg1"/>
+      </p:bgRef>
+    </p:bg>
+    <p:spTree>
+      <p:nvGrpSpPr>
+        <p:cNvPr id="1" name=""/>
+        <p:cNvGrpSpPr/>
+        <p:nvPr/>
+      </p:nvGrpSpPr>
+      <p:grpSpPr>
+        <a:xfrm>
+          <a:off x="0" y="0"/>
+          <a:ext cx="0" cy="0"/>
+          <a:chOff x="0" y="0"/>
+          <a:chExt cx="0" cy="0"/>
+        </a:xfrm>
+      </p:grpSpPr>
+      <p:sp>
+        <p:nvSpPr>
+          <p:cNvPr id="2" name="Kopfzeilenplatzhalter 1"/>
+          <p:cNvSpPr>
+            <a:spLocks noGrp="1"/>
+          </p:cNvSpPr>
+          <p:nvPr>
+            <p:ph type="hdr" sz="quarter"/>
+          </p:nvPr>
+        </p:nvSpPr>
+        <p:spPr>
+          <a:xfrm>
+            <a:off x="0" y="0"/>
+            <a:ext cx="2889938" cy="496411"/>
+          </a:xfrm>
+          <a:prstGeom prst="rect">
+            <a:avLst/>
+          </a:prstGeom>
+        </p:spPr>
+        <p:txBody>
+          <a:bodyPr vert="horz" lIns="91440" tIns="45720" rIns="91440" bIns="45720" rtlCol="0"/>
+          <a:lstStyle>
+            <a:lvl1pPr algn="l">
+              <a:defRPr sz="1200"/>
+            </a:lvl1pPr>
+          </a:lstStyle>
+          <a:p>
+            <a:endParaRPr lang="en-US"/>
+          </a:p>
+        </p:txBody>
+      </p:sp>
+      <p:sp>
+        <p:nvSpPr>
+          <p:cNvPr id="3" name="Datumsplatzhalter 2"/>
+          <p:cNvSpPr>
+            <a:spLocks noGrp="1"/>
+          </p:cNvSpPr>
+          <p:nvPr>
+            <p:ph type="dt" sz="quarter" idx="1"/>
+          </p:nvPr>
+        </p:nvSpPr>
+        <p:spPr>
+          <a:xfrm>
+            <a:off x="3777607" y="0"/>
+            <a:ext cx="2889938" cy="496411"/>
+          </a:xfrm>
+          <a:prstGeom prst="rect">
+            <a:avLst/>
+          </a:prstGeom>
+        </p:spPr>
+        <p:txBody>
+          <a:bodyPr vert="horz" lIns="91440" tIns="45720" rIns="91440" bIns="45720" rtlCol="0"/>
+          <a:lstStyle>
+            <a:lvl1pPr algn="r">
+              <a:defRPr sz="1200"/>
+            </a:lvl1pPr>
+          </a:lstStyle>
+          <a:p>
+            <a:fld id="{448A2B74-8B9E-45F3-812E-D7A677582D42}" type="datetimeFigureOut">
+              <a:rPr lang="en-US" smtClean="0"/>
+              <a:t>7/23/2013</a:t>
+            </a:fld>
+            <a:endParaRPr lang="en-US"/>
+          </a:p>
+        </p:txBody>
+      </p:sp>
+      <p:sp>
+        <p:nvSpPr>
+          <p:cNvPr id="4" name="Fußzeilenplatzhalter 3"/>
+          <p:cNvSpPr>
+            <a:spLocks noGrp="1"/>
+          </p:cNvSpPr>
+          <p:nvPr>
+            <p:ph type="ftr" sz="quarter" idx="2"/>
+          </p:nvPr>
+        </p:nvSpPr>
+        <p:spPr>
+          <a:xfrm>
+            <a:off x="0" y="9430091"/>
+            <a:ext cx="2889938" cy="496411"/>
+          </a:xfrm>
+          <a:prstGeom prst="rect">
+            <a:avLst/>
+          </a:prstGeom>
+        </p:spPr>
+        <p:txBody>
+          <a:bodyPr vert="horz" lIns="91440" tIns="45720" rIns="91440" bIns="45720" rtlCol="0" anchor="b"/>
+          <a:lstStyle>
+            <a:lvl1pPr algn="l">
+              <a:defRPr sz="1200"/>
+            </a:lvl1pPr>
+          </a:lstStyle>
+          <a:p>
+            <a:endParaRPr lang="en-US"/>
+          </a:p>
+        </p:txBody>
+      </p:sp>
+      <p:sp>
+        <p:nvSpPr>
+          <p:cNvPr id="5" name="Foliennummernplatzhalter 4"/>
+          <p:cNvSpPr>
+            <a:spLocks noGrp="1"/>
+          </p:cNvSpPr>
+          <p:nvPr>
+            <p:ph type="sldNum" sz="quarter" idx="3"/>
+          </p:nvPr>
+        </p:nvSpPr>
+        <p:spPr>
+          <a:xfrm>
+            <a:off x="3777607" y="9430091"/>
+            <a:ext cx="2889938" cy="496411"/>
+          </a:xfrm>
+          <a:prstGeom prst="rect">
+            <a:avLst/>
+          </a:prstGeom>
+        </p:spPr>
+        <p:txBody>
+          <a:bodyPr vert="horz" lIns="91440" tIns="45720" rIns="91440" bIns="45720" rtlCol="0" anchor="b"/>
+          <a:lstStyle>
+            <a:lvl1pPr algn="r">
+              <a:defRPr sz="1200"/>
+            </a:lvl1pPr>
+          </a:lstStyle>
+          <a:p>
+            <a:fld id="{0F7ACDA8-3394-428F-A5BF-43AA2757C1E8}" type="slidenum">
+              <a:rPr lang="en-US" smtClean="0"/>
+              <a:t>‹Nr.›</a:t>
+            </a:fld>
+            <a:endParaRPr lang="en-US"/>
+          </a:p>
+        </p:txBody>
+      </p:sp>
+    </p:spTree>
+    <p:extLst>
+      <p:ext uri="{BB962C8B-B14F-4D97-AF65-F5344CB8AC3E}">
+        <p14:creationId xmlns:p14="http://schemas.microsoft.com/office/powerpoint/2010/main" val="2310307084"/>
+      </p:ext>
+    </p:extLst>
+  </p:cSld>
+  <p:clrMap bg1="lt1" tx1="dk1" bg2="lt2" tx2="dk2" accent1="accent1" accent2="accent2" accent3="accent3" accent4="accent4" accent5="accent5" accent6="accent6" hlink="hlink" folHlink="folHlink"/>
+</p:handoutMaster>
+</file>
+
 <file path=ppt/slideLayouts/slideLayout1.xml><?xml version="1.0" encoding="utf-8"?>
 <p:sldLayout xmlns:a="http://schemas.openxmlformats.org/drawingml/2006/main" xmlns:r="http://schemas.openxmlformats.org/officeDocument/2006/relationships" xmlns:p="http://schemas.openxmlformats.org/presentationml/2006/main" type="title" preserve="1">
   <p:cSld name="Titelfolie">
@@ -291,7 +460,7 @@
           <a:p>
             <a:fld id="{9082BD39-CA93-4721-83B8-9B933605034A}" type="datetimeFigureOut">
               <a:rPr lang="en-US" smtClean="0"/>
-              <a:t>7/22/2013</a:t>
+              <a:t>7/23/2013</a:t>
             </a:fld>
             <a:endParaRPr lang="en-US"/>
           </a:p>
@@ -461,7 +630,7 @@
           <a:p>
             <a:fld id="{9082BD39-CA93-4721-83B8-9B933605034A}" type="datetimeFigureOut">
               <a:rPr lang="en-US" smtClean="0"/>
-              <a:t>7/22/2013</a:t>
+              <a:t>7/23/2013</a:t>
             </a:fld>
             <a:endParaRPr lang="en-US"/>
           </a:p>
@@ -641,7 +810,7 @@
           <a:p>
             <a:fld id="{9082BD39-CA93-4721-83B8-9B933605034A}" type="datetimeFigureOut">
               <a:rPr lang="en-US" smtClean="0"/>
-              <a:t>7/22/2013</a:t>
+              <a:t>7/23/2013</a:t>
             </a:fld>
             <a:endParaRPr lang="en-US"/>
           </a:p>
@@ -811,7 +980,7 @@
           <a:p>
             <a:fld id="{9082BD39-CA93-4721-83B8-9B933605034A}" type="datetimeFigureOut">
               <a:rPr lang="en-US" smtClean="0"/>
-              <a:t>7/22/2013</a:t>
+              <a:t>7/23/2013</a:t>
             </a:fld>
             <a:endParaRPr lang="en-US"/>
           </a:p>
@@ -1057,7 +1226,7 @@
           <a:p>
             <a:fld id="{9082BD39-CA93-4721-83B8-9B933605034A}" type="datetimeFigureOut">
               <a:rPr lang="en-US" smtClean="0"/>
-              <a:t>7/22/2013</a:t>
+              <a:t>7/23/2013</a:t>
             </a:fld>
             <a:endParaRPr lang="en-US"/>
           </a:p>
@@ -1345,7 +1514,7 @@
           <a:p>
             <a:fld id="{9082BD39-CA93-4721-83B8-9B933605034A}" type="datetimeFigureOut">
               <a:rPr lang="en-US" smtClean="0"/>
-              <a:t>7/22/2013</a:t>
+              <a:t>7/23/2013</a:t>
             </a:fld>
             <a:endParaRPr lang="en-US"/>
           </a:p>
@@ -1767,7 +1936,7 @@
           <a:p>
             <a:fld id="{9082BD39-CA93-4721-83B8-9B933605034A}" type="datetimeFigureOut">
               <a:rPr lang="en-US" smtClean="0"/>
-              <a:t>7/22/2013</a:t>
+              <a:t>7/23/2013</a:t>
             </a:fld>
             <a:endParaRPr lang="en-US"/>
           </a:p>
@@ -1885,7 +2054,7 @@
           <a:p>
             <a:fld id="{9082BD39-CA93-4721-83B8-9B933605034A}" type="datetimeFigureOut">
               <a:rPr lang="en-US" smtClean="0"/>
-              <a:t>7/22/2013</a:t>
+              <a:t>7/23/2013</a:t>
             </a:fld>
             <a:endParaRPr lang="en-US"/>
           </a:p>
@@ -1980,7 +2149,7 @@
           <a:p>
             <a:fld id="{9082BD39-CA93-4721-83B8-9B933605034A}" type="datetimeFigureOut">
               <a:rPr lang="en-US" smtClean="0"/>
-              <a:t>7/22/2013</a:t>
+              <a:t>7/23/2013</a:t>
             </a:fld>
             <a:endParaRPr lang="en-US"/>
           </a:p>
@@ -2257,7 +2426,7 @@
           <a:p>
             <a:fld id="{9082BD39-CA93-4721-83B8-9B933605034A}" type="datetimeFigureOut">
               <a:rPr lang="en-US" smtClean="0"/>
-              <a:t>7/22/2013</a:t>
+              <a:t>7/23/2013</a:t>
             </a:fld>
             <a:endParaRPr lang="en-US"/>
           </a:p>
@@ -2510,7 +2679,7 @@
           <a:p>
             <a:fld id="{9082BD39-CA93-4721-83B8-9B933605034A}" type="datetimeFigureOut">
               <a:rPr lang="en-US" smtClean="0"/>
-              <a:t>7/22/2013</a:t>
+              <a:t>7/23/2013</a:t>
             </a:fld>
             <a:endParaRPr lang="en-US"/>
           </a:p>
@@ -2723,7 +2892,7 @@
           <a:p>
             <a:fld id="{9082BD39-CA93-4721-83B8-9B933605034A}" type="datetimeFigureOut">
               <a:rPr lang="en-US" smtClean="0"/>
-              <a:t>7/22/2013</a:t>
+              <a:t>7/23/2013</a:t>
             </a:fld>
             <a:endParaRPr lang="en-US"/>
           </a:p>
@@ -3100,40 +3269,98 @@
       </p:grpSpPr>
       <p:sp>
         <p:nvSpPr>
-          <p:cNvPr id="5" name="Inhaltsplatzhalter 4"/>
-          <p:cNvSpPr>
-            <a:spLocks noGrp="1"/>
-          </p:cNvSpPr>
-          <p:nvPr>
-            <p:ph idx="1"/>
+          <p:cNvPr id="2" name="Titel 1"/>
+          <p:cNvSpPr>
+            <a:spLocks noGrp="1"/>
+          </p:cNvSpPr>
+          <p:nvPr>
+            <p:ph type="title"/>
           </p:nvPr>
         </p:nvSpPr>
         <p:spPr>
           <a:xfrm>
-            <a:off x="467544" y="260647"/>
-            <a:ext cx="3754760" cy="576065"/>
+            <a:off x="457200" y="188640"/>
+            <a:ext cx="8229600" cy="504056"/>
           </a:xfrm>
         </p:spPr>
         <p:txBody>
           <a:bodyPr>
-            <a:normAutofit lnSpcReduction="10000"/>
+            <a:normAutofit fontScale="90000"/>
           </a:bodyPr>
           <a:lstStyle/>
           <a:p>
             <a:r>
-              <a:rPr lang="de-DE" dirty="0" err="1" smtClean="0"/>
-              <a:t>Finest</a:t>
-            </a:r>
-            <a:endParaRPr lang="de-DE" dirty="0" smtClean="0"/>
-          </a:p>
-          <a:p>
-            <a:endParaRPr lang="en-US" dirty="0"/>
-          </a:p>
-        </p:txBody>
-      </p:sp>
-      <p:sp>
-        <p:nvSpPr>
-          <p:cNvPr id="7" name="Inhaltsplatzhalter 4"/>
+              <a:rPr lang="en-US" sz="3200" dirty="0" smtClean="0"/>
+              <a:t>Distinction between architectures</a:t>
+            </a:r>
+            <a:endParaRPr lang="en-US" sz="3200" dirty="0"/>
+          </a:p>
+        </p:txBody>
+      </p:sp>
+      <p:sp>
+        <p:nvSpPr>
+          <p:cNvPr id="3" name="Inhaltsplatzhalter 2"/>
+          <p:cNvSpPr>
+            <a:spLocks noGrp="1"/>
+          </p:cNvSpPr>
+          <p:nvPr>
+            <p:ph idx="1"/>
+          </p:nvPr>
+        </p:nvSpPr>
+        <p:spPr>
+          <a:xfrm>
+            <a:off x="408348" y="1600200"/>
+            <a:ext cx="4042792" cy="3196952"/>
+          </a:xfrm>
+        </p:spPr>
+        <p:txBody>
+          <a:bodyPr>
+            <a:normAutofit/>
+          </a:bodyPr>
+          <a:lstStyle/>
+          <a:p>
+            <a:r>
+              <a:rPr lang="en-US" sz="2000" dirty="0" smtClean="0"/>
+              <a:t>Goal: Develop a </a:t>
+            </a:r>
+            <a:r>
+              <a:rPr lang="en-US" sz="2000" b="1" dirty="0" smtClean="0"/>
+              <a:t>Future internet enabled ICT platform</a:t>
+            </a:r>
+            <a:r>
+              <a:rPr lang="en-US" sz="2000" dirty="0" smtClean="0"/>
+              <a:t> to support the collaboration and integration with international transport and logistics</a:t>
+            </a:r>
+          </a:p>
+          <a:p>
+            <a:r>
+              <a:rPr lang="en-US" sz="2000" b="1" dirty="0" smtClean="0"/>
+              <a:t>Domain specific </a:t>
+            </a:r>
+            <a:r>
+              <a:rPr lang="en-US" sz="2000" dirty="0" smtClean="0"/>
+              <a:t>extension of  FI PPP Core Platform</a:t>
+            </a:r>
+          </a:p>
+          <a:p>
+            <a:endParaRPr lang="de-DE" sz="2000" dirty="0" smtClean="0"/>
+          </a:p>
+          <a:p>
+            <a:r>
+              <a:rPr lang="de-DE" sz="2000" dirty="0" err="1" smtClean="0"/>
+              <a:t>Architecture</a:t>
+            </a:r>
+            <a:r>
+              <a:rPr lang="de-DE" sz="2000" dirty="0" smtClean="0"/>
+              <a:t>:</a:t>
+            </a:r>
+            <a:endParaRPr lang="en-US" sz="2000" dirty="0"/>
+          </a:p>
+        </p:txBody>
+      </p:sp>
+      <p:sp>
+        <p:nvSpPr>
+          <p:cNvPr id="4" name="Inhaltsplatzhalter 2"/>
           <p:cNvSpPr txBox="1">
             <a:spLocks/>
           </p:cNvSpPr>
@@ -3141,8 +3368,8 @@
         </p:nvSpPr>
         <p:spPr>
           <a:xfrm>
-            <a:off x="5137720" y="260648"/>
-            <a:ext cx="3754760" cy="5966123"/>
+            <a:off x="4860032" y="1752599"/>
+            <a:ext cx="4042792" cy="2684513"/>
           </a:xfrm>
           <a:prstGeom prst="rect">
             <a:avLst/>
@@ -3291,72 +3518,85 @@
           </a:lstStyle>
           <a:p>
             <a:r>
-              <a:rPr lang="de-DE" dirty="0" err="1" smtClean="0"/>
-              <a:t>LoFIP</a:t>
-            </a:r>
-            <a:endParaRPr lang="de-DE" dirty="0" smtClean="0"/>
-          </a:p>
-          <a:p>
-            <a:endParaRPr lang="en-US" dirty="0"/>
-          </a:p>
-        </p:txBody>
-      </p:sp>
-      <p:sp>
-        <p:nvSpPr>
-          <p:cNvPr id="6" name="Rechteck 5"/>
-          <p:cNvSpPr/>
+              <a:rPr lang="en-US" sz="2000" dirty="0" smtClean="0"/>
+              <a:t>Goal: Develop a platform for </a:t>
+            </a:r>
+            <a:r>
+              <a:rPr lang="en-US" sz="2000" b="1" dirty="0" smtClean="0"/>
+              <a:t>Future Internet </a:t>
+            </a:r>
+            <a:r>
+              <a:rPr lang="en-US" sz="2000" b="1" dirty="0" err="1" smtClean="0"/>
+              <a:t>Leitstände</a:t>
+            </a:r>
+            <a:r>
+              <a:rPr lang="en-US" sz="2000" b="1" dirty="0" smtClean="0"/>
+              <a:t> </a:t>
+            </a:r>
+            <a:r>
+              <a:rPr lang="en-US" sz="2000" dirty="0" smtClean="0"/>
+              <a:t>(to enable operative logistic processes</a:t>
+            </a:r>
+            <a:endParaRPr lang="de-DE" sz="2000" b="1" dirty="0" smtClean="0"/>
+          </a:p>
+          <a:p>
+            <a:r>
+              <a:rPr lang="de-DE" sz="2000" dirty="0" smtClean="0"/>
+              <a:t>The </a:t>
+            </a:r>
+            <a:r>
+              <a:rPr lang="de-DE" sz="2000" dirty="0" err="1" smtClean="0"/>
+              <a:t>architecture</a:t>
+            </a:r>
+            <a:r>
+              <a:rPr lang="de-DE" sz="2000" dirty="0" smtClean="0"/>
+              <a:t> </a:t>
+            </a:r>
+            <a:r>
+              <a:rPr lang="de-DE" sz="2000" dirty="0" err="1" smtClean="0"/>
+              <a:t>seems</a:t>
+            </a:r>
+            <a:r>
+              <a:rPr lang="de-DE" sz="2000" dirty="0" smtClean="0"/>
+              <a:t> </a:t>
+            </a:r>
+            <a:r>
+              <a:rPr lang="de-DE" sz="2000" dirty="0" err="1" smtClean="0"/>
+              <a:t>rather</a:t>
+            </a:r>
+            <a:r>
+              <a:rPr lang="de-DE" sz="2000" dirty="0" smtClean="0"/>
+              <a:t> </a:t>
+            </a:r>
+            <a:r>
+              <a:rPr lang="de-DE" sz="2000" dirty="0" err="1" smtClean="0"/>
+              <a:t>generic</a:t>
+            </a:r>
+            <a:endParaRPr lang="de-DE" sz="2000" dirty="0" smtClean="0"/>
+          </a:p>
+          <a:p>
+            <a:r>
+              <a:rPr lang="de-DE" sz="2000" dirty="0" err="1" smtClean="0"/>
+              <a:t>Architecture</a:t>
+            </a:r>
+            <a:r>
+              <a:rPr lang="de-DE" sz="2000" dirty="0" smtClean="0"/>
+              <a:t>:</a:t>
+            </a:r>
+            <a:endParaRPr lang="en-US" sz="2000" dirty="0" smtClean="0"/>
+          </a:p>
+        </p:txBody>
+      </p:sp>
+      <p:sp>
+        <p:nvSpPr>
+          <p:cNvPr id="5" name="Textfeld 4"/>
+          <p:cNvSpPr txBox="1"/>
           <p:nvPr/>
         </p:nvSpPr>
         <p:spPr>
           <a:xfrm>
-            <a:off x="179512" y="3861048"/>
-            <a:ext cx="4176464" cy="2664296"/>
-          </a:xfrm>
-          <a:prstGeom prst="rect">
-            <a:avLst/>
-          </a:prstGeom>
-          <a:noFill/>
-          <a:ln>
-            <a:solidFill>
-              <a:schemeClr val="tx1"/>
-            </a:solidFill>
-          </a:ln>
-        </p:spPr>
-        <p:style>
-          <a:lnRef idx="2">
-            <a:schemeClr val="accent1">
-              <a:shade val="50000"/>
-            </a:schemeClr>
-          </a:lnRef>
-          <a:fillRef idx="1">
-            <a:schemeClr val="accent1"/>
-          </a:fillRef>
-          <a:effectRef idx="0">
-            <a:schemeClr val="accent1"/>
-          </a:effectRef>
-          <a:fontRef idx="minor">
-            <a:schemeClr val="lt1"/>
-          </a:fontRef>
-        </p:style>
-        <p:txBody>
-          <a:bodyPr rtlCol="0" anchor="ctr"/>
-          <a:lstStyle/>
-          <a:p>
-            <a:pPr algn="ctr"/>
-            <a:endParaRPr lang="en-US"/>
-          </a:p>
-        </p:txBody>
-      </p:sp>
-      <p:sp>
-        <p:nvSpPr>
-          <p:cNvPr id="8" name="Textfeld 7"/>
-          <p:cNvSpPr txBox="1"/>
-          <p:nvPr/>
-        </p:nvSpPr>
-        <p:spPr>
-          <a:xfrm>
-            <a:off x="179512" y="3501008"/>
-            <a:ext cx="1440160" cy="369332"/>
+            <a:off x="395536" y="908720"/>
+            <a:ext cx="3312368" cy="369332"/>
           </a:xfrm>
           <a:prstGeom prst="rect">
             <a:avLst/>
@@ -3370,12 +3610,8 @@
           <a:lstStyle/>
           <a:p>
             <a:r>
-              <a:rPr lang="de-DE" dirty="0" smtClean="0"/>
-              <a:t>Core </a:t>
-            </a:r>
-            <a:r>
               <a:rPr lang="de-DE" dirty="0" err="1" smtClean="0"/>
-              <a:t>module</a:t>
+              <a:t>FInest</a:t>
             </a:r>
             <a:endParaRPr lang="en-US" dirty="0"/>
           </a:p>
@@ -3383,240 +3619,14 @@
       </p:sp>
       <p:sp>
         <p:nvSpPr>
-          <p:cNvPr id="10" name="Textfeld 9"/>
+          <p:cNvPr id="6" name="Textfeld 5"/>
           <p:cNvSpPr txBox="1"/>
           <p:nvPr/>
         </p:nvSpPr>
         <p:spPr>
           <a:xfrm>
-            <a:off x="323528" y="4077072"/>
-            <a:ext cx="1728192" cy="276999"/>
-          </a:xfrm>
-          <a:prstGeom prst="rect">
-            <a:avLst/>
-          </a:prstGeom>
-          <a:noFill/>
-          <a:ln w="12700">
-            <a:solidFill>
-              <a:schemeClr val="tx1"/>
-            </a:solidFill>
-          </a:ln>
-        </p:spPr>
-        <p:txBody>
-          <a:bodyPr wrap="square" rtlCol="0">
-            <a:spAutoFit/>
-          </a:bodyPr>
-          <a:lstStyle/>
-          <a:p>
-            <a:r>
-              <a:rPr lang="de-DE" sz="1200" dirty="0" smtClean="0"/>
-              <a:t>BCM (</a:t>
-            </a:r>
-            <a:r>
-              <a:rPr lang="de-DE" sz="1200" dirty="0" err="1" smtClean="0"/>
-              <a:t>collaboration</a:t>
-            </a:r>
-            <a:r>
-              <a:rPr lang="de-DE" sz="1200" dirty="0" smtClean="0"/>
-              <a:t>)</a:t>
-            </a:r>
-            <a:endParaRPr lang="en-US" sz="1200" dirty="0"/>
-          </a:p>
-        </p:txBody>
-      </p:sp>
-      <p:sp>
-        <p:nvSpPr>
-          <p:cNvPr id="12" name="Textfeld 11"/>
-          <p:cNvSpPr txBox="1"/>
-          <p:nvPr/>
-        </p:nvSpPr>
-        <p:spPr>
-          <a:xfrm>
-            <a:off x="323528" y="5456257"/>
-            <a:ext cx="1728192" cy="276999"/>
-          </a:xfrm>
-          <a:prstGeom prst="rect">
-            <a:avLst/>
-          </a:prstGeom>
-          <a:noFill/>
-          <a:ln w="12700">
-            <a:solidFill>
-              <a:schemeClr val="tx1"/>
-            </a:solidFill>
-          </a:ln>
-        </p:spPr>
-        <p:txBody>
-          <a:bodyPr wrap="square" rtlCol="0">
-            <a:spAutoFit/>
-          </a:bodyPr>
-          <a:lstStyle/>
-          <a:p>
-            <a:r>
-              <a:rPr lang="de-DE" sz="1200" dirty="0" smtClean="0"/>
-              <a:t>TPM (</a:t>
-            </a:r>
-            <a:r>
-              <a:rPr lang="de-DE" sz="1200" dirty="0" err="1" smtClean="0"/>
-              <a:t>planning</a:t>
-            </a:r>
-            <a:r>
-              <a:rPr lang="de-DE" sz="1200" dirty="0" smtClean="0"/>
-              <a:t>)</a:t>
-            </a:r>
-            <a:endParaRPr lang="en-US" sz="1200" dirty="0"/>
-          </a:p>
-        </p:txBody>
-      </p:sp>
-      <p:sp>
-        <p:nvSpPr>
-          <p:cNvPr id="13" name="Textfeld 12"/>
-          <p:cNvSpPr txBox="1"/>
-          <p:nvPr/>
-        </p:nvSpPr>
-        <p:spPr>
-          <a:xfrm>
-            <a:off x="2483768" y="5456257"/>
-            <a:ext cx="1728192" cy="276999"/>
-          </a:xfrm>
-          <a:prstGeom prst="rect">
-            <a:avLst/>
-          </a:prstGeom>
-          <a:noFill/>
-          <a:ln w="12700">
-            <a:solidFill>
-              <a:schemeClr val="tx1"/>
-            </a:solidFill>
-          </a:ln>
-        </p:spPr>
-        <p:txBody>
-          <a:bodyPr wrap="square" rtlCol="0">
-            <a:spAutoFit/>
-          </a:bodyPr>
-          <a:lstStyle/>
-          <a:p>
-            <a:r>
-              <a:rPr lang="de-DE" sz="1200" dirty="0" smtClean="0"/>
-              <a:t>ECM (</a:t>
-            </a:r>
-            <a:r>
-              <a:rPr lang="de-DE" sz="1200" dirty="0" err="1" smtClean="0"/>
-              <a:t>contracting</a:t>
-            </a:r>
-            <a:r>
-              <a:rPr lang="de-DE" sz="1200" dirty="0" smtClean="0"/>
-              <a:t>)</a:t>
-            </a:r>
-            <a:endParaRPr lang="en-US" sz="1200" dirty="0"/>
-          </a:p>
-        </p:txBody>
-      </p:sp>
-      <p:sp>
-        <p:nvSpPr>
-          <p:cNvPr id="14" name="Textfeld 13"/>
-          <p:cNvSpPr txBox="1"/>
-          <p:nvPr/>
-        </p:nvSpPr>
-        <p:spPr>
-          <a:xfrm>
-            <a:off x="2483768" y="4088105"/>
-            <a:ext cx="1728192" cy="276999"/>
-          </a:xfrm>
-          <a:prstGeom prst="rect">
-            <a:avLst/>
-          </a:prstGeom>
-          <a:noFill/>
-          <a:ln w="12700">
-            <a:solidFill>
-              <a:schemeClr val="tx1"/>
-            </a:solidFill>
-          </a:ln>
-        </p:spPr>
-        <p:txBody>
-          <a:bodyPr wrap="square" rtlCol="0">
-            <a:spAutoFit/>
-          </a:bodyPr>
-          <a:lstStyle/>
-          <a:p>
-            <a:r>
-              <a:rPr lang="de-DE" sz="1200" dirty="0" smtClean="0"/>
-              <a:t>EPM (</a:t>
-            </a:r>
-            <a:r>
-              <a:rPr lang="de-DE" sz="1200" dirty="0" err="1" smtClean="0"/>
-              <a:t>event</a:t>
-            </a:r>
-            <a:r>
-              <a:rPr lang="de-DE" sz="1200" dirty="0" smtClean="0"/>
-              <a:t> </a:t>
-            </a:r>
-            <a:r>
-              <a:rPr lang="de-DE" sz="1200" dirty="0" err="1" smtClean="0"/>
-              <a:t>processing</a:t>
-            </a:r>
-            <a:r>
-              <a:rPr lang="de-DE" sz="1200" dirty="0" smtClean="0"/>
-              <a:t>)</a:t>
-            </a:r>
-            <a:endParaRPr lang="en-US" sz="1200" dirty="0"/>
-          </a:p>
-        </p:txBody>
-      </p:sp>
-      <p:sp>
-        <p:nvSpPr>
-          <p:cNvPr id="11" name="Rechteck 10"/>
-          <p:cNvSpPr/>
-          <p:nvPr/>
-        </p:nvSpPr>
-        <p:spPr>
-          <a:xfrm>
-            <a:off x="4572000" y="3861048"/>
-            <a:ext cx="4392488" cy="2664296"/>
-          </a:xfrm>
-          <a:prstGeom prst="rect">
-            <a:avLst/>
-          </a:prstGeom>
-          <a:noFill/>
-          <a:ln>
-            <a:solidFill>
-              <a:schemeClr val="tx1"/>
-            </a:solidFill>
-          </a:ln>
-        </p:spPr>
-        <p:style>
-          <a:lnRef idx="2">
-            <a:schemeClr val="accent1">
-              <a:shade val="50000"/>
-            </a:schemeClr>
-          </a:lnRef>
-          <a:fillRef idx="1">
-            <a:schemeClr val="accent1"/>
-          </a:fillRef>
-          <a:effectRef idx="0">
-            <a:schemeClr val="accent1"/>
-          </a:effectRef>
-          <a:fontRef idx="minor">
-            <a:schemeClr val="lt1"/>
-          </a:fontRef>
-        </p:style>
-        <p:txBody>
-          <a:bodyPr rtlCol="0" anchor="ctr"/>
-          <a:lstStyle/>
-          <a:p>
-            <a:pPr algn="ctr"/>
-            <a:endParaRPr lang="en-US"/>
-          </a:p>
-        </p:txBody>
-      </p:sp>
-      <p:sp>
-        <p:nvSpPr>
-          <p:cNvPr id="2" name="Textfeld 1"/>
-          <p:cNvSpPr txBox="1"/>
-          <p:nvPr/>
-        </p:nvSpPr>
-        <p:spPr>
-          <a:xfrm>
-            <a:off x="4572000" y="3501008"/>
-            <a:ext cx="2154435" cy="369332"/>
+            <a:off x="4860032" y="980728"/>
+            <a:ext cx="2160240" cy="369332"/>
           </a:xfrm>
           <a:prstGeom prst="rect">
             <a:avLst/>
@@ -3630,8 +3640,8 @@
           <a:lstStyle/>
           <a:p>
             <a:r>
-              <a:rPr lang="de-DE" dirty="0" smtClean="0"/>
-              <a:t>Leitstand</a:t>
+              <a:rPr lang="de-DE" dirty="0" err="1" smtClean="0"/>
+              <a:t>LoFIP</a:t>
             </a:r>
             <a:endParaRPr lang="en-US" dirty="0"/>
           </a:p>
@@ -3639,299 +3649,16 @@
       </p:sp>
       <p:sp>
         <p:nvSpPr>
-          <p:cNvPr id="15" name="Textfeld 14"/>
-          <p:cNvSpPr txBox="1"/>
+          <p:cNvPr id="7" name="Rechteck 6"/>
+          <p:cNvSpPr/>
           <p:nvPr/>
         </p:nvSpPr>
         <p:spPr>
           <a:xfrm>
-            <a:off x="4716016" y="4160113"/>
-            <a:ext cx="1440160" cy="646331"/>
+            <a:off x="611560" y="4797152"/>
+            <a:ext cx="3456384" cy="360040"/>
           </a:xfrm>
           <a:prstGeom prst="rect">
-            <a:avLst/>
-          </a:prstGeom>
-          <a:noFill/>
-          <a:ln w="12700">
-            <a:solidFill>
-              <a:schemeClr val="tx1"/>
-            </a:solidFill>
-          </a:ln>
-        </p:spPr>
-        <p:txBody>
-          <a:bodyPr wrap="square" rtlCol="0">
-            <a:spAutoFit/>
-          </a:bodyPr>
-          <a:lstStyle/>
-          <a:p>
-            <a:r>
-              <a:rPr lang="de-DE" sz="1200" b="1" dirty="0" err="1" smtClean="0"/>
-              <a:t>Analyze</a:t>
-            </a:r>
-            <a:endParaRPr lang="de-DE" sz="1200" b="1" dirty="0" smtClean="0"/>
-          </a:p>
-          <a:p>
-            <a:r>
-              <a:rPr lang="de-DE" sz="1200" dirty="0" smtClean="0"/>
-              <a:t>(find </a:t>
-            </a:r>
-            <a:r>
-              <a:rPr lang="de-DE" sz="1200" dirty="0" err="1" smtClean="0"/>
-              <a:t>divergence</a:t>
-            </a:r>
-            <a:endParaRPr lang="de-DE" sz="1200" dirty="0" smtClean="0"/>
-          </a:p>
-          <a:p>
-            <a:r>
-              <a:rPr lang="de-DE" sz="1200" dirty="0" err="1" smtClean="0"/>
-              <a:t>and</a:t>
-            </a:r>
-            <a:r>
-              <a:rPr lang="de-DE" sz="1200" dirty="0" smtClean="0"/>
-              <a:t> </a:t>
-            </a:r>
-            <a:r>
-              <a:rPr lang="de-DE" sz="1200" dirty="0" err="1" smtClean="0"/>
-              <a:t>exceptions</a:t>
-            </a:r>
-            <a:r>
-              <a:rPr lang="de-DE" sz="1200" dirty="0" smtClean="0"/>
-              <a:t>)</a:t>
-            </a:r>
-            <a:endParaRPr lang="en-US" sz="1200" dirty="0"/>
-          </a:p>
-        </p:txBody>
-      </p:sp>
-      <p:sp>
-        <p:nvSpPr>
-          <p:cNvPr id="16" name="Textfeld 15"/>
-          <p:cNvSpPr txBox="1"/>
-          <p:nvPr/>
-        </p:nvSpPr>
-        <p:spPr>
-          <a:xfrm>
-            <a:off x="4716016" y="5518973"/>
-            <a:ext cx="1440160" cy="646331"/>
-          </a:xfrm>
-          <a:prstGeom prst="rect">
-            <a:avLst/>
-          </a:prstGeom>
-          <a:noFill/>
-          <a:ln w="12700">
-            <a:solidFill>
-              <a:schemeClr val="tx1"/>
-            </a:solidFill>
-          </a:ln>
-        </p:spPr>
-        <p:txBody>
-          <a:bodyPr wrap="square" rtlCol="0">
-            <a:spAutoFit/>
-          </a:bodyPr>
-          <a:lstStyle/>
-          <a:p>
-            <a:r>
-              <a:rPr lang="de-DE" sz="1200" b="1" dirty="0" smtClean="0"/>
-              <a:t>Monitor</a:t>
-            </a:r>
-          </a:p>
-          <a:p>
-            <a:r>
-              <a:rPr lang="de-DE" sz="1200" dirty="0" smtClean="0"/>
-              <a:t>(</a:t>
-            </a:r>
-            <a:r>
-              <a:rPr lang="de-DE" sz="1200" dirty="0" err="1" smtClean="0"/>
-              <a:t>harvest</a:t>
-            </a:r>
-            <a:r>
-              <a:rPr lang="de-DE" sz="1200" dirty="0" smtClean="0"/>
-              <a:t> </a:t>
-            </a:r>
-            <a:r>
-              <a:rPr lang="de-DE" sz="1200" dirty="0" err="1" smtClean="0"/>
-              <a:t>data</a:t>
-            </a:r>
-            <a:r>
-              <a:rPr lang="de-DE" sz="1200" dirty="0" smtClean="0"/>
-              <a:t>,</a:t>
-            </a:r>
-          </a:p>
-          <a:p>
-            <a:r>
-              <a:rPr lang="de-DE" sz="1200" dirty="0" err="1"/>
-              <a:t>f</a:t>
-            </a:r>
-            <a:r>
-              <a:rPr lang="de-DE" sz="1200" dirty="0" err="1" smtClean="0"/>
-              <a:t>ilter</a:t>
-            </a:r>
-            <a:r>
-              <a:rPr lang="de-DE" sz="1200" dirty="0" smtClean="0"/>
-              <a:t> </a:t>
-            </a:r>
-            <a:r>
-              <a:rPr lang="de-DE" sz="1200" dirty="0" err="1" smtClean="0"/>
-              <a:t>and</a:t>
-            </a:r>
-            <a:r>
-              <a:rPr lang="de-DE" sz="1200" dirty="0" smtClean="0"/>
-              <a:t> </a:t>
-            </a:r>
-            <a:r>
-              <a:rPr lang="de-DE" sz="1200" dirty="0" err="1" smtClean="0"/>
-              <a:t>aggregate</a:t>
-            </a:r>
-            <a:r>
-              <a:rPr lang="de-DE" sz="1200" dirty="0" smtClean="0"/>
-              <a:t>)</a:t>
-            </a:r>
-            <a:endParaRPr lang="en-US" sz="1200" dirty="0"/>
-          </a:p>
-        </p:txBody>
-      </p:sp>
-      <p:sp>
-        <p:nvSpPr>
-          <p:cNvPr id="17" name="Textfeld 16"/>
-          <p:cNvSpPr txBox="1"/>
-          <p:nvPr/>
-        </p:nvSpPr>
-        <p:spPr>
-          <a:xfrm>
-            <a:off x="7380312" y="4077072"/>
-            <a:ext cx="1440160" cy="830997"/>
-          </a:xfrm>
-          <a:prstGeom prst="rect">
-            <a:avLst/>
-          </a:prstGeom>
-          <a:noFill/>
-          <a:ln w="12700">
-            <a:solidFill>
-              <a:schemeClr val="tx1"/>
-            </a:solidFill>
-          </a:ln>
-        </p:spPr>
-        <p:txBody>
-          <a:bodyPr wrap="square" rtlCol="0">
-            <a:spAutoFit/>
-          </a:bodyPr>
-          <a:lstStyle/>
-          <a:p>
-            <a:r>
-              <a:rPr lang="de-DE" sz="1200" b="1" dirty="0" err="1" smtClean="0"/>
-              <a:t>PLan</a:t>
-            </a:r>
-            <a:endParaRPr lang="de-DE" sz="1200" b="1" dirty="0" smtClean="0"/>
-          </a:p>
-          <a:p>
-            <a:r>
-              <a:rPr lang="de-DE" sz="1200" dirty="0" smtClean="0"/>
-              <a:t>(</a:t>
-            </a:r>
-            <a:r>
-              <a:rPr lang="de-DE" sz="1200" dirty="0" err="1" smtClean="0"/>
-              <a:t>recognize</a:t>
-            </a:r>
-            <a:r>
-              <a:rPr lang="de-DE" sz="1200" dirty="0" smtClean="0"/>
-              <a:t> </a:t>
-            </a:r>
-            <a:r>
-              <a:rPr lang="de-DE" sz="1200" dirty="0" err="1" smtClean="0"/>
-              <a:t>and</a:t>
-            </a:r>
-            <a:r>
-              <a:rPr lang="de-DE" sz="1200" dirty="0" smtClean="0"/>
-              <a:t> </a:t>
-            </a:r>
-            <a:r>
-              <a:rPr lang="de-DE" sz="1200" dirty="0" err="1" smtClean="0"/>
-              <a:t>prioritize</a:t>
-            </a:r>
-            <a:r>
-              <a:rPr lang="de-DE" sz="1200" dirty="0" smtClean="0"/>
-              <a:t> alternatives</a:t>
-            </a:r>
-            <a:r>
-              <a:rPr lang="de-DE" sz="1200" dirty="0" smtClean="0"/>
-              <a:t>)</a:t>
-            </a:r>
-            <a:endParaRPr lang="en-US" sz="1200" dirty="0"/>
-          </a:p>
-        </p:txBody>
-      </p:sp>
-      <p:sp>
-        <p:nvSpPr>
-          <p:cNvPr id="18" name="Textfeld 17"/>
-          <p:cNvSpPr txBox="1"/>
-          <p:nvPr/>
-        </p:nvSpPr>
-        <p:spPr>
-          <a:xfrm>
-            <a:off x="7380312" y="5445224"/>
-            <a:ext cx="1440160" cy="646331"/>
-          </a:xfrm>
-          <a:prstGeom prst="rect">
-            <a:avLst/>
-          </a:prstGeom>
-          <a:noFill/>
-          <a:ln w="12700">
-            <a:solidFill>
-              <a:schemeClr val="tx1"/>
-            </a:solidFill>
-          </a:ln>
-        </p:spPr>
-        <p:txBody>
-          <a:bodyPr wrap="square" rtlCol="0">
-            <a:spAutoFit/>
-          </a:bodyPr>
-          <a:lstStyle/>
-          <a:p>
-            <a:r>
-              <a:rPr lang="de-DE" sz="1200" b="1" dirty="0" smtClean="0"/>
-              <a:t>Execute</a:t>
-            </a:r>
-          </a:p>
-          <a:p>
-            <a:r>
-              <a:rPr lang="de-DE" sz="1200" dirty="0" smtClean="0"/>
-              <a:t>(</a:t>
-            </a:r>
-            <a:r>
-              <a:rPr lang="de-DE" sz="1200" dirty="0" err="1" smtClean="0"/>
-              <a:t>adapt</a:t>
-            </a:r>
-            <a:r>
-              <a:rPr lang="de-DE" sz="1200" dirty="0" smtClean="0"/>
-              <a:t> </a:t>
-            </a:r>
-            <a:r>
-              <a:rPr lang="de-DE" sz="1200" dirty="0" err="1" smtClean="0"/>
-              <a:t>and</a:t>
-            </a:r>
-            <a:r>
-              <a:rPr lang="de-DE" sz="1200" dirty="0" smtClean="0"/>
-              <a:t> send plan</a:t>
-            </a:r>
-            <a:r>
-              <a:rPr lang="de-DE" sz="1200" dirty="0" smtClean="0"/>
-              <a:t>)</a:t>
-            </a:r>
-            <a:endParaRPr lang="en-US" sz="1200" dirty="0"/>
-          </a:p>
-        </p:txBody>
-      </p:sp>
-      <p:sp>
-        <p:nvSpPr>
-          <p:cNvPr id="3" name="Abgerundetes Rechteck 2"/>
-          <p:cNvSpPr/>
-          <p:nvPr/>
-        </p:nvSpPr>
-        <p:spPr>
-          <a:xfrm>
-            <a:off x="6294387" y="4513766"/>
-            <a:ext cx="864096" cy="1358860"/>
-          </a:xfrm>
-          <a:prstGeom prst="roundRect">
             <a:avLst/>
           </a:prstGeom>
           <a:noFill/>
@@ -3962,20 +3689,124 @@
           <a:lstStyle/>
           <a:p>
             <a:pPr algn="ctr"/>
-            <a:endParaRPr lang="en-US"/>
-          </a:p>
-        </p:txBody>
-      </p:sp>
-      <p:sp>
-        <p:nvSpPr>
-          <p:cNvPr id="4" name="Textfeld 3"/>
+            <a:r>
+              <a:rPr lang="de-DE" dirty="0" smtClean="0"/>
+              <a:t>fff</a:t>
+            </a:r>
+            <a:endParaRPr lang="en-US" dirty="0"/>
+          </a:p>
+        </p:txBody>
+      </p:sp>
+      <p:sp>
+        <p:nvSpPr>
+          <p:cNvPr id="8" name="Rechteck 7"/>
+          <p:cNvSpPr/>
+          <p:nvPr/>
+        </p:nvSpPr>
+        <p:spPr>
+          <a:xfrm>
+            <a:off x="611560" y="5301208"/>
+            <a:ext cx="3456384" cy="360040"/>
+          </a:xfrm>
+          <a:prstGeom prst="rect">
+            <a:avLst/>
+          </a:prstGeom>
+          <a:noFill/>
+          <a:ln w="12700">
+            <a:solidFill>
+              <a:schemeClr val="tx1"/>
+            </a:solidFill>
+          </a:ln>
+        </p:spPr>
+        <p:style>
+          <a:lnRef idx="2">
+            <a:schemeClr val="accent1">
+              <a:shade val="50000"/>
+            </a:schemeClr>
+          </a:lnRef>
+          <a:fillRef idx="1">
+            <a:schemeClr val="accent1"/>
+          </a:fillRef>
+          <a:effectRef idx="0">
+            <a:schemeClr val="accent1"/>
+          </a:effectRef>
+          <a:fontRef idx="minor">
+            <a:schemeClr val="lt1"/>
+          </a:fontRef>
+        </p:style>
+        <p:txBody>
+          <a:bodyPr rtlCol="0" anchor="ctr"/>
+          <a:lstStyle/>
+          <a:p>
+            <a:pPr algn="ctr"/>
+            <a:r>
+              <a:rPr lang="de-DE" dirty="0" smtClean="0"/>
+              <a:t>fff</a:t>
+            </a:r>
+            <a:endParaRPr lang="en-US" dirty="0"/>
+          </a:p>
+        </p:txBody>
+      </p:sp>
+      <p:sp>
+        <p:nvSpPr>
+          <p:cNvPr id="9" name="Rechteck 8"/>
+          <p:cNvSpPr/>
+          <p:nvPr/>
+        </p:nvSpPr>
+        <p:spPr>
+          <a:xfrm>
+            <a:off x="611560" y="5805264"/>
+            <a:ext cx="3456384" cy="360040"/>
+          </a:xfrm>
+          <a:prstGeom prst="rect">
+            <a:avLst/>
+          </a:prstGeom>
+          <a:noFill/>
+          <a:ln w="12700">
+            <a:solidFill>
+              <a:schemeClr val="tx1"/>
+            </a:solidFill>
+          </a:ln>
+        </p:spPr>
+        <p:style>
+          <a:lnRef idx="2">
+            <a:schemeClr val="accent1">
+              <a:shade val="50000"/>
+            </a:schemeClr>
+          </a:lnRef>
+          <a:fillRef idx="1">
+            <a:schemeClr val="accent1"/>
+          </a:fillRef>
+          <a:effectRef idx="0">
+            <a:schemeClr val="accent1"/>
+          </a:effectRef>
+          <a:fontRef idx="minor">
+            <a:schemeClr val="lt1"/>
+          </a:fontRef>
+        </p:style>
+        <p:txBody>
+          <a:bodyPr rtlCol="0" anchor="ctr"/>
+          <a:lstStyle/>
+          <a:p>
+            <a:pPr algn="ctr"/>
+            <a:r>
+              <a:rPr lang="de-DE" dirty="0" smtClean="0"/>
+              <a:t>fff</a:t>
+            </a:r>
+            <a:endParaRPr lang="en-US" dirty="0"/>
+          </a:p>
+        </p:txBody>
+      </p:sp>
+      <p:sp>
+        <p:nvSpPr>
+          <p:cNvPr id="10" name="Textfeld 9"/>
           <p:cNvSpPr txBox="1"/>
           <p:nvPr/>
         </p:nvSpPr>
         <p:spPr>
           <a:xfrm>
-            <a:off x="6444208" y="4806444"/>
-            <a:ext cx="936104" cy="461665"/>
+            <a:off x="611560" y="4797152"/>
+            <a:ext cx="3456384" cy="369332"/>
           </a:xfrm>
           <a:prstGeom prst="rect">
             <a:avLst/>
@@ -3989,34 +3820,23 @@
           <a:lstStyle/>
           <a:p>
             <a:r>
-              <a:rPr lang="de-DE" sz="1200" b="1" dirty="0" err="1" smtClean="0"/>
-              <a:t>Knowledge</a:t>
-            </a:r>
-            <a:endParaRPr lang="de-DE" sz="1200" b="1" dirty="0" smtClean="0"/>
-          </a:p>
-          <a:p>
-            <a:r>
-              <a:rPr lang="de-DE" sz="1200" dirty="0" smtClean="0"/>
-              <a:t>- </a:t>
-            </a:r>
-            <a:r>
-              <a:rPr lang="de-DE" sz="1200" dirty="0" err="1" smtClean="0"/>
-              <a:t>history</a:t>
-            </a:r>
-            <a:endParaRPr lang="en-US" sz="1200" dirty="0"/>
-          </a:p>
-        </p:txBody>
-      </p:sp>
-      <p:sp>
-        <p:nvSpPr>
-          <p:cNvPr id="9" name="Textfeld 8"/>
+              <a:rPr lang="de-DE" dirty="0" smtClean="0"/>
+              <a:t>Front end</a:t>
+            </a:r>
+            <a:endParaRPr lang="en-US" dirty="0"/>
+          </a:p>
+        </p:txBody>
+      </p:sp>
+      <p:sp>
+        <p:nvSpPr>
+          <p:cNvPr id="11" name="Textfeld 10"/>
           <p:cNvSpPr txBox="1"/>
           <p:nvPr/>
         </p:nvSpPr>
         <p:spPr>
           <a:xfrm>
-            <a:off x="4572000" y="836712"/>
-            <a:ext cx="4392488" cy="1815882"/>
+            <a:off x="611560" y="5805264"/>
+            <a:ext cx="3456384" cy="369332"/>
           </a:xfrm>
           <a:prstGeom prst="rect">
             <a:avLst/>
@@ -4030,166 +3850,23 @@
           <a:lstStyle/>
           <a:p>
             <a:r>
-              <a:rPr lang="de-DE" sz="1400" dirty="0" err="1" smtClean="0"/>
-              <a:t>Purpose</a:t>
-            </a:r>
-            <a:r>
-              <a:rPr lang="de-DE" sz="1400" dirty="0" smtClean="0"/>
-              <a:t>:</a:t>
-            </a:r>
-          </a:p>
-          <a:p>
-            <a:pPr marL="285750" indent="-285750">
-              <a:buFontTx/>
-              <a:buChar char="-"/>
-            </a:pPr>
-            <a:r>
-              <a:rPr lang="de-DE" sz="1400" dirty="0" smtClean="0"/>
-              <a:t>Domain </a:t>
-            </a:r>
-            <a:r>
-              <a:rPr lang="de-DE" sz="1400" dirty="0" err="1" smtClean="0"/>
-              <a:t>and</a:t>
-            </a:r>
-            <a:r>
-              <a:rPr lang="de-DE" sz="1400" dirty="0" smtClean="0"/>
-              <a:t> </a:t>
-            </a:r>
-            <a:r>
-              <a:rPr lang="de-DE" sz="1400" dirty="0" err="1" smtClean="0"/>
-              <a:t>conceptual</a:t>
-            </a:r>
-            <a:r>
-              <a:rPr lang="de-DE" sz="1400" dirty="0" smtClean="0"/>
-              <a:t> </a:t>
-            </a:r>
-            <a:r>
-              <a:rPr lang="de-DE" sz="1400" dirty="0" err="1" smtClean="0"/>
-              <a:t>architecture</a:t>
-            </a:r>
-            <a:r>
-              <a:rPr lang="de-DE" sz="1400" dirty="0" smtClean="0"/>
-              <a:t> </a:t>
-            </a:r>
-            <a:r>
-              <a:rPr lang="de-DE" sz="1400" dirty="0" err="1" smtClean="0"/>
-              <a:t>of</a:t>
-            </a:r>
-            <a:r>
-              <a:rPr lang="de-DE" sz="1400" dirty="0" smtClean="0"/>
-              <a:t> a Leitstand (</a:t>
-            </a:r>
-            <a:r>
-              <a:rPr lang="de-DE" sz="1400" dirty="0" err="1" smtClean="0"/>
-              <a:t>control</a:t>
-            </a:r>
-            <a:r>
-              <a:rPr lang="de-DE" sz="1400" dirty="0" smtClean="0"/>
-              <a:t> </a:t>
-            </a:r>
-            <a:r>
-              <a:rPr lang="de-DE" sz="1400" dirty="0" err="1" smtClean="0"/>
-              <a:t>station</a:t>
-            </a:r>
-            <a:r>
-              <a:rPr lang="de-DE" sz="1400" dirty="0" smtClean="0"/>
-              <a:t>)</a:t>
-            </a:r>
-          </a:p>
-          <a:p>
-            <a:pPr marL="285750" indent="-285750">
-              <a:buFontTx/>
-              <a:buChar char="-"/>
-            </a:pPr>
-            <a:r>
-              <a:rPr lang="de-DE" sz="1400" dirty="0" err="1" smtClean="0"/>
-              <a:t>Generic</a:t>
-            </a:r>
-            <a:r>
-              <a:rPr lang="de-DE" sz="1400" dirty="0" smtClean="0"/>
-              <a:t> design </a:t>
-            </a:r>
-            <a:r>
-              <a:rPr lang="de-DE" sz="1400" dirty="0" err="1" smtClean="0"/>
-              <a:t>of</a:t>
-            </a:r>
-            <a:r>
-              <a:rPr lang="de-DE" sz="1400" dirty="0" smtClean="0"/>
-              <a:t> Future </a:t>
-            </a:r>
-            <a:r>
-              <a:rPr lang="de-DE" sz="1400" dirty="0" err="1" smtClean="0"/>
-              <a:t>IoT</a:t>
-            </a:r>
-            <a:r>
-              <a:rPr lang="de-DE" sz="1400" dirty="0" smtClean="0"/>
-              <a:t> Leitständen </a:t>
-            </a:r>
-            <a:r>
-              <a:rPr lang="de-DE" sz="1400" dirty="0" err="1" smtClean="0"/>
-              <a:t>and</a:t>
-            </a:r>
-            <a:r>
-              <a:rPr lang="de-DE" sz="1400" dirty="0" smtClean="0"/>
-              <a:t> Future Internet Leitstände</a:t>
-            </a:r>
-          </a:p>
-          <a:p>
-            <a:pPr marL="285750" indent="-285750">
-              <a:buFontTx/>
-              <a:buChar char="-"/>
-            </a:pPr>
-            <a:r>
-              <a:rPr lang="de-DE" sz="1400" dirty="0" smtClean="0"/>
-              <a:t>MAPE-K Loop </a:t>
-            </a:r>
-            <a:r>
-              <a:rPr lang="de-DE" sz="1400" dirty="0" err="1" smtClean="0"/>
-              <a:t>approach</a:t>
-            </a:r>
-            <a:endParaRPr lang="de-DE" sz="1400" dirty="0" smtClean="0"/>
-          </a:p>
-          <a:p>
-            <a:r>
-              <a:rPr lang="de-DE" sz="1400" dirty="0" smtClean="0"/>
-              <a:t>GOAL:</a:t>
-            </a:r>
-          </a:p>
-          <a:p>
-            <a:r>
-              <a:rPr lang="de-DE" sz="1400" dirty="0" smtClean="0"/>
-              <a:t>- Leitstand </a:t>
-            </a:r>
-            <a:r>
-              <a:rPr lang="de-DE" sz="1400" dirty="0" err="1" smtClean="0"/>
-              <a:t>architecture</a:t>
-            </a:r>
-            <a:r>
-              <a:rPr lang="de-DE" sz="1400" dirty="0" smtClean="0"/>
-              <a:t> (</a:t>
-            </a:r>
-            <a:r>
-              <a:rPr lang="de-DE" sz="1400" dirty="0" err="1" smtClean="0"/>
-              <a:t>coneceptual</a:t>
-            </a:r>
-            <a:r>
-              <a:rPr lang="de-DE" sz="1400" dirty="0" smtClean="0"/>
-              <a:t>)</a:t>
-            </a:r>
-            <a:endParaRPr lang="en-US" sz="1400" dirty="0"/>
-          </a:p>
-        </p:txBody>
-      </p:sp>
-      <p:sp>
-        <p:nvSpPr>
-          <p:cNvPr id="19" name="Textfeld 18"/>
+              <a:rPr lang="de-DE" dirty="0" smtClean="0"/>
+              <a:t>back end</a:t>
+            </a:r>
+            <a:endParaRPr lang="en-US" dirty="0"/>
+          </a:p>
+        </p:txBody>
+      </p:sp>
+      <p:sp>
+        <p:nvSpPr>
+          <p:cNvPr id="12" name="Textfeld 11"/>
           <p:cNvSpPr txBox="1"/>
           <p:nvPr/>
         </p:nvSpPr>
         <p:spPr>
           <a:xfrm>
-            <a:off x="179512" y="836712"/>
-            <a:ext cx="4464496" cy="2677656"/>
+            <a:off x="611560" y="5301208"/>
+            <a:ext cx="3456384" cy="369332"/>
           </a:xfrm>
           <a:prstGeom prst="rect">
             <a:avLst/>
@@ -4203,364 +3880,337 @@
           <a:lstStyle/>
           <a:p>
             <a:r>
-              <a:rPr lang="de-DE" sz="1400" dirty="0" err="1" smtClean="0"/>
-              <a:t>Purpose</a:t>
-            </a:r>
-            <a:r>
-              <a:rPr lang="de-DE" sz="1400" dirty="0" smtClean="0"/>
-              <a:t>:</a:t>
-            </a:r>
-          </a:p>
-          <a:p>
-            <a:pPr marL="285750" indent="-285750">
-              <a:buFontTx/>
-              <a:buChar char="-"/>
-            </a:pPr>
-            <a:r>
-              <a:rPr lang="de-DE" sz="1400" dirty="0" smtClean="0"/>
-              <a:t>A </a:t>
-            </a:r>
-            <a:r>
-              <a:rPr lang="de-DE" sz="1400" dirty="0" err="1" smtClean="0"/>
-              <a:t>collaboration</a:t>
-            </a:r>
-            <a:r>
-              <a:rPr lang="de-DE" sz="1400" dirty="0" smtClean="0"/>
-              <a:t> </a:t>
-            </a:r>
-            <a:r>
-              <a:rPr lang="de-DE" sz="1400" dirty="0" err="1" smtClean="0"/>
-              <a:t>and</a:t>
-            </a:r>
-            <a:r>
-              <a:rPr lang="de-DE" sz="1400" dirty="0" smtClean="0"/>
-              <a:t> </a:t>
-            </a:r>
-            <a:r>
-              <a:rPr lang="de-DE" sz="1400" dirty="0" err="1" smtClean="0"/>
-              <a:t>integration</a:t>
-            </a:r>
-            <a:r>
-              <a:rPr lang="de-DE" sz="1400" dirty="0" smtClean="0"/>
-              <a:t> </a:t>
-            </a:r>
-            <a:r>
-              <a:rPr lang="de-DE" sz="1400" dirty="0" err="1" smtClean="0"/>
-              <a:t>platform</a:t>
-            </a:r>
-            <a:r>
-              <a:rPr lang="de-DE" sz="1400" dirty="0" smtClean="0"/>
-              <a:t> </a:t>
-            </a:r>
-            <a:r>
-              <a:rPr lang="de-DE" sz="1400" dirty="0" err="1" smtClean="0"/>
-              <a:t>for</a:t>
-            </a:r>
-            <a:r>
-              <a:rPr lang="de-DE" sz="1400" dirty="0" smtClean="0"/>
-              <a:t> </a:t>
-            </a:r>
-            <a:r>
-              <a:rPr lang="de-DE" sz="1400" dirty="0" err="1" smtClean="0"/>
-              <a:t>transport</a:t>
-            </a:r>
-            <a:r>
-              <a:rPr lang="de-DE" sz="1400" dirty="0" smtClean="0"/>
-              <a:t> </a:t>
-            </a:r>
-            <a:r>
-              <a:rPr lang="de-DE" sz="1400" dirty="0" err="1" smtClean="0"/>
-              <a:t>and</a:t>
-            </a:r>
-            <a:r>
-              <a:rPr lang="de-DE" sz="1400" dirty="0" smtClean="0"/>
-              <a:t> </a:t>
-            </a:r>
-            <a:r>
-              <a:rPr lang="de-DE" sz="1400" dirty="0" err="1" smtClean="0"/>
-              <a:t>logicstic</a:t>
-            </a:r>
-            <a:r>
-              <a:rPr lang="de-DE" sz="1400" dirty="0" smtClean="0"/>
-              <a:t> </a:t>
-            </a:r>
-            <a:r>
-              <a:rPr lang="de-DE" sz="1400" dirty="0" err="1" smtClean="0"/>
-              <a:t>industry</a:t>
-            </a:r>
-            <a:r>
-              <a:rPr lang="de-DE" sz="1400" dirty="0" smtClean="0"/>
-              <a:t>.</a:t>
-            </a:r>
-          </a:p>
-          <a:p>
-            <a:pPr marL="285750" indent="-285750">
-              <a:buFontTx/>
-              <a:buChar char="-"/>
-            </a:pPr>
-            <a:r>
-              <a:rPr lang="de-DE" sz="1400" dirty="0" err="1" smtClean="0"/>
-              <a:t>Enable</a:t>
-            </a:r>
-            <a:r>
-              <a:rPr lang="de-DE" sz="1400" dirty="0" smtClean="0"/>
-              <a:t> Future </a:t>
-            </a:r>
-            <a:r>
-              <a:rPr lang="de-DE" sz="1400" b="1" dirty="0" err="1" smtClean="0"/>
-              <a:t>IoT</a:t>
-            </a:r>
-            <a:r>
-              <a:rPr lang="de-DE" sz="1400" b="1" dirty="0" smtClean="0"/>
-              <a:t> implementations </a:t>
-            </a:r>
-            <a:r>
-              <a:rPr lang="de-DE" sz="1400" dirty="0" smtClean="0"/>
-              <a:t>/ </a:t>
-            </a:r>
-            <a:r>
-              <a:rPr lang="de-DE" sz="1400" dirty="0" err="1" smtClean="0"/>
-              <a:t>technologies</a:t>
-            </a:r>
-            <a:endParaRPr lang="de-DE" sz="1400" dirty="0" smtClean="0"/>
-          </a:p>
-          <a:p>
-            <a:pPr marL="285750" indent="-285750">
-              <a:buFontTx/>
-              <a:buChar char="-"/>
-            </a:pPr>
-            <a:r>
-              <a:rPr lang="de-DE" sz="1400" dirty="0" smtClean="0"/>
-              <a:t>Future </a:t>
-            </a:r>
-            <a:r>
-              <a:rPr lang="de-DE" sz="1400" b="1" dirty="0" err="1" smtClean="0"/>
-              <a:t>IoT</a:t>
-            </a:r>
-            <a:r>
-              <a:rPr lang="de-DE" sz="1400" b="1" dirty="0" smtClean="0"/>
-              <a:t> </a:t>
-            </a:r>
-            <a:r>
-              <a:rPr lang="de-DE" sz="1400" b="1" dirty="0" err="1" smtClean="0"/>
-              <a:t>platform</a:t>
-            </a:r>
-            <a:r>
-              <a:rPr lang="de-DE" sz="1400" b="1" dirty="0" smtClean="0"/>
-              <a:t> </a:t>
-            </a:r>
-            <a:r>
-              <a:rPr lang="de-DE" sz="1400" dirty="0" smtClean="0"/>
-              <a:t>(</a:t>
-            </a:r>
-            <a:r>
-              <a:rPr lang="de-DE" sz="1400" dirty="0" err="1" smtClean="0"/>
-              <a:t>for</a:t>
-            </a:r>
-            <a:r>
-              <a:rPr lang="de-DE" sz="1400" dirty="0" smtClean="0"/>
-              <a:t> </a:t>
-            </a:r>
-            <a:r>
-              <a:rPr lang="de-DE" sz="1400" dirty="0" err="1" smtClean="0"/>
-              <a:t>logicstics</a:t>
-            </a:r>
-            <a:r>
-              <a:rPr lang="de-DE" sz="1400" dirty="0" smtClean="0"/>
-              <a:t>)</a:t>
-            </a:r>
-          </a:p>
-          <a:p>
-            <a:pPr marL="285750" indent="-285750">
-              <a:buFontTx/>
-              <a:buChar char="-"/>
-            </a:pPr>
-            <a:r>
-              <a:rPr lang="de-DE" sz="1400" dirty="0" err="1" smtClean="0"/>
-              <a:t>Provide</a:t>
-            </a:r>
-            <a:r>
-              <a:rPr lang="de-DE" sz="1400" dirty="0" smtClean="0"/>
-              <a:t> a </a:t>
-            </a:r>
-            <a:r>
-              <a:rPr lang="de-DE" sz="1400" dirty="0" err="1" smtClean="0"/>
-              <a:t>platform</a:t>
-            </a:r>
-            <a:r>
-              <a:rPr lang="de-DE" sz="1400" dirty="0" smtClean="0"/>
-              <a:t> </a:t>
-            </a:r>
-            <a:r>
-              <a:rPr lang="de-DE" sz="1400" dirty="0" err="1" smtClean="0"/>
-              <a:t>for</a:t>
-            </a:r>
-            <a:r>
-              <a:rPr lang="de-DE" sz="1400" dirty="0" smtClean="0"/>
-              <a:t> </a:t>
-            </a:r>
-            <a:r>
-              <a:rPr lang="de-DE" sz="1400" dirty="0" err="1" smtClean="0"/>
-              <a:t>collaboration</a:t>
-            </a:r>
-            <a:r>
-              <a:rPr lang="de-DE" sz="1400" dirty="0" smtClean="0"/>
-              <a:t> (</a:t>
-            </a:r>
-            <a:r>
-              <a:rPr lang="de-DE" sz="1400" dirty="0" err="1" smtClean="0"/>
-              <a:t>information</a:t>
-            </a:r>
-            <a:r>
-              <a:rPr lang="de-DE" sz="1400" dirty="0" smtClean="0"/>
-              <a:t> </a:t>
-            </a:r>
-            <a:r>
-              <a:rPr lang="de-DE" sz="1400" dirty="0" err="1" smtClean="0"/>
-              <a:t>exchange</a:t>
-            </a:r>
-            <a:r>
-              <a:rPr lang="de-DE" sz="1400" dirty="0" smtClean="0"/>
-              <a:t>, </a:t>
-            </a:r>
-            <a:r>
-              <a:rPr lang="de-DE" sz="1400" dirty="0" err="1" smtClean="0"/>
-              <a:t>communication</a:t>
-            </a:r>
-            <a:r>
-              <a:rPr lang="de-DE" sz="1400" dirty="0" smtClean="0"/>
-              <a:t>) </a:t>
-            </a:r>
-            <a:r>
-              <a:rPr lang="de-DE" sz="1400" dirty="0" err="1" smtClean="0"/>
-              <a:t>between</a:t>
-            </a:r>
-            <a:r>
-              <a:rPr lang="de-DE" sz="1400" dirty="0" smtClean="0"/>
-              <a:t> </a:t>
-            </a:r>
-            <a:r>
-              <a:rPr lang="de-DE" sz="1400" dirty="0" err="1" smtClean="0"/>
-              <a:t>stakeholders</a:t>
-            </a:r>
-            <a:r>
-              <a:rPr lang="de-DE" sz="1400" dirty="0" smtClean="0"/>
-              <a:t> </a:t>
-            </a:r>
-            <a:r>
-              <a:rPr lang="de-DE" sz="1400" dirty="0" err="1" smtClean="0"/>
-              <a:t>working</a:t>
-            </a:r>
-            <a:r>
-              <a:rPr lang="de-DE" sz="1400" dirty="0" smtClean="0"/>
-              <a:t> in </a:t>
-            </a:r>
-            <a:r>
-              <a:rPr lang="de-DE" sz="1400" dirty="0" err="1" smtClean="0"/>
-              <a:t>logicsts</a:t>
-            </a:r>
-            <a:r>
-              <a:rPr lang="de-DE" sz="1400" dirty="0" smtClean="0"/>
-              <a:t> </a:t>
-            </a:r>
-            <a:r>
-              <a:rPr lang="de-DE" sz="1400" dirty="0" err="1" smtClean="0"/>
-              <a:t>domain</a:t>
-            </a:r>
-            <a:r>
-              <a:rPr lang="de-DE" sz="1400" dirty="0" smtClean="0"/>
-              <a:t>.</a:t>
-            </a:r>
-          </a:p>
-          <a:p>
-            <a:pPr marL="742950" lvl="1" indent="-285750">
-              <a:buFontTx/>
-              <a:buChar char="-"/>
-            </a:pPr>
-            <a:r>
-              <a:rPr lang="de-DE" sz="1400" dirty="0" err="1" smtClean="0"/>
-              <a:t>Stakeholders</a:t>
-            </a:r>
-            <a:r>
-              <a:rPr lang="de-DE" sz="1400" dirty="0" smtClean="0"/>
-              <a:t>: </a:t>
-            </a:r>
-            <a:r>
-              <a:rPr lang="de-DE" sz="1400" dirty="0" err="1" smtClean="0"/>
-              <a:t>Shipper</a:t>
-            </a:r>
-            <a:r>
-              <a:rPr lang="de-DE" sz="1400" dirty="0" smtClean="0"/>
-              <a:t>, </a:t>
-            </a:r>
-            <a:r>
-              <a:rPr lang="de-DE" sz="1400" dirty="0" err="1" smtClean="0"/>
-              <a:t>Forwarder</a:t>
-            </a:r>
-            <a:r>
-              <a:rPr lang="de-DE" sz="1400" dirty="0" smtClean="0"/>
-              <a:t>, Carrier, Authority</a:t>
-            </a:r>
-          </a:p>
-          <a:p>
-            <a:r>
-              <a:rPr lang="de-DE" sz="1400" dirty="0" smtClean="0"/>
-              <a:t>GOAL:</a:t>
-            </a:r>
-          </a:p>
-          <a:p>
-            <a:r>
-              <a:rPr lang="de-DE" sz="1400" dirty="0" smtClean="0"/>
-              <a:t>- </a:t>
-            </a:r>
-            <a:r>
-              <a:rPr lang="de-DE" sz="1400" dirty="0" err="1" smtClean="0"/>
-              <a:t>Architecture</a:t>
-            </a:r>
-            <a:r>
-              <a:rPr lang="de-DE" sz="1400" dirty="0" smtClean="0"/>
-              <a:t> </a:t>
-            </a:r>
-            <a:r>
-              <a:rPr lang="de-DE" sz="1400" dirty="0" err="1" smtClean="0"/>
-              <a:t>of</a:t>
-            </a:r>
-            <a:r>
-              <a:rPr lang="de-DE" sz="1400" dirty="0" smtClean="0"/>
-              <a:t>  a </a:t>
-            </a:r>
-            <a:r>
-              <a:rPr lang="de-DE" sz="1400" dirty="0" err="1" smtClean="0"/>
-              <a:t>collaboration</a:t>
-            </a:r>
-            <a:r>
-              <a:rPr lang="de-DE" sz="1400" dirty="0" smtClean="0"/>
-              <a:t> (</a:t>
-            </a:r>
-            <a:r>
-              <a:rPr lang="de-DE" sz="1400" dirty="0" err="1" smtClean="0"/>
-              <a:t>communication</a:t>
-            </a:r>
-            <a:r>
-              <a:rPr lang="de-DE" sz="1400" dirty="0" smtClean="0"/>
-              <a:t>) </a:t>
-            </a:r>
-            <a:r>
-              <a:rPr lang="de-DE" sz="1400" dirty="0" err="1" smtClean="0"/>
-              <a:t>platform</a:t>
-            </a:r>
-            <a:r>
-              <a:rPr lang="de-DE" sz="1400" dirty="0" smtClean="0"/>
-              <a:t> </a:t>
-            </a:r>
-            <a:endParaRPr lang="en-US" sz="1400" dirty="0"/>
+              <a:rPr lang="de-DE" dirty="0" smtClean="0"/>
+              <a:t>CORE </a:t>
+            </a:r>
+            <a:r>
+              <a:rPr lang="de-DE" dirty="0" err="1" smtClean="0"/>
+              <a:t>modules</a:t>
+            </a:r>
+            <a:endParaRPr lang="en-US" dirty="0"/>
+          </a:p>
+        </p:txBody>
+      </p:sp>
+      <p:sp>
+        <p:nvSpPr>
+          <p:cNvPr id="15" name="Rechteck 14"/>
+          <p:cNvSpPr/>
+          <p:nvPr/>
+        </p:nvSpPr>
+        <p:spPr>
+          <a:xfrm>
+            <a:off x="5364088" y="4797152"/>
+            <a:ext cx="3456384" cy="360040"/>
+          </a:xfrm>
+          <a:prstGeom prst="rect">
+            <a:avLst/>
+          </a:prstGeom>
+          <a:noFill/>
+          <a:ln w="12700">
+            <a:solidFill>
+              <a:schemeClr val="tx1"/>
+            </a:solidFill>
+          </a:ln>
+        </p:spPr>
+        <p:style>
+          <a:lnRef idx="2">
+            <a:schemeClr val="accent1">
+              <a:shade val="50000"/>
+            </a:schemeClr>
+          </a:lnRef>
+          <a:fillRef idx="1">
+            <a:schemeClr val="accent1"/>
+          </a:fillRef>
+          <a:effectRef idx="0">
+            <a:schemeClr val="accent1"/>
+          </a:effectRef>
+          <a:fontRef idx="minor">
+            <a:schemeClr val="lt1"/>
+          </a:fontRef>
+        </p:style>
+        <p:txBody>
+          <a:bodyPr rtlCol="0" anchor="ctr"/>
+          <a:lstStyle/>
+          <a:p>
+            <a:pPr algn="ctr"/>
+            <a:r>
+              <a:rPr lang="de-DE" dirty="0" smtClean="0"/>
+              <a:t>fff</a:t>
+            </a:r>
+            <a:endParaRPr lang="en-US" dirty="0"/>
+          </a:p>
+        </p:txBody>
+      </p:sp>
+      <p:sp>
+        <p:nvSpPr>
+          <p:cNvPr id="16" name="Rechteck 15"/>
+          <p:cNvSpPr/>
+          <p:nvPr/>
+        </p:nvSpPr>
+        <p:spPr>
+          <a:xfrm>
+            <a:off x="5364088" y="5301208"/>
+            <a:ext cx="3456384" cy="360040"/>
+          </a:xfrm>
+          <a:prstGeom prst="rect">
+            <a:avLst/>
+          </a:prstGeom>
+          <a:noFill/>
+          <a:ln w="12700">
+            <a:solidFill>
+              <a:schemeClr val="tx1"/>
+            </a:solidFill>
+          </a:ln>
+        </p:spPr>
+        <p:style>
+          <a:lnRef idx="2">
+            <a:schemeClr val="accent1">
+              <a:shade val="50000"/>
+            </a:schemeClr>
+          </a:lnRef>
+          <a:fillRef idx="1">
+            <a:schemeClr val="accent1"/>
+          </a:fillRef>
+          <a:effectRef idx="0">
+            <a:schemeClr val="accent1"/>
+          </a:effectRef>
+          <a:fontRef idx="minor">
+            <a:schemeClr val="lt1"/>
+          </a:fontRef>
+        </p:style>
+        <p:txBody>
+          <a:bodyPr rtlCol="0" anchor="ctr"/>
+          <a:lstStyle/>
+          <a:p>
+            <a:pPr algn="ctr"/>
+            <a:r>
+              <a:rPr lang="de-DE" dirty="0" smtClean="0"/>
+              <a:t>fff</a:t>
+            </a:r>
+            <a:endParaRPr lang="en-US" dirty="0"/>
+          </a:p>
+        </p:txBody>
+      </p:sp>
+      <p:sp>
+        <p:nvSpPr>
+          <p:cNvPr id="17" name="Rechteck 16"/>
+          <p:cNvSpPr/>
+          <p:nvPr/>
+        </p:nvSpPr>
+        <p:spPr>
+          <a:xfrm>
+            <a:off x="5364088" y="5805264"/>
+            <a:ext cx="3456384" cy="360040"/>
+          </a:xfrm>
+          <a:prstGeom prst="rect">
+            <a:avLst/>
+          </a:prstGeom>
+          <a:noFill/>
+          <a:ln w="12700">
+            <a:solidFill>
+              <a:schemeClr val="tx1"/>
+            </a:solidFill>
+          </a:ln>
+        </p:spPr>
+        <p:style>
+          <a:lnRef idx="2">
+            <a:schemeClr val="accent1">
+              <a:shade val="50000"/>
+            </a:schemeClr>
+          </a:lnRef>
+          <a:fillRef idx="1">
+            <a:schemeClr val="accent1"/>
+          </a:fillRef>
+          <a:effectRef idx="0">
+            <a:schemeClr val="accent1"/>
+          </a:effectRef>
+          <a:fontRef idx="minor">
+            <a:schemeClr val="lt1"/>
+          </a:fontRef>
+        </p:style>
+        <p:txBody>
+          <a:bodyPr rtlCol="0" anchor="ctr"/>
+          <a:lstStyle/>
+          <a:p>
+            <a:pPr algn="ctr"/>
+            <a:r>
+              <a:rPr lang="de-DE" dirty="0" smtClean="0"/>
+              <a:t>fff</a:t>
+            </a:r>
+            <a:endParaRPr lang="en-US" dirty="0"/>
+          </a:p>
+        </p:txBody>
+      </p:sp>
+      <p:sp>
+        <p:nvSpPr>
+          <p:cNvPr id="18" name="Textfeld 17"/>
+          <p:cNvSpPr txBox="1"/>
+          <p:nvPr/>
+        </p:nvSpPr>
+        <p:spPr>
+          <a:xfrm>
+            <a:off x="5364088" y="4797152"/>
+            <a:ext cx="3456384" cy="369332"/>
+          </a:xfrm>
+          <a:prstGeom prst="rect">
+            <a:avLst/>
+          </a:prstGeom>
+          <a:noFill/>
+        </p:spPr>
+        <p:txBody>
+          <a:bodyPr wrap="square" rtlCol="0">
+            <a:spAutoFit/>
+          </a:bodyPr>
+          <a:lstStyle/>
+          <a:p>
+            <a:r>
+              <a:rPr lang="de-DE" dirty="0" smtClean="0"/>
+              <a:t>Front end</a:t>
+            </a:r>
+            <a:endParaRPr lang="en-US" dirty="0"/>
+          </a:p>
+        </p:txBody>
+      </p:sp>
+      <p:sp>
+        <p:nvSpPr>
+          <p:cNvPr id="19" name="Textfeld 18"/>
+          <p:cNvSpPr txBox="1"/>
+          <p:nvPr/>
+        </p:nvSpPr>
+        <p:spPr>
+          <a:xfrm>
+            <a:off x="5364088" y="5805264"/>
+            <a:ext cx="3456384" cy="369332"/>
+          </a:xfrm>
+          <a:prstGeom prst="rect">
+            <a:avLst/>
+          </a:prstGeom>
+          <a:noFill/>
+        </p:spPr>
+        <p:txBody>
+          <a:bodyPr wrap="square" rtlCol="0">
+            <a:spAutoFit/>
+          </a:bodyPr>
+          <a:lstStyle/>
+          <a:p>
+            <a:r>
+              <a:rPr lang="de-DE" dirty="0" smtClean="0"/>
+              <a:t>back end</a:t>
+            </a:r>
+            <a:endParaRPr lang="en-US" dirty="0"/>
+          </a:p>
+        </p:txBody>
+      </p:sp>
+      <p:sp>
+        <p:nvSpPr>
+          <p:cNvPr id="20" name="Textfeld 19"/>
+          <p:cNvSpPr txBox="1"/>
+          <p:nvPr/>
+        </p:nvSpPr>
+        <p:spPr>
+          <a:xfrm>
+            <a:off x="5364088" y="5301208"/>
+            <a:ext cx="3456384" cy="369332"/>
+          </a:xfrm>
+          <a:prstGeom prst="rect">
+            <a:avLst/>
+          </a:prstGeom>
+          <a:noFill/>
+        </p:spPr>
+        <p:txBody>
+          <a:bodyPr wrap="square" rtlCol="0">
+            <a:spAutoFit/>
+          </a:bodyPr>
+          <a:lstStyle/>
+          <a:p>
+            <a:r>
+              <a:rPr lang="de-DE" dirty="0" smtClean="0"/>
+              <a:t>Leitstand</a:t>
+            </a:r>
+            <a:endParaRPr lang="en-US" dirty="0"/>
+          </a:p>
+        </p:txBody>
+      </p:sp>
+      <p:sp>
+        <p:nvSpPr>
+          <p:cNvPr id="21" name="Pfeil nach links und rechts 20"/>
+          <p:cNvSpPr/>
+          <p:nvPr/>
+        </p:nvSpPr>
+        <p:spPr>
+          <a:xfrm>
+            <a:off x="4139952" y="5157192"/>
+            <a:ext cx="1152128" cy="576064"/>
+          </a:xfrm>
+          <a:prstGeom prst="leftRightArrow">
+            <a:avLst/>
+          </a:prstGeom>
+          <a:noFill/>
+          <a:ln w="19050">
+            <a:solidFill>
+              <a:schemeClr val="tx1"/>
+            </a:solidFill>
+          </a:ln>
+        </p:spPr>
+        <p:style>
+          <a:lnRef idx="2">
+            <a:schemeClr val="accent1">
+              <a:shade val="50000"/>
+            </a:schemeClr>
+          </a:lnRef>
+          <a:fillRef idx="1">
+            <a:schemeClr val="accent1"/>
+          </a:fillRef>
+          <a:effectRef idx="0">
+            <a:schemeClr val="accent1"/>
+          </a:effectRef>
+          <a:fontRef idx="minor">
+            <a:schemeClr val="lt1"/>
+          </a:fontRef>
+        </p:style>
+        <p:txBody>
+          <a:bodyPr rtlCol="0" anchor="ctr"/>
+          <a:lstStyle/>
+          <a:p>
+            <a:pPr algn="ctr"/>
+            <a:endParaRPr lang="en-US"/>
+          </a:p>
+        </p:txBody>
+      </p:sp>
+      <p:sp>
+        <p:nvSpPr>
+          <p:cNvPr id="22" name="Textfeld 21"/>
+          <p:cNvSpPr txBox="1"/>
+          <p:nvPr/>
+        </p:nvSpPr>
+        <p:spPr>
+          <a:xfrm>
+            <a:off x="4427984" y="5301208"/>
+            <a:ext cx="864096" cy="369332"/>
+          </a:xfrm>
+          <a:prstGeom prst="rect">
+            <a:avLst/>
+          </a:prstGeom>
+          <a:noFill/>
+        </p:spPr>
+        <p:txBody>
+          <a:bodyPr wrap="square" rtlCol="0">
+            <a:spAutoFit/>
+          </a:bodyPr>
+          <a:lstStyle/>
+          <a:p>
+            <a:r>
+              <a:rPr lang="de-DE" dirty="0" smtClean="0"/>
+              <a:t>???</a:t>
+            </a:r>
+            <a:endParaRPr lang="en-US" dirty="0"/>
           </a:p>
         </p:txBody>
       </p:sp>
     </p:spTree>
     <p:extLst>
       <p:ext uri="{BB962C8B-B14F-4D97-AF65-F5344CB8AC3E}">
-        <p14:creationId xmlns:p14="http://schemas.microsoft.com/office/powerpoint/2010/main" val="4021812125"/>
+        <p14:creationId xmlns:p14="http://schemas.microsoft.com/office/powerpoint/2010/main" val="1831445950"/>
       </p:ext>
     </p:extLst>
   </p:cSld>
@@ -4596,928 +4246,1259 @@
       </p:grpSpPr>
       <p:sp>
         <p:nvSpPr>
-          <p:cNvPr id="2" name="Titel 1"/>
-          <p:cNvSpPr>
-            <a:spLocks noGrp="1"/>
-          </p:cNvSpPr>
-          <p:nvPr>
-            <p:ph type="title"/>
-          </p:nvPr>
-        </p:nvSpPr>
-        <p:spPr/>
-        <p:txBody>
-          <a:bodyPr/>
-          <a:lstStyle/>
-          <a:p>
-            <a:r>
-              <a:rPr lang="de-DE" dirty="0" smtClean="0"/>
-              <a:t>Research Agenda</a:t>
-            </a:r>
+          <p:cNvPr id="5" name="Inhaltsplatzhalter 4"/>
+          <p:cNvSpPr>
+            <a:spLocks noGrp="1"/>
+          </p:cNvSpPr>
+          <p:nvPr>
+            <p:ph idx="1"/>
+          </p:nvPr>
+        </p:nvSpPr>
+        <p:spPr>
+          <a:xfrm>
+            <a:off x="467544" y="260647"/>
+            <a:ext cx="3754760" cy="576065"/>
+          </a:xfrm>
+        </p:spPr>
+        <p:txBody>
+          <a:bodyPr>
+            <a:normAutofit lnSpcReduction="10000"/>
+          </a:bodyPr>
+          <a:lstStyle/>
+          <a:p>
+            <a:r>
+              <a:rPr lang="de-DE" dirty="0" err="1" smtClean="0"/>
+              <a:t>FInest</a:t>
+            </a:r>
+            <a:endParaRPr lang="de-DE" dirty="0" smtClean="0"/>
+          </a:p>
+          <a:p>
             <a:endParaRPr lang="en-US" dirty="0"/>
           </a:p>
         </p:txBody>
       </p:sp>
       <p:sp>
         <p:nvSpPr>
-          <p:cNvPr id="3" name="Inhaltsplatzhalter 2"/>
-          <p:cNvSpPr>
-            <a:spLocks noGrp="1"/>
-          </p:cNvSpPr>
-          <p:nvPr>
-            <p:ph idx="1"/>
-          </p:nvPr>
-        </p:nvSpPr>
-        <p:spPr/>
-        <p:txBody>
-          <a:bodyPr>
-            <a:normAutofit fontScale="70000" lnSpcReduction="20000"/>
+          <p:cNvPr id="7" name="Inhaltsplatzhalter 4"/>
+          <p:cNvSpPr txBox="1">
+            <a:spLocks/>
+          </p:cNvSpPr>
+          <p:nvPr/>
+        </p:nvSpPr>
+        <p:spPr>
+          <a:xfrm>
+            <a:off x="5137720" y="260648"/>
+            <a:ext cx="3754760" cy="5966123"/>
+          </a:xfrm>
+          <a:prstGeom prst="rect">
+            <a:avLst/>
+          </a:prstGeom>
+        </p:spPr>
+        <p:txBody>
+          <a:bodyPr vert="horz" lIns="91440" tIns="45720" rIns="91440" bIns="45720" rtlCol="0">
+            <a:normAutofit/>
           </a:bodyPr>
-          <a:lstStyle/>
-          <a:p>
-            <a:r>
-              <a:rPr lang="de-DE" dirty="0" err="1" smtClean="0"/>
-              <a:t>Towards</a:t>
-            </a:r>
-            <a:r>
-              <a:rPr lang="de-DE" dirty="0" smtClean="0"/>
-              <a:t> „Future Internet </a:t>
-            </a:r>
-            <a:r>
-              <a:rPr lang="de-DE" dirty="0" err="1" smtClean="0"/>
-              <a:t>of</a:t>
-            </a:r>
-            <a:r>
-              <a:rPr lang="de-DE" dirty="0" smtClean="0"/>
-              <a:t> Things“</a:t>
-            </a:r>
-          </a:p>
-          <a:p>
-            <a:r>
-              <a:rPr lang="de-DE" dirty="0" err="1" smtClean="0"/>
-              <a:t>Finest</a:t>
-            </a:r>
-            <a:r>
-              <a:rPr lang="de-DE" dirty="0" smtClean="0"/>
-              <a:t>: </a:t>
-            </a:r>
-            <a:r>
-              <a:rPr lang="de-DE" dirty="0" err="1" smtClean="0"/>
-              <a:t>provides</a:t>
-            </a:r>
-            <a:r>
-              <a:rPr lang="de-DE" dirty="0" smtClean="0"/>
-              <a:t> an </a:t>
-            </a:r>
-            <a:r>
-              <a:rPr lang="de-DE" dirty="0" err="1" smtClean="0"/>
-              <a:t>architecture</a:t>
-            </a:r>
-            <a:r>
-              <a:rPr lang="de-DE" dirty="0" smtClean="0"/>
-              <a:t> </a:t>
-            </a:r>
-            <a:r>
-              <a:rPr lang="de-DE" dirty="0" err="1" smtClean="0"/>
-              <a:t>for</a:t>
-            </a:r>
-            <a:r>
-              <a:rPr lang="de-DE" dirty="0" smtClean="0"/>
-              <a:t> an </a:t>
-            </a:r>
-            <a:r>
-              <a:rPr lang="de-DE" dirty="0" err="1" smtClean="0"/>
-              <a:t>IoT</a:t>
-            </a:r>
-            <a:r>
-              <a:rPr lang="de-DE" dirty="0" smtClean="0"/>
-              <a:t> </a:t>
-            </a:r>
-            <a:r>
-              <a:rPr lang="de-DE" dirty="0" err="1" smtClean="0"/>
-              <a:t>platform</a:t>
-            </a:r>
-            <a:r>
-              <a:rPr lang="de-DE" dirty="0"/>
-              <a:t> </a:t>
-            </a:r>
-            <a:r>
-              <a:rPr lang="de-DE" dirty="0" err="1" smtClean="0"/>
-              <a:t>for</a:t>
-            </a:r>
-            <a:r>
-              <a:rPr lang="de-DE" dirty="0" smtClean="0"/>
-              <a:t> </a:t>
-            </a:r>
-            <a:r>
-              <a:rPr lang="de-DE" dirty="0" err="1" smtClean="0"/>
-              <a:t>the</a:t>
-            </a:r>
-            <a:r>
-              <a:rPr lang="de-DE" dirty="0" smtClean="0"/>
-              <a:t>  </a:t>
-            </a:r>
-            <a:r>
-              <a:rPr lang="de-DE" dirty="0" err="1" smtClean="0"/>
-              <a:t>transport</a:t>
-            </a:r>
-            <a:r>
-              <a:rPr lang="de-DE" dirty="0" smtClean="0"/>
-              <a:t> </a:t>
-            </a:r>
-            <a:r>
-              <a:rPr lang="de-DE" dirty="0" err="1" smtClean="0"/>
-              <a:t>and</a:t>
-            </a:r>
-            <a:r>
-              <a:rPr lang="de-DE" dirty="0" smtClean="0"/>
-              <a:t> </a:t>
-            </a:r>
-            <a:r>
-              <a:rPr lang="de-DE" dirty="0" err="1" smtClean="0"/>
-              <a:t>logistics</a:t>
-            </a:r>
-            <a:r>
-              <a:rPr lang="de-DE" dirty="0" smtClean="0"/>
-              <a:t> </a:t>
-            </a:r>
-            <a:r>
-              <a:rPr lang="de-DE" dirty="0" err="1" smtClean="0"/>
-              <a:t>domain</a:t>
-            </a:r>
-            <a:endParaRPr lang="de-DE" dirty="0" smtClean="0"/>
-          </a:p>
-          <a:p>
-            <a:pPr lvl="1"/>
-            <a:r>
-              <a:rPr lang="de-DE" dirty="0" smtClean="0"/>
-              <a:t>Can </a:t>
-            </a:r>
-            <a:r>
-              <a:rPr lang="de-DE" dirty="0" err="1" smtClean="0"/>
-              <a:t>we</a:t>
-            </a:r>
-            <a:r>
-              <a:rPr lang="de-DE" dirty="0" smtClean="0"/>
-              <a:t> </a:t>
-            </a:r>
-            <a:r>
-              <a:rPr lang="de-DE" dirty="0" err="1" smtClean="0"/>
-              <a:t>generalize</a:t>
-            </a:r>
-            <a:r>
-              <a:rPr lang="de-DE" dirty="0" smtClean="0"/>
-              <a:t> </a:t>
-            </a:r>
-            <a:r>
-              <a:rPr lang="de-DE" dirty="0" err="1" smtClean="0"/>
-              <a:t>this</a:t>
-            </a:r>
-            <a:r>
-              <a:rPr lang="de-DE" dirty="0" smtClean="0"/>
-              <a:t> (</a:t>
-            </a:r>
-            <a:r>
-              <a:rPr lang="de-DE" dirty="0" err="1" smtClean="0"/>
-              <a:t>to</a:t>
-            </a:r>
-            <a:r>
-              <a:rPr lang="de-DE" dirty="0" smtClean="0"/>
-              <a:t> a </a:t>
-            </a:r>
-            <a:r>
-              <a:rPr lang="de-DE" dirty="0" err="1" smtClean="0"/>
-              <a:t>domain</a:t>
-            </a:r>
-            <a:r>
-              <a:rPr lang="de-DE" dirty="0" smtClean="0"/>
-              <a:t> </a:t>
-            </a:r>
-            <a:r>
-              <a:rPr lang="de-DE" dirty="0" err="1" smtClean="0"/>
-              <a:t>independent</a:t>
-            </a:r>
-            <a:r>
-              <a:rPr lang="de-DE" dirty="0" smtClean="0"/>
-              <a:t> </a:t>
-            </a:r>
-            <a:r>
-              <a:rPr lang="de-DE" dirty="0" err="1" smtClean="0"/>
-              <a:t>architecture</a:t>
-            </a:r>
-            <a:r>
-              <a:rPr lang="de-DE" dirty="0" smtClean="0"/>
-              <a:t>)</a:t>
-            </a:r>
-          </a:p>
-          <a:p>
-            <a:pPr lvl="1"/>
-            <a:r>
-              <a:rPr lang="de-DE" dirty="0" err="1" smtClean="0"/>
-              <a:t>What</a:t>
-            </a:r>
-            <a:r>
-              <a:rPr lang="de-DE" dirty="0" smtClean="0"/>
-              <a:t> </a:t>
-            </a:r>
-            <a:r>
-              <a:rPr lang="de-DE" dirty="0" err="1" smtClean="0"/>
-              <a:t>makes</a:t>
-            </a:r>
-            <a:r>
-              <a:rPr lang="de-DE" dirty="0" smtClean="0"/>
-              <a:t> </a:t>
-            </a:r>
-            <a:r>
-              <a:rPr lang="de-DE" dirty="0" err="1" smtClean="0"/>
-              <a:t>IoT</a:t>
-            </a:r>
-            <a:r>
-              <a:rPr lang="de-DE" dirty="0" smtClean="0"/>
-              <a:t> different </a:t>
-            </a:r>
-            <a:r>
-              <a:rPr lang="de-DE" dirty="0" err="1" smtClean="0"/>
-              <a:t>from</a:t>
-            </a:r>
-            <a:r>
-              <a:rPr lang="de-DE" dirty="0" smtClean="0"/>
-              <a:t> Service </a:t>
-            </a:r>
-            <a:r>
-              <a:rPr lang="de-DE" dirty="0" err="1" smtClean="0"/>
-              <a:t>compositions</a:t>
-            </a:r>
-            <a:endParaRPr lang="de-DE" dirty="0" smtClean="0"/>
-          </a:p>
-          <a:p>
-            <a:pPr lvl="2"/>
-            <a:r>
-              <a:rPr lang="de-DE" dirty="0" smtClean="0"/>
-              <a:t>E.g., </a:t>
-            </a:r>
-            <a:r>
-              <a:rPr lang="de-DE" dirty="0" err="1" smtClean="0"/>
-              <a:t>service</a:t>
-            </a:r>
-            <a:r>
-              <a:rPr lang="de-DE" dirty="0" smtClean="0"/>
-              <a:t> </a:t>
-            </a:r>
-            <a:r>
-              <a:rPr lang="de-DE" dirty="0" err="1" smtClean="0"/>
-              <a:t>description</a:t>
-            </a:r>
-            <a:r>
-              <a:rPr lang="de-DE" dirty="0" smtClean="0"/>
-              <a:t> </a:t>
-            </a:r>
-            <a:r>
-              <a:rPr lang="de-DE" dirty="0" err="1" smtClean="0"/>
-              <a:t>are</a:t>
-            </a:r>
-            <a:r>
-              <a:rPr lang="de-DE" dirty="0" smtClean="0"/>
-              <a:t> </a:t>
-            </a:r>
-            <a:r>
-              <a:rPr lang="de-DE" dirty="0" err="1" smtClean="0"/>
-              <a:t>complete</a:t>
-            </a:r>
-            <a:r>
-              <a:rPr lang="de-DE" dirty="0" smtClean="0"/>
-              <a:t>, </a:t>
-            </a:r>
-            <a:r>
-              <a:rPr lang="de-DE" dirty="0" err="1" smtClean="0"/>
-              <a:t>self-contained</a:t>
-            </a:r>
-            <a:r>
-              <a:rPr lang="de-DE" dirty="0" smtClean="0"/>
-              <a:t> in </a:t>
-            </a:r>
-            <a:r>
-              <a:rPr lang="de-DE" dirty="0" err="1" smtClean="0"/>
-              <a:t>contrast</a:t>
-            </a:r>
-            <a:r>
-              <a:rPr lang="de-DE" dirty="0" smtClean="0"/>
-              <a:t> </a:t>
-            </a:r>
-            <a:r>
-              <a:rPr lang="de-DE" dirty="0" err="1" smtClean="0"/>
-              <a:t>to</a:t>
-            </a:r>
-            <a:r>
-              <a:rPr lang="de-DE" dirty="0" smtClean="0"/>
-              <a:t> </a:t>
-            </a:r>
-            <a:r>
-              <a:rPr lang="de-DE" dirty="0" err="1" smtClean="0"/>
-              <a:t>component</a:t>
-            </a:r>
-            <a:r>
-              <a:rPr lang="de-DE" dirty="0" smtClean="0"/>
-              <a:t> </a:t>
-            </a:r>
-            <a:r>
-              <a:rPr lang="de-DE" dirty="0" err="1" smtClean="0"/>
-              <a:t>specifications</a:t>
-            </a:r>
-            <a:endParaRPr lang="de-DE" dirty="0" smtClean="0"/>
-          </a:p>
-          <a:p>
-            <a:pPr lvl="2"/>
-            <a:r>
-              <a:rPr lang="de-DE" dirty="0" err="1" smtClean="0"/>
-              <a:t>Usually</a:t>
-            </a:r>
-            <a:r>
-              <a:rPr lang="de-DE" dirty="0" smtClean="0"/>
-              <a:t>, multiple </a:t>
-            </a:r>
-            <a:r>
-              <a:rPr lang="de-DE" dirty="0" err="1" smtClean="0"/>
-              <a:t>services</a:t>
-            </a:r>
-            <a:r>
-              <a:rPr lang="de-DE" dirty="0" smtClean="0"/>
-              <a:t> </a:t>
-            </a:r>
-            <a:r>
-              <a:rPr lang="de-DE" dirty="0" err="1" smtClean="0"/>
-              <a:t>are</a:t>
-            </a:r>
-            <a:r>
-              <a:rPr lang="de-DE" dirty="0" smtClean="0"/>
-              <a:t> </a:t>
-            </a:r>
-            <a:r>
-              <a:rPr lang="de-DE" dirty="0" err="1" smtClean="0"/>
-              <a:t>available</a:t>
-            </a:r>
-            <a:r>
-              <a:rPr lang="de-DE" dirty="0" smtClean="0"/>
-              <a:t> (</a:t>
-            </a:r>
-            <a:r>
-              <a:rPr lang="de-DE" dirty="0" err="1" smtClean="0"/>
-              <a:t>choose</a:t>
-            </a:r>
-            <a:r>
-              <a:rPr lang="de-DE" dirty="0" smtClean="0"/>
-              <a:t> </a:t>
-            </a:r>
-            <a:r>
-              <a:rPr lang="de-DE" dirty="0" err="1" smtClean="0"/>
-              <a:t>among</a:t>
-            </a:r>
-            <a:r>
-              <a:rPr lang="de-DE" dirty="0" smtClean="0"/>
-              <a:t> alternatives</a:t>
-            </a:r>
-          </a:p>
-          <a:p>
-            <a:pPr lvl="2"/>
-            <a:r>
-              <a:rPr lang="de-DE" dirty="0" err="1" smtClean="0"/>
-              <a:t>What</a:t>
-            </a:r>
-            <a:r>
-              <a:rPr lang="de-DE" dirty="0" smtClean="0"/>
-              <a:t> </a:t>
-            </a:r>
-            <a:r>
-              <a:rPr lang="de-DE" dirty="0" err="1" smtClean="0"/>
-              <a:t>is</a:t>
-            </a:r>
-            <a:r>
-              <a:rPr lang="de-DE" dirty="0" smtClean="0"/>
-              <a:t> </a:t>
-            </a:r>
-            <a:r>
-              <a:rPr lang="de-DE" dirty="0" err="1" smtClean="0"/>
-              <a:t>specific</a:t>
-            </a:r>
-            <a:r>
-              <a:rPr lang="de-DE" dirty="0" smtClean="0"/>
-              <a:t> </a:t>
-            </a:r>
-            <a:r>
-              <a:rPr lang="de-DE" dirty="0" err="1" smtClean="0"/>
-              <a:t>wrt</a:t>
-            </a:r>
-            <a:r>
-              <a:rPr lang="de-DE" dirty="0" smtClean="0"/>
-              <a:t>. </a:t>
-            </a:r>
-            <a:r>
-              <a:rPr lang="de-DE" dirty="0" err="1" smtClean="0"/>
-              <a:t>IoT</a:t>
-            </a:r>
-            <a:r>
-              <a:rPr lang="de-DE" dirty="0" smtClean="0"/>
-              <a:t>, i.e., </a:t>
-            </a:r>
-            <a:r>
-              <a:rPr lang="de-DE" dirty="0" err="1" smtClean="0"/>
-              <a:t>the</a:t>
-            </a:r>
-            <a:r>
-              <a:rPr lang="de-DE" dirty="0" smtClean="0"/>
-              <a:t> </a:t>
-            </a:r>
-            <a:r>
-              <a:rPr lang="de-DE" dirty="0" err="1" smtClean="0"/>
-              <a:t>only</a:t>
-            </a:r>
-            <a:r>
-              <a:rPr lang="de-DE" dirty="0" smtClean="0"/>
-              <a:t> </a:t>
-            </a:r>
-            <a:r>
-              <a:rPr lang="de-DE" dirty="0" err="1" smtClean="0"/>
-              <a:t>connection</a:t>
-            </a:r>
-            <a:r>
-              <a:rPr lang="de-DE" dirty="0" smtClean="0"/>
-              <a:t> </a:t>
-            </a:r>
-            <a:r>
-              <a:rPr lang="de-DE" dirty="0" err="1" smtClean="0"/>
-              <a:t>to</a:t>
-            </a:r>
-            <a:r>
-              <a:rPr lang="de-DE" dirty="0" smtClean="0"/>
-              <a:t> </a:t>
-            </a:r>
-            <a:r>
-              <a:rPr lang="de-DE" dirty="0" err="1" smtClean="0"/>
-              <a:t>services</a:t>
-            </a:r>
-            <a:r>
-              <a:rPr lang="de-DE" dirty="0" smtClean="0"/>
-              <a:t> </a:t>
-            </a:r>
-            <a:r>
-              <a:rPr lang="de-DE" dirty="0" err="1" smtClean="0"/>
-              <a:t>is</a:t>
-            </a:r>
-            <a:r>
-              <a:rPr lang="de-DE" dirty="0" smtClean="0"/>
-              <a:t> </a:t>
-            </a:r>
-            <a:r>
-              <a:rPr lang="de-DE" dirty="0" err="1" smtClean="0"/>
-              <a:t>the</a:t>
-            </a:r>
-            <a:r>
-              <a:rPr lang="de-DE" dirty="0" smtClean="0"/>
-              <a:t> front end </a:t>
-            </a:r>
-            <a:r>
-              <a:rPr lang="de-DE" dirty="0" err="1" smtClean="0"/>
-              <a:t>and</a:t>
-            </a:r>
-            <a:r>
-              <a:rPr lang="de-DE" dirty="0" smtClean="0"/>
-              <a:t> back end, but </a:t>
-            </a:r>
-            <a:r>
-              <a:rPr lang="de-DE" dirty="0" err="1" smtClean="0"/>
-              <a:t>is</a:t>
-            </a:r>
-            <a:r>
-              <a:rPr lang="de-DE" dirty="0" smtClean="0"/>
-              <a:t> </a:t>
-            </a:r>
-            <a:r>
-              <a:rPr lang="de-DE" dirty="0" err="1" smtClean="0"/>
-              <a:t>there</a:t>
-            </a:r>
-            <a:r>
-              <a:rPr lang="de-DE" dirty="0" smtClean="0"/>
-              <a:t> </a:t>
-            </a:r>
-            <a:r>
-              <a:rPr lang="de-DE" dirty="0" err="1" smtClean="0"/>
-              <a:t>any</a:t>
-            </a:r>
-            <a:r>
-              <a:rPr lang="de-DE" dirty="0" smtClean="0"/>
-              <a:t> </a:t>
-            </a:r>
-            <a:r>
-              <a:rPr lang="de-DE" dirty="0" err="1" smtClean="0"/>
-              <a:t>internal</a:t>
-            </a:r>
-            <a:r>
-              <a:rPr lang="de-DE" dirty="0" smtClean="0"/>
-              <a:t> </a:t>
-            </a:r>
-            <a:r>
-              <a:rPr lang="de-DE" dirty="0" err="1" smtClean="0"/>
-              <a:t>connection</a:t>
-            </a:r>
-            <a:r>
-              <a:rPr lang="de-DE" dirty="0" smtClean="0"/>
-              <a:t> </a:t>
-            </a:r>
-            <a:r>
-              <a:rPr lang="de-DE" dirty="0" err="1" smtClean="0"/>
-              <a:t>to</a:t>
-            </a:r>
-            <a:r>
-              <a:rPr lang="de-DE" dirty="0" smtClean="0"/>
-              <a:t> </a:t>
-            </a:r>
-            <a:r>
-              <a:rPr lang="de-DE" dirty="0" err="1" smtClean="0"/>
-              <a:t>services</a:t>
-            </a:r>
-            <a:r>
-              <a:rPr lang="de-DE" dirty="0" smtClean="0"/>
-              <a:t> on </a:t>
-            </a:r>
-            <a:r>
-              <a:rPr lang="de-DE" dirty="0" err="1" smtClean="0"/>
-              <a:t>the</a:t>
-            </a:r>
-            <a:r>
-              <a:rPr lang="de-DE" dirty="0" smtClean="0"/>
-              <a:t> </a:t>
-            </a:r>
-            <a:r>
-              <a:rPr lang="de-DE" dirty="0" err="1" smtClean="0"/>
-              <a:t>internet</a:t>
-            </a:r>
-            <a:r>
-              <a:rPr lang="de-DE" dirty="0" smtClean="0"/>
-              <a:t>.</a:t>
-            </a:r>
-          </a:p>
+          <a:lstStyle>
+            <a:lvl1pPr marL="342900" indent="-342900" algn="l" defTabSz="914400" rtl="0" eaLnBrk="1" latinLnBrk="0" hangingPunct="1">
+              <a:spcBef>
+                <a:spcPct val="20000"/>
+              </a:spcBef>
+              <a:buFont typeface="Arial" pitchFamily="34" charset="0"/>
+              <a:buChar char="•"/>
+              <a:defRPr sz="3200" kern="1200">
+                <a:solidFill>
+                  <a:schemeClr val="tx1"/>
+                </a:solidFill>
+                <a:latin typeface="+mn-lt"/>
+                <a:ea typeface="+mn-ea"/>
+                <a:cs typeface="+mn-cs"/>
+              </a:defRPr>
+            </a:lvl1pPr>
+            <a:lvl2pPr marL="742950" indent="-285750" algn="l" defTabSz="914400" rtl="0" eaLnBrk="1" latinLnBrk="0" hangingPunct="1">
+              <a:spcBef>
+                <a:spcPct val="20000"/>
+              </a:spcBef>
+              <a:buFont typeface="Arial" pitchFamily="34" charset="0"/>
+              <a:buChar char="–"/>
+              <a:defRPr sz="2800" kern="1200">
+                <a:solidFill>
+                  <a:schemeClr val="tx1"/>
+                </a:solidFill>
+                <a:latin typeface="+mn-lt"/>
+                <a:ea typeface="+mn-ea"/>
+                <a:cs typeface="+mn-cs"/>
+              </a:defRPr>
+            </a:lvl2pPr>
+            <a:lvl3pPr marL="1143000" indent="-228600" algn="l" defTabSz="914400" rtl="0" eaLnBrk="1" latinLnBrk="0" hangingPunct="1">
+              <a:spcBef>
+                <a:spcPct val="20000"/>
+              </a:spcBef>
+              <a:buFont typeface="Arial" pitchFamily="34" charset="0"/>
+              <a:buChar char="•"/>
+              <a:defRPr sz="2400" kern="1200">
+                <a:solidFill>
+                  <a:schemeClr val="tx1"/>
+                </a:solidFill>
+                <a:latin typeface="+mn-lt"/>
+                <a:ea typeface="+mn-ea"/>
+                <a:cs typeface="+mn-cs"/>
+              </a:defRPr>
+            </a:lvl3pPr>
+            <a:lvl4pPr marL="1600200" indent="-228600" algn="l" defTabSz="914400" rtl="0" eaLnBrk="1" latinLnBrk="0" hangingPunct="1">
+              <a:spcBef>
+                <a:spcPct val="20000"/>
+              </a:spcBef>
+              <a:buFont typeface="Arial" pitchFamily="34" charset="0"/>
+              <a:buChar char="–"/>
+              <a:defRPr sz="2000" kern="1200">
+                <a:solidFill>
+                  <a:schemeClr val="tx1"/>
+                </a:solidFill>
+                <a:latin typeface="+mn-lt"/>
+                <a:ea typeface="+mn-ea"/>
+                <a:cs typeface="+mn-cs"/>
+              </a:defRPr>
+            </a:lvl4pPr>
+            <a:lvl5pPr marL="2057400" indent="-228600" algn="l" defTabSz="914400" rtl="0" eaLnBrk="1" latinLnBrk="0" hangingPunct="1">
+              <a:spcBef>
+                <a:spcPct val="20000"/>
+              </a:spcBef>
+              <a:buFont typeface="Arial" pitchFamily="34" charset="0"/>
+              <a:buChar char="»"/>
+              <a:defRPr sz="2000" kern="1200">
+                <a:solidFill>
+                  <a:schemeClr val="tx1"/>
+                </a:solidFill>
+                <a:latin typeface="+mn-lt"/>
+                <a:ea typeface="+mn-ea"/>
+                <a:cs typeface="+mn-cs"/>
+              </a:defRPr>
+            </a:lvl5pPr>
+            <a:lvl6pPr marL="2514600" indent="-228600" algn="l" defTabSz="914400" rtl="0" eaLnBrk="1" latinLnBrk="0" hangingPunct="1">
+              <a:spcBef>
+                <a:spcPct val="20000"/>
+              </a:spcBef>
+              <a:buFont typeface="Arial" pitchFamily="34" charset="0"/>
+              <a:buChar char="•"/>
+              <a:defRPr sz="2000" kern="1200">
+                <a:solidFill>
+                  <a:schemeClr val="tx1"/>
+                </a:solidFill>
+                <a:latin typeface="+mn-lt"/>
+                <a:ea typeface="+mn-ea"/>
+                <a:cs typeface="+mn-cs"/>
+              </a:defRPr>
+            </a:lvl6pPr>
+            <a:lvl7pPr marL="2971800" indent="-228600" algn="l" defTabSz="914400" rtl="0" eaLnBrk="1" latinLnBrk="0" hangingPunct="1">
+              <a:spcBef>
+                <a:spcPct val="20000"/>
+              </a:spcBef>
+              <a:buFont typeface="Arial" pitchFamily="34" charset="0"/>
+              <a:buChar char="•"/>
+              <a:defRPr sz="2000" kern="1200">
+                <a:solidFill>
+                  <a:schemeClr val="tx1"/>
+                </a:solidFill>
+                <a:latin typeface="+mn-lt"/>
+                <a:ea typeface="+mn-ea"/>
+                <a:cs typeface="+mn-cs"/>
+              </a:defRPr>
+            </a:lvl7pPr>
+            <a:lvl8pPr marL="3429000" indent="-228600" algn="l" defTabSz="914400" rtl="0" eaLnBrk="1" latinLnBrk="0" hangingPunct="1">
+              <a:spcBef>
+                <a:spcPct val="20000"/>
+              </a:spcBef>
+              <a:buFont typeface="Arial" pitchFamily="34" charset="0"/>
+              <a:buChar char="•"/>
+              <a:defRPr sz="2000" kern="1200">
+                <a:solidFill>
+                  <a:schemeClr val="tx1"/>
+                </a:solidFill>
+                <a:latin typeface="+mn-lt"/>
+                <a:ea typeface="+mn-ea"/>
+                <a:cs typeface="+mn-cs"/>
+              </a:defRPr>
+            </a:lvl8pPr>
+            <a:lvl9pPr marL="3886200" indent="-228600" algn="l" defTabSz="914400" rtl="0" eaLnBrk="1" latinLnBrk="0" hangingPunct="1">
+              <a:spcBef>
+                <a:spcPct val="20000"/>
+              </a:spcBef>
+              <a:buFont typeface="Arial" pitchFamily="34" charset="0"/>
+              <a:buChar char="•"/>
+              <a:defRPr sz="2000" kern="1200">
+                <a:solidFill>
+                  <a:schemeClr val="tx1"/>
+                </a:solidFill>
+                <a:latin typeface="+mn-lt"/>
+                <a:ea typeface="+mn-ea"/>
+                <a:cs typeface="+mn-cs"/>
+              </a:defRPr>
+            </a:lvl9pPr>
+          </a:lstStyle>
           <a:p>
             <a:r>
               <a:rPr lang="de-DE" dirty="0" err="1" smtClean="0"/>
               <a:t>LoFIP</a:t>
             </a:r>
+            <a:endParaRPr lang="de-DE" dirty="0" smtClean="0"/>
+          </a:p>
+          <a:p>
+            <a:endParaRPr lang="en-US" dirty="0"/>
+          </a:p>
+        </p:txBody>
+      </p:sp>
+      <p:sp>
+        <p:nvSpPr>
+          <p:cNvPr id="6" name="Rechteck 5"/>
+          <p:cNvSpPr/>
+          <p:nvPr/>
+        </p:nvSpPr>
+        <p:spPr>
+          <a:xfrm>
+            <a:off x="179512" y="3861050"/>
+            <a:ext cx="4176464" cy="1657924"/>
+          </a:xfrm>
+          <a:prstGeom prst="rect">
+            <a:avLst/>
+          </a:prstGeom>
+          <a:noFill/>
+          <a:ln>
+            <a:solidFill>
+              <a:schemeClr val="tx1"/>
+            </a:solidFill>
+          </a:ln>
+        </p:spPr>
+        <p:style>
+          <a:lnRef idx="2">
+            <a:schemeClr val="accent1">
+              <a:shade val="50000"/>
+            </a:schemeClr>
+          </a:lnRef>
+          <a:fillRef idx="1">
+            <a:schemeClr val="accent1"/>
+          </a:fillRef>
+          <a:effectRef idx="0">
+            <a:schemeClr val="accent1"/>
+          </a:effectRef>
+          <a:fontRef idx="minor">
+            <a:schemeClr val="lt1"/>
+          </a:fontRef>
+        </p:style>
+        <p:txBody>
+          <a:bodyPr rtlCol="0" anchor="ctr"/>
+          <a:lstStyle/>
+          <a:p>
+            <a:pPr algn="ctr"/>
+            <a:endParaRPr lang="en-US"/>
+          </a:p>
+        </p:txBody>
+      </p:sp>
+      <p:sp>
+        <p:nvSpPr>
+          <p:cNvPr id="8" name="Textfeld 7"/>
+          <p:cNvSpPr txBox="1"/>
+          <p:nvPr/>
+        </p:nvSpPr>
+        <p:spPr>
+          <a:xfrm>
+            <a:off x="179512" y="3501008"/>
+            <a:ext cx="1440160" cy="369332"/>
+          </a:xfrm>
+          <a:prstGeom prst="rect">
+            <a:avLst/>
+          </a:prstGeom>
+          <a:noFill/>
+        </p:spPr>
+        <p:txBody>
+          <a:bodyPr wrap="square" rtlCol="0">
+            <a:spAutoFit/>
+          </a:bodyPr>
+          <a:lstStyle/>
+          <a:p>
+            <a:r>
+              <a:rPr lang="en-US" dirty="0" smtClean="0"/>
+              <a:t>Core module</a:t>
+            </a:r>
+            <a:endParaRPr lang="en-US" dirty="0"/>
+          </a:p>
+        </p:txBody>
+      </p:sp>
+      <p:sp>
+        <p:nvSpPr>
+          <p:cNvPr id="10" name="Textfeld 9"/>
+          <p:cNvSpPr txBox="1"/>
+          <p:nvPr/>
+        </p:nvSpPr>
+        <p:spPr>
+          <a:xfrm>
+            <a:off x="323528" y="4077072"/>
+            <a:ext cx="1728192" cy="276999"/>
+          </a:xfrm>
+          <a:prstGeom prst="rect">
+            <a:avLst/>
+          </a:prstGeom>
+          <a:noFill/>
+          <a:ln w="12700">
+            <a:solidFill>
+              <a:schemeClr val="tx1"/>
+            </a:solidFill>
+          </a:ln>
+        </p:spPr>
+        <p:txBody>
+          <a:bodyPr wrap="square" rtlCol="0">
+            <a:spAutoFit/>
+          </a:bodyPr>
+          <a:lstStyle/>
+          <a:p>
+            <a:r>
+              <a:rPr lang="de-DE" sz="1200" dirty="0" smtClean="0"/>
+              <a:t>BCM (</a:t>
+            </a:r>
+            <a:r>
+              <a:rPr lang="de-DE" sz="1200" dirty="0" err="1" smtClean="0"/>
+              <a:t>collaboration</a:t>
+            </a:r>
+            <a:r>
+              <a:rPr lang="de-DE" sz="1200" dirty="0" smtClean="0"/>
+              <a:t>)</a:t>
+            </a:r>
+            <a:endParaRPr lang="en-US" sz="1200" dirty="0"/>
+          </a:p>
+        </p:txBody>
+      </p:sp>
+      <p:sp>
+        <p:nvSpPr>
+          <p:cNvPr id="12" name="Textfeld 11"/>
+          <p:cNvSpPr txBox="1"/>
+          <p:nvPr/>
+        </p:nvSpPr>
+        <p:spPr>
+          <a:xfrm>
+            <a:off x="323528" y="5125661"/>
+            <a:ext cx="1728192" cy="276999"/>
+          </a:xfrm>
+          <a:prstGeom prst="rect">
+            <a:avLst/>
+          </a:prstGeom>
+          <a:noFill/>
+          <a:ln w="12700">
+            <a:solidFill>
+              <a:schemeClr val="tx1"/>
+            </a:solidFill>
+          </a:ln>
+        </p:spPr>
+        <p:txBody>
+          <a:bodyPr wrap="square" rtlCol="0">
+            <a:spAutoFit/>
+          </a:bodyPr>
+          <a:lstStyle/>
+          <a:p>
+            <a:r>
+              <a:rPr lang="de-DE" sz="1200" dirty="0" smtClean="0"/>
+              <a:t>TPM (</a:t>
+            </a:r>
+            <a:r>
+              <a:rPr lang="de-DE" sz="1200" dirty="0" err="1" smtClean="0"/>
+              <a:t>planning</a:t>
+            </a:r>
+            <a:r>
+              <a:rPr lang="de-DE" sz="1200" dirty="0" smtClean="0"/>
+              <a:t>)</a:t>
+            </a:r>
+            <a:endParaRPr lang="en-US" sz="1200" dirty="0"/>
+          </a:p>
+        </p:txBody>
+      </p:sp>
+      <p:sp>
+        <p:nvSpPr>
+          <p:cNvPr id="13" name="Textfeld 12"/>
+          <p:cNvSpPr txBox="1"/>
+          <p:nvPr/>
+        </p:nvSpPr>
+        <p:spPr>
+          <a:xfrm>
+            <a:off x="2483768" y="5125660"/>
+            <a:ext cx="1728192" cy="276999"/>
+          </a:xfrm>
+          <a:prstGeom prst="rect">
+            <a:avLst/>
+          </a:prstGeom>
+          <a:noFill/>
+          <a:ln w="12700">
+            <a:solidFill>
+              <a:schemeClr val="tx1"/>
+            </a:solidFill>
+          </a:ln>
+        </p:spPr>
+        <p:txBody>
+          <a:bodyPr wrap="square" rtlCol="0">
+            <a:spAutoFit/>
+          </a:bodyPr>
+          <a:lstStyle/>
+          <a:p>
+            <a:r>
+              <a:rPr lang="de-DE" sz="1200" dirty="0" smtClean="0"/>
+              <a:t>ECM (</a:t>
+            </a:r>
+            <a:r>
+              <a:rPr lang="de-DE" sz="1200" dirty="0" err="1" smtClean="0"/>
+              <a:t>contracting</a:t>
+            </a:r>
+            <a:r>
+              <a:rPr lang="de-DE" sz="1200" dirty="0" smtClean="0"/>
+              <a:t>)</a:t>
+            </a:r>
+            <a:endParaRPr lang="en-US" sz="1200" dirty="0"/>
+          </a:p>
+        </p:txBody>
+      </p:sp>
+      <p:sp>
+        <p:nvSpPr>
+          <p:cNvPr id="14" name="Textfeld 13"/>
+          <p:cNvSpPr txBox="1"/>
+          <p:nvPr/>
+        </p:nvSpPr>
+        <p:spPr>
+          <a:xfrm>
+            <a:off x="2483768" y="4088105"/>
+            <a:ext cx="1728192" cy="276999"/>
+          </a:xfrm>
+          <a:prstGeom prst="rect">
+            <a:avLst/>
+          </a:prstGeom>
+          <a:noFill/>
+          <a:ln w="12700">
+            <a:solidFill>
+              <a:schemeClr val="tx1"/>
+            </a:solidFill>
+          </a:ln>
+        </p:spPr>
+        <p:txBody>
+          <a:bodyPr wrap="square" rtlCol="0">
+            <a:spAutoFit/>
+          </a:bodyPr>
+          <a:lstStyle/>
+          <a:p>
+            <a:r>
+              <a:rPr lang="de-DE" sz="1200" dirty="0" smtClean="0"/>
+              <a:t>EPM (</a:t>
+            </a:r>
+            <a:r>
+              <a:rPr lang="de-DE" sz="1200" dirty="0" err="1" smtClean="0"/>
+              <a:t>event</a:t>
+            </a:r>
+            <a:r>
+              <a:rPr lang="de-DE" sz="1200" dirty="0" smtClean="0"/>
+              <a:t> </a:t>
+            </a:r>
+            <a:r>
+              <a:rPr lang="de-DE" sz="1200" dirty="0" err="1" smtClean="0"/>
+              <a:t>processing</a:t>
+            </a:r>
+            <a:r>
+              <a:rPr lang="de-DE" sz="1200" dirty="0" smtClean="0"/>
+              <a:t>)</a:t>
+            </a:r>
+            <a:endParaRPr lang="en-US" sz="1200" dirty="0"/>
+          </a:p>
+        </p:txBody>
+      </p:sp>
+      <p:sp>
+        <p:nvSpPr>
+          <p:cNvPr id="11" name="Rechteck 10"/>
+          <p:cNvSpPr/>
+          <p:nvPr/>
+        </p:nvSpPr>
+        <p:spPr>
+          <a:xfrm>
+            <a:off x="4572000" y="3861048"/>
+            <a:ext cx="4392488" cy="2664296"/>
+          </a:xfrm>
+          <a:prstGeom prst="rect">
+            <a:avLst/>
+          </a:prstGeom>
+          <a:noFill/>
+          <a:ln>
+            <a:solidFill>
+              <a:schemeClr val="tx1"/>
+            </a:solidFill>
+          </a:ln>
+        </p:spPr>
+        <p:style>
+          <a:lnRef idx="2">
+            <a:schemeClr val="accent1">
+              <a:shade val="50000"/>
+            </a:schemeClr>
+          </a:lnRef>
+          <a:fillRef idx="1">
+            <a:schemeClr val="accent1"/>
+          </a:fillRef>
+          <a:effectRef idx="0">
+            <a:schemeClr val="accent1"/>
+          </a:effectRef>
+          <a:fontRef idx="minor">
+            <a:schemeClr val="lt1"/>
+          </a:fontRef>
+        </p:style>
+        <p:txBody>
+          <a:bodyPr rtlCol="0" anchor="ctr"/>
+          <a:lstStyle/>
+          <a:p>
+            <a:pPr algn="ctr"/>
+            <a:endParaRPr lang="en-US"/>
+          </a:p>
+        </p:txBody>
+      </p:sp>
+      <p:sp>
+        <p:nvSpPr>
+          <p:cNvPr id="2" name="Textfeld 1"/>
+          <p:cNvSpPr txBox="1"/>
+          <p:nvPr/>
+        </p:nvSpPr>
+        <p:spPr>
+          <a:xfrm>
+            <a:off x="4572000" y="3501008"/>
+            <a:ext cx="2154435" cy="369332"/>
+          </a:xfrm>
+          <a:prstGeom prst="rect">
+            <a:avLst/>
+          </a:prstGeom>
+          <a:noFill/>
+        </p:spPr>
+        <p:txBody>
+          <a:bodyPr wrap="square" rtlCol="0">
+            <a:spAutoFit/>
+          </a:bodyPr>
+          <a:lstStyle/>
+          <a:p>
             <a:r>
               <a:rPr lang="de-DE" dirty="0" smtClean="0"/>
-              <a:t>: Future Internet </a:t>
-            </a:r>
-            <a:r>
-              <a:rPr lang="de-DE" dirty="0" err="1" smtClean="0"/>
-              <a:t>Platform</a:t>
-            </a:r>
-            <a:r>
-              <a:rPr lang="de-DE" dirty="0" smtClean="0"/>
+              <a:t>Leitstand</a:t>
+            </a:r>
+            <a:endParaRPr lang="en-US" dirty="0"/>
+          </a:p>
+        </p:txBody>
+      </p:sp>
+      <p:sp>
+        <p:nvSpPr>
+          <p:cNvPr id="15" name="Textfeld 14"/>
+          <p:cNvSpPr txBox="1"/>
+          <p:nvPr/>
+        </p:nvSpPr>
+        <p:spPr>
+          <a:xfrm>
+            <a:off x="4716016" y="4160113"/>
+            <a:ext cx="1440160" cy="646331"/>
+          </a:xfrm>
+          <a:prstGeom prst="rect">
+            <a:avLst/>
+          </a:prstGeom>
+          <a:noFill/>
+          <a:ln w="12700">
+            <a:solidFill>
+              <a:schemeClr val="tx1"/>
+            </a:solidFill>
+          </a:ln>
+        </p:spPr>
+        <p:txBody>
+          <a:bodyPr wrap="square" rtlCol="0">
+            <a:spAutoFit/>
+          </a:bodyPr>
+          <a:lstStyle/>
+          <a:p>
+            <a:r>
+              <a:rPr lang="de-DE" sz="1200" b="1" dirty="0" err="1" smtClean="0"/>
+              <a:t>Analyze</a:t>
+            </a:r>
+            <a:endParaRPr lang="de-DE" sz="1200" b="1" dirty="0" smtClean="0"/>
+          </a:p>
+          <a:p>
+            <a:r>
+              <a:rPr lang="de-DE" sz="1200" dirty="0" smtClean="0"/>
+              <a:t>(find </a:t>
+            </a:r>
+            <a:r>
+              <a:rPr lang="de-DE" sz="1200" dirty="0" err="1" smtClean="0"/>
+              <a:t>divergence</a:t>
+            </a:r>
+            <a:endParaRPr lang="de-DE" sz="1200" dirty="0" smtClean="0"/>
+          </a:p>
+          <a:p>
+            <a:r>
+              <a:rPr lang="de-DE" sz="1200" dirty="0" err="1" smtClean="0"/>
+              <a:t>and</a:t>
+            </a:r>
+            <a:r>
+              <a:rPr lang="de-DE" sz="1200" dirty="0" smtClean="0"/>
               <a:t> </a:t>
             </a:r>
             <a:r>
-              <a:rPr lang="de-DE" dirty="0" err="1" smtClean="0"/>
-              <a:t>for</a:t>
-            </a:r>
-            <a:r>
-              <a:rPr lang="de-DE" dirty="0" smtClean="0"/>
+              <a:rPr lang="de-DE" sz="1200" dirty="0" err="1" smtClean="0"/>
+              <a:t>exceptions</a:t>
+            </a:r>
+            <a:r>
+              <a:rPr lang="de-DE" sz="1200" dirty="0" smtClean="0"/>
+              <a:t>)</a:t>
+            </a:r>
+            <a:endParaRPr lang="en-US" sz="1200" dirty="0"/>
+          </a:p>
+        </p:txBody>
+      </p:sp>
+      <p:sp>
+        <p:nvSpPr>
+          <p:cNvPr id="16" name="Textfeld 15"/>
+          <p:cNvSpPr txBox="1"/>
+          <p:nvPr/>
+        </p:nvSpPr>
+        <p:spPr>
+          <a:xfrm>
+            <a:off x="4716016" y="5518973"/>
+            <a:ext cx="1440160" cy="646331"/>
+          </a:xfrm>
+          <a:prstGeom prst="rect">
+            <a:avLst/>
+          </a:prstGeom>
+          <a:noFill/>
+          <a:ln w="12700">
+            <a:solidFill>
+              <a:schemeClr val="tx1"/>
+            </a:solidFill>
+          </a:ln>
+        </p:spPr>
+        <p:txBody>
+          <a:bodyPr wrap="square" rtlCol="0">
+            <a:spAutoFit/>
+          </a:bodyPr>
+          <a:lstStyle/>
+          <a:p>
+            <a:r>
+              <a:rPr lang="de-DE" sz="1200" b="1" dirty="0" smtClean="0"/>
+              <a:t>Monitor</a:t>
+            </a:r>
+          </a:p>
+          <a:p>
+            <a:r>
+              <a:rPr lang="de-DE" sz="1200" dirty="0" smtClean="0"/>
+              <a:t>(</a:t>
+            </a:r>
+            <a:r>
+              <a:rPr lang="de-DE" sz="1200" dirty="0" err="1" smtClean="0"/>
+              <a:t>harvest</a:t>
+            </a:r>
+            <a:r>
+              <a:rPr lang="de-DE" sz="1200" dirty="0" smtClean="0"/>
               <a:t> </a:t>
             </a:r>
             <a:r>
-              <a:rPr lang="de-DE" dirty="0" err="1" smtClean="0"/>
-              <a:t>logistics</a:t>
-            </a:r>
-            <a:endParaRPr lang="de-DE" dirty="0" smtClean="0"/>
-          </a:p>
-          <a:p>
-            <a:pPr lvl="1"/>
-            <a:r>
-              <a:rPr lang="de-DE" dirty="0" smtClean="0"/>
+              <a:rPr lang="de-DE" sz="1200" dirty="0" err="1" smtClean="0"/>
+              <a:t>data</a:t>
+            </a:r>
+            <a:r>
+              <a:rPr lang="de-DE" sz="1200" dirty="0" smtClean="0"/>
+              <a:t>,</a:t>
+            </a:r>
+          </a:p>
+          <a:p>
+            <a:r>
+              <a:rPr lang="de-DE" sz="1200" dirty="0" err="1"/>
+              <a:t>f</a:t>
+            </a:r>
+            <a:r>
+              <a:rPr lang="de-DE" sz="1200" dirty="0" err="1" smtClean="0"/>
+              <a:t>ilter</a:t>
+            </a:r>
+            <a:r>
+              <a:rPr lang="de-DE" sz="1200" dirty="0" smtClean="0"/>
               <a:t> </a:t>
             </a:r>
             <a:r>
-              <a:rPr lang="de-DE" dirty="0" err="1" smtClean="0"/>
+              <a:rPr lang="de-DE" sz="1200" dirty="0" err="1" smtClean="0"/>
+              <a:t>and</a:t>
+            </a:r>
+            <a:r>
+              <a:rPr lang="de-DE" sz="1200" dirty="0" smtClean="0"/>
+              <a:t> </a:t>
+            </a:r>
+            <a:r>
+              <a:rPr lang="de-DE" sz="1200" dirty="0" err="1" smtClean="0"/>
+              <a:t>aggregate</a:t>
+            </a:r>
+            <a:r>
+              <a:rPr lang="de-DE" sz="1200" dirty="0" smtClean="0"/>
+              <a:t>)</a:t>
+            </a:r>
+            <a:endParaRPr lang="en-US" sz="1200" dirty="0"/>
+          </a:p>
+        </p:txBody>
+      </p:sp>
+      <p:sp>
+        <p:nvSpPr>
+          <p:cNvPr id="17" name="Textfeld 16"/>
+          <p:cNvSpPr txBox="1"/>
+          <p:nvPr/>
+        </p:nvSpPr>
+        <p:spPr>
+          <a:xfrm>
+            <a:off x="7380312" y="4077072"/>
+            <a:ext cx="1440160" cy="830997"/>
+          </a:xfrm>
+          <a:prstGeom prst="rect">
+            <a:avLst/>
+          </a:prstGeom>
+          <a:noFill/>
+          <a:ln w="12700">
+            <a:solidFill>
+              <a:schemeClr val="tx1"/>
+            </a:solidFill>
+          </a:ln>
+        </p:spPr>
+        <p:txBody>
+          <a:bodyPr wrap="square" rtlCol="0">
+            <a:spAutoFit/>
+          </a:bodyPr>
+          <a:lstStyle/>
+          <a:p>
+            <a:r>
+              <a:rPr lang="de-DE" sz="1200" b="1" dirty="0" err="1" smtClean="0"/>
+              <a:t>PLan</a:t>
+            </a:r>
+            <a:endParaRPr lang="de-DE" sz="1200" b="1" dirty="0" smtClean="0"/>
+          </a:p>
+          <a:p>
+            <a:r>
+              <a:rPr lang="de-DE" sz="1200" dirty="0" smtClean="0"/>
+              <a:t>(</a:t>
+            </a:r>
+            <a:r>
+              <a:rPr lang="de-DE" sz="1200" dirty="0" err="1" smtClean="0"/>
+              <a:t>recognize</a:t>
+            </a:r>
+            <a:r>
+              <a:rPr lang="de-DE" sz="1200" dirty="0" smtClean="0"/>
+              <a:t> </a:t>
+            </a:r>
+            <a:r>
+              <a:rPr lang="de-DE" sz="1200" dirty="0" err="1" smtClean="0"/>
+              <a:t>and</a:t>
+            </a:r>
+            <a:r>
+              <a:rPr lang="de-DE" sz="1200" dirty="0" smtClean="0"/>
+              <a:t> </a:t>
+            </a:r>
+            <a:r>
+              <a:rPr lang="de-DE" sz="1200" dirty="0" err="1" smtClean="0"/>
+              <a:t>prioritize</a:t>
+            </a:r>
+            <a:r>
+              <a:rPr lang="de-DE" sz="1200" dirty="0" smtClean="0"/>
+              <a:t> alternatives)</a:t>
+            </a:r>
+            <a:endParaRPr lang="en-US" sz="1200" dirty="0"/>
+          </a:p>
+        </p:txBody>
+      </p:sp>
+      <p:sp>
+        <p:nvSpPr>
+          <p:cNvPr id="18" name="Textfeld 17"/>
+          <p:cNvSpPr txBox="1"/>
+          <p:nvPr/>
+        </p:nvSpPr>
+        <p:spPr>
+          <a:xfrm>
+            <a:off x="7380312" y="5445224"/>
+            <a:ext cx="1440160" cy="646331"/>
+          </a:xfrm>
+          <a:prstGeom prst="rect">
+            <a:avLst/>
+          </a:prstGeom>
+          <a:noFill/>
+          <a:ln w="12700">
+            <a:solidFill>
+              <a:schemeClr val="tx1"/>
+            </a:solidFill>
+          </a:ln>
+        </p:spPr>
+        <p:txBody>
+          <a:bodyPr wrap="square" rtlCol="0">
+            <a:spAutoFit/>
+          </a:bodyPr>
+          <a:lstStyle/>
+          <a:p>
+            <a:r>
+              <a:rPr lang="de-DE" sz="1200" b="1" dirty="0" smtClean="0"/>
+              <a:t>Execute</a:t>
+            </a:r>
+          </a:p>
+          <a:p>
+            <a:r>
+              <a:rPr lang="de-DE" sz="1200" dirty="0" smtClean="0"/>
+              <a:t>(</a:t>
+            </a:r>
+            <a:r>
+              <a:rPr lang="de-DE" sz="1200" dirty="0" err="1" smtClean="0"/>
+              <a:t>adapt</a:t>
+            </a:r>
+            <a:r>
+              <a:rPr lang="de-DE" sz="1200" dirty="0" smtClean="0"/>
+              <a:t> </a:t>
+            </a:r>
+            <a:r>
+              <a:rPr lang="de-DE" sz="1200" dirty="0" err="1" smtClean="0"/>
+              <a:t>and</a:t>
+            </a:r>
+            <a:r>
+              <a:rPr lang="de-DE" sz="1200" dirty="0" smtClean="0"/>
+              <a:t> send plan)</a:t>
+            </a:r>
+            <a:endParaRPr lang="en-US" sz="1200" dirty="0"/>
+          </a:p>
+        </p:txBody>
+      </p:sp>
+      <p:sp>
+        <p:nvSpPr>
+          <p:cNvPr id="3" name="Abgerundetes Rechteck 2"/>
+          <p:cNvSpPr/>
+          <p:nvPr/>
+        </p:nvSpPr>
+        <p:spPr>
+          <a:xfrm>
+            <a:off x="6294387" y="4513766"/>
+            <a:ext cx="864096" cy="1358860"/>
+          </a:xfrm>
+          <a:prstGeom prst="roundRect">
+            <a:avLst/>
+          </a:prstGeom>
+          <a:noFill/>
+          <a:ln w="12700">
+            <a:solidFill>
+              <a:schemeClr val="tx1"/>
+            </a:solidFill>
+          </a:ln>
+        </p:spPr>
+        <p:style>
+          <a:lnRef idx="2">
+            <a:schemeClr val="accent1">
+              <a:shade val="50000"/>
+            </a:schemeClr>
+          </a:lnRef>
+          <a:fillRef idx="1">
+            <a:schemeClr val="accent1"/>
+          </a:fillRef>
+          <a:effectRef idx="0">
+            <a:schemeClr val="accent1"/>
+          </a:effectRef>
+          <a:fontRef idx="minor">
+            <a:schemeClr val="lt1"/>
+          </a:fontRef>
+        </p:style>
+        <p:txBody>
+          <a:bodyPr rtlCol="0" anchor="ctr"/>
+          <a:lstStyle/>
+          <a:p>
+            <a:pPr algn="ctr"/>
+            <a:endParaRPr lang="en-US"/>
+          </a:p>
+        </p:txBody>
+      </p:sp>
+      <p:sp>
+        <p:nvSpPr>
+          <p:cNvPr id="4" name="Textfeld 3"/>
+          <p:cNvSpPr txBox="1"/>
+          <p:nvPr/>
+        </p:nvSpPr>
+        <p:spPr>
+          <a:xfrm>
+            <a:off x="6444208" y="4806444"/>
+            <a:ext cx="936104" cy="461665"/>
+          </a:xfrm>
+          <a:prstGeom prst="rect">
+            <a:avLst/>
+          </a:prstGeom>
+          <a:noFill/>
+        </p:spPr>
+        <p:txBody>
+          <a:bodyPr wrap="square" rtlCol="0">
+            <a:spAutoFit/>
+          </a:bodyPr>
+          <a:lstStyle/>
+          <a:p>
+            <a:r>
+              <a:rPr lang="de-DE" sz="1200" b="1" dirty="0" err="1" smtClean="0"/>
+              <a:t>Knowledge</a:t>
+            </a:r>
+            <a:endParaRPr lang="de-DE" sz="1200" b="1" dirty="0" smtClean="0"/>
+          </a:p>
+          <a:p>
+            <a:r>
+              <a:rPr lang="de-DE" sz="1200" dirty="0" smtClean="0"/>
+              <a:t>- </a:t>
+            </a:r>
+            <a:r>
+              <a:rPr lang="de-DE" sz="1200" dirty="0" err="1" smtClean="0"/>
+              <a:t>history</a:t>
+            </a:r>
+            <a:endParaRPr lang="en-US" sz="1200" dirty="0"/>
+          </a:p>
+        </p:txBody>
+      </p:sp>
+      <p:sp>
+        <p:nvSpPr>
+          <p:cNvPr id="9" name="Textfeld 8"/>
+          <p:cNvSpPr txBox="1"/>
+          <p:nvPr/>
+        </p:nvSpPr>
+        <p:spPr>
+          <a:xfrm>
+            <a:off x="4572000" y="836712"/>
+            <a:ext cx="4392488" cy="1815882"/>
+          </a:xfrm>
+          <a:prstGeom prst="rect">
+            <a:avLst/>
+          </a:prstGeom>
+          <a:noFill/>
+        </p:spPr>
+        <p:txBody>
+          <a:bodyPr wrap="square" rtlCol="0">
+            <a:spAutoFit/>
+          </a:bodyPr>
+          <a:lstStyle/>
+          <a:p>
+            <a:r>
+              <a:rPr lang="en-US" sz="1400" dirty="0" smtClean="0"/>
+              <a:t>Purpose:</a:t>
+            </a:r>
+          </a:p>
+          <a:p>
+            <a:pPr marL="285750" indent="-285750">
+              <a:buFontTx/>
+              <a:buChar char="-"/>
+            </a:pPr>
+            <a:r>
+              <a:rPr lang="en-US" sz="1400" dirty="0" smtClean="0"/>
+              <a:t>Domain and conceptual architecture of a </a:t>
+            </a:r>
+            <a:r>
+              <a:rPr lang="en-US" sz="1400" dirty="0" err="1" smtClean="0"/>
+              <a:t>Leitstand</a:t>
+            </a:r>
+            <a:r>
+              <a:rPr lang="en-US" sz="1400" dirty="0" smtClean="0"/>
+              <a:t> (control station)</a:t>
+            </a:r>
+          </a:p>
+          <a:p>
+            <a:pPr marL="285750" indent="-285750">
+              <a:buFontTx/>
+              <a:buChar char="-"/>
+            </a:pPr>
+            <a:r>
+              <a:rPr lang="en-US" sz="1400" dirty="0" smtClean="0"/>
+              <a:t>Generic design of Future </a:t>
+            </a:r>
+            <a:r>
+              <a:rPr lang="en-US" sz="1400" dirty="0" err="1" smtClean="0"/>
               <a:t>IoT</a:t>
             </a:r>
             <a:r>
-              <a:rPr lang="de-DE" dirty="0" smtClean="0"/>
+              <a:rPr lang="en-US" sz="1400" dirty="0" smtClean="0"/>
               <a:t> </a:t>
             </a:r>
             <a:r>
-              <a:rPr lang="de-DE" dirty="0" err="1" smtClean="0"/>
-              <a:t>only</a:t>
-            </a:r>
-            <a:r>
-              <a:rPr lang="de-DE" dirty="0" smtClean="0"/>
+              <a:rPr lang="en-US" sz="1400" dirty="0" err="1" smtClean="0"/>
+              <a:t>Leitständen</a:t>
+            </a:r>
+            <a:r>
+              <a:rPr lang="en-US" sz="1400" dirty="0" smtClean="0"/>
+              <a:t> and Future Internet </a:t>
+            </a:r>
+            <a:r>
+              <a:rPr lang="en-US" sz="1400" dirty="0" err="1" smtClean="0"/>
+              <a:t>Leitstände</a:t>
+            </a:r>
+            <a:endParaRPr lang="en-US" sz="1400" dirty="0" smtClean="0"/>
+          </a:p>
+          <a:p>
+            <a:pPr marL="285750" indent="-285750">
+              <a:buFontTx/>
+              <a:buChar char="-"/>
+            </a:pPr>
+            <a:r>
+              <a:rPr lang="en-US" sz="1400" dirty="0" smtClean="0"/>
+              <a:t>MAPE-K Loop approach</a:t>
+            </a:r>
+          </a:p>
+          <a:p>
+            <a:r>
+              <a:rPr lang="en-US" sz="1400" dirty="0" smtClean="0"/>
+              <a:t>GOAL:</a:t>
+            </a:r>
+          </a:p>
+          <a:p>
+            <a:r>
+              <a:rPr lang="en-US" sz="1400" dirty="0" smtClean="0"/>
+              <a:t>- </a:t>
+            </a:r>
+            <a:r>
+              <a:rPr lang="en-US" sz="1400" dirty="0" err="1" smtClean="0"/>
+              <a:t>Leitstand</a:t>
+            </a:r>
+            <a:r>
+              <a:rPr lang="en-US" sz="1400" dirty="0" smtClean="0"/>
+              <a:t> architecture (</a:t>
+            </a:r>
+            <a:r>
+              <a:rPr lang="en-US" sz="1400" dirty="0" err="1" smtClean="0"/>
+              <a:t>coneceptual</a:t>
+            </a:r>
+            <a:r>
+              <a:rPr lang="en-US" sz="1400" dirty="0" smtClean="0"/>
+              <a:t>)</a:t>
+            </a:r>
+            <a:endParaRPr lang="en-US" sz="1400" dirty="0"/>
+          </a:p>
+        </p:txBody>
+      </p:sp>
+      <p:sp>
+        <p:nvSpPr>
+          <p:cNvPr id="19" name="Textfeld 18"/>
+          <p:cNvSpPr txBox="1"/>
+          <p:nvPr/>
+        </p:nvSpPr>
+        <p:spPr>
+          <a:xfrm>
+            <a:off x="179512" y="836712"/>
+            <a:ext cx="4392488" cy="2462213"/>
+          </a:xfrm>
+          <a:prstGeom prst="rect">
+            <a:avLst/>
+          </a:prstGeom>
+          <a:noFill/>
+        </p:spPr>
+        <p:txBody>
+          <a:bodyPr wrap="square" rtlCol="0">
+            <a:spAutoFit/>
+          </a:bodyPr>
+          <a:lstStyle/>
+          <a:p>
+            <a:r>
+              <a:rPr lang="en-US" sz="1400" dirty="0" smtClean="0"/>
+              <a:t>Purpose:</a:t>
+            </a:r>
+          </a:p>
+          <a:p>
+            <a:pPr marL="285750" indent="-285750">
+              <a:buFontTx/>
+              <a:buChar char="-"/>
+            </a:pPr>
+            <a:r>
+              <a:rPr lang="en-US" sz="1400" dirty="0" smtClean="0"/>
+              <a:t>Enable Future </a:t>
+            </a:r>
+            <a:r>
+              <a:rPr lang="en-US" sz="1400" b="1" dirty="0" err="1" smtClean="0"/>
+              <a:t>IoT</a:t>
+            </a:r>
+            <a:r>
+              <a:rPr lang="en-US" sz="1400" b="1" dirty="0" smtClean="0"/>
+              <a:t> implementations </a:t>
+            </a:r>
+            <a:r>
+              <a:rPr lang="en-US" sz="1400" dirty="0" smtClean="0"/>
+              <a:t>/ technologies</a:t>
+            </a:r>
+          </a:p>
+          <a:p>
+            <a:pPr marL="285750" indent="-285750">
+              <a:buFontTx/>
+              <a:buChar char="-"/>
+            </a:pPr>
+            <a:r>
+              <a:rPr lang="en-US" sz="1400" dirty="0" smtClean="0"/>
+              <a:t>Future </a:t>
+            </a:r>
+            <a:r>
+              <a:rPr lang="en-US" sz="1400" b="1" dirty="0" err="1" smtClean="0"/>
+              <a:t>IoT</a:t>
+            </a:r>
+            <a:r>
+              <a:rPr lang="en-US" sz="1400" b="1" dirty="0" smtClean="0"/>
+              <a:t> platform </a:t>
+            </a:r>
+            <a:r>
+              <a:rPr lang="en-US" sz="1400" dirty="0" smtClean="0"/>
+              <a:t>(for logistics)</a:t>
+            </a:r>
+          </a:p>
+          <a:p>
+            <a:pPr marL="285750" indent="-285750">
+              <a:buFontTx/>
+              <a:buChar char="-"/>
+            </a:pPr>
+            <a:r>
+              <a:rPr lang="en-US" sz="1400" dirty="0" smtClean="0"/>
+              <a:t>Provide a platform for collaboration (information exchange, communication) between stakeholders working in logistics domain.</a:t>
+            </a:r>
+          </a:p>
+          <a:p>
+            <a:pPr marL="742950" lvl="1" indent="-285750">
+              <a:buFontTx/>
+              <a:buChar char="-"/>
+            </a:pPr>
+            <a:r>
+              <a:rPr lang="en-US" sz="1400" dirty="0" smtClean="0"/>
+              <a:t>Stakeholders: Shipper, Forwarder, Carrier, Authority</a:t>
+            </a:r>
+          </a:p>
+          <a:p>
+            <a:r>
+              <a:rPr lang="en-US" sz="1400" dirty="0" smtClean="0"/>
+              <a:t>GOAL:</a:t>
+            </a:r>
+          </a:p>
+          <a:p>
+            <a:r>
+              <a:rPr lang="en-US" sz="1400" dirty="0" smtClean="0"/>
+              <a:t>- Architecture of  a collaboration (communication) platform </a:t>
+            </a:r>
+            <a:endParaRPr lang="en-US" sz="1400" dirty="0"/>
+          </a:p>
+        </p:txBody>
+      </p:sp>
+      <p:sp>
+        <p:nvSpPr>
+          <p:cNvPr id="20" name="Textfeld 19"/>
+          <p:cNvSpPr txBox="1"/>
+          <p:nvPr/>
+        </p:nvSpPr>
+        <p:spPr>
+          <a:xfrm>
+            <a:off x="107504" y="5661248"/>
+            <a:ext cx="4176464" cy="523220"/>
+          </a:xfrm>
+          <a:prstGeom prst="rect">
+            <a:avLst/>
+          </a:prstGeom>
+          <a:noFill/>
+        </p:spPr>
+        <p:txBody>
+          <a:bodyPr wrap="square" rtlCol="0">
+            <a:spAutoFit/>
+          </a:bodyPr>
+          <a:lstStyle/>
+          <a:p>
+            <a:r>
+              <a:rPr lang="de-DE" sz="1400" dirty="0" smtClean="0"/>
+              <a:t>Core </a:t>
+            </a:r>
+            <a:r>
+              <a:rPr lang="de-DE" sz="1400" dirty="0" err="1" smtClean="0"/>
+              <a:t>modules</a:t>
+            </a:r>
+            <a:r>
+              <a:rPr lang="de-DE" sz="1400" dirty="0" smtClean="0"/>
               <a:t> </a:t>
             </a:r>
             <a:r>
-              <a:rPr lang="de-DE" dirty="0" err="1" smtClean="0"/>
-              <a:t>comes</a:t>
-            </a:r>
-            <a:r>
-              <a:rPr lang="de-DE" dirty="0" smtClean="0"/>
+              <a:rPr lang="de-DE" sz="1400" dirty="0" err="1" smtClean="0"/>
+              <a:t>are</a:t>
+            </a:r>
+            <a:r>
+              <a:rPr lang="de-DE" sz="1400" dirty="0" smtClean="0"/>
               <a:t> </a:t>
             </a:r>
             <a:r>
-              <a:rPr lang="de-DE" dirty="0" err="1" smtClean="0"/>
-              <a:t>into</a:t>
-            </a:r>
-            <a:r>
-              <a:rPr lang="de-DE" dirty="0" smtClean="0"/>
+              <a:rPr lang="de-DE" sz="1400" dirty="0" err="1" smtClean="0"/>
+              <a:t>provided</a:t>
+            </a:r>
+            <a:r>
+              <a:rPr lang="de-DE" sz="1400" dirty="0" smtClean="0"/>
               <a:t> </a:t>
             </a:r>
             <a:r>
-              <a:rPr lang="de-DE" dirty="0" err="1" smtClean="0"/>
-              <a:t>play</a:t>
-            </a:r>
-            <a:r>
-              <a:rPr lang="de-DE" dirty="0" smtClean="0"/>
-              <a:t> in Front end </a:t>
-            </a:r>
-            <a:r>
-              <a:rPr lang="de-DE" dirty="0" err="1" smtClean="0"/>
-              <a:t>and</a:t>
-            </a:r>
-            <a:r>
-              <a:rPr lang="de-DE" dirty="0" smtClean="0"/>
-              <a:t> back end (</a:t>
-            </a:r>
-            <a:r>
-              <a:rPr lang="de-DE" dirty="0" err="1" smtClean="0"/>
-              <a:t>gateway</a:t>
-            </a:r>
-            <a:r>
-              <a:rPr lang="de-DE" dirty="0" smtClean="0"/>
-              <a:t>) </a:t>
-            </a:r>
-            <a:r>
-              <a:rPr lang="de-DE" dirty="0" err="1" smtClean="0"/>
-              <a:t>where</a:t>
-            </a:r>
-            <a:r>
-              <a:rPr lang="de-DE" dirty="0" smtClean="0"/>
+              <a:rPr lang="de-DE" sz="1400" dirty="0" err="1" smtClean="0"/>
+              <a:t>as</a:t>
+            </a:r>
+            <a:r>
+              <a:rPr lang="de-DE" sz="1400" dirty="0" smtClean="0"/>
               <a:t> </a:t>
             </a:r>
             <a:r>
-              <a:rPr lang="de-DE" dirty="0" err="1" smtClean="0"/>
-              <a:t>data</a:t>
-            </a:r>
-            <a:r>
-              <a:rPr lang="de-DE" dirty="0" smtClean="0"/>
+              <a:rPr lang="de-DE" sz="1400" dirty="0" err="1" smtClean="0"/>
+              <a:t>cloud-based</a:t>
+            </a:r>
+            <a:r>
+              <a:rPr lang="de-DE" sz="1400" dirty="0" smtClean="0"/>
               <a:t> </a:t>
             </a:r>
             <a:r>
-              <a:rPr lang="de-DE" dirty="0" err="1" smtClean="0"/>
-              <a:t>is</a:t>
-            </a:r>
-            <a:r>
-              <a:rPr lang="de-DE" dirty="0" smtClean="0"/>
+              <a:rPr lang="de-DE" sz="1400" dirty="0" err="1" smtClean="0"/>
+              <a:t>services</a:t>
+            </a:r>
+            <a:endParaRPr lang="de-DE" sz="1400" dirty="0" smtClean="0"/>
+          </a:p>
+          <a:p>
+            <a:r>
+              <a:rPr lang="de-DE" sz="1400" dirty="0" smtClean="0">
+                <a:sym typeface="Wingdings" pitchFamily="2" charset="2"/>
+              </a:rPr>
+              <a:t> </a:t>
+            </a:r>
+            <a:r>
+              <a:rPr lang="de-DE" sz="1400" dirty="0" err="1" smtClean="0">
+                <a:sym typeface="Wingdings" pitchFamily="2" charset="2"/>
+              </a:rPr>
+              <a:t>Claimed</a:t>
+            </a:r>
+            <a:r>
+              <a:rPr lang="de-DE" sz="1400" dirty="0" smtClean="0">
+                <a:sym typeface="Wingdings" pitchFamily="2" charset="2"/>
+              </a:rPr>
               <a:t> </a:t>
             </a:r>
             <a:r>
-              <a:rPr lang="de-DE" dirty="0" err="1" smtClean="0"/>
-              <a:t>sent</a:t>
-            </a:r>
-            <a:r>
-              <a:rPr lang="de-DE" dirty="0" smtClean="0"/>
+              <a:rPr lang="de-DE" sz="1400" dirty="0" err="1" smtClean="0">
+                <a:sym typeface="Wingdings" pitchFamily="2" charset="2"/>
+              </a:rPr>
+              <a:t>as</a:t>
+            </a:r>
+            <a:r>
+              <a:rPr lang="de-DE" sz="1400" dirty="0" smtClean="0">
+                <a:sym typeface="Wingdings" pitchFamily="2" charset="2"/>
+              </a:rPr>
               <a:t> </a:t>
             </a:r>
             <a:r>
-              <a:rPr lang="de-DE" dirty="0" err="1" smtClean="0"/>
-              <a:t>and</a:t>
-            </a:r>
-            <a:r>
-              <a:rPr lang="de-DE" dirty="0" smtClean="0"/>
+              <a:rPr lang="de-DE" sz="1400" dirty="0" err="1" smtClean="0">
+                <a:sym typeface="Wingdings" pitchFamily="2" charset="2"/>
+              </a:rPr>
+              <a:t>domain</a:t>
+            </a:r>
+            <a:r>
+              <a:rPr lang="de-DE" sz="1400" dirty="0" smtClean="0">
+                <a:sym typeface="Wingdings" pitchFamily="2" charset="2"/>
+              </a:rPr>
               <a:t> </a:t>
             </a:r>
             <a:r>
-              <a:rPr lang="de-DE" dirty="0" err="1" smtClean="0"/>
-              <a:t>received</a:t>
-            </a:r>
-            <a:r>
-              <a:rPr lang="de-DE" dirty="0" smtClean="0"/>
-              <a:t> </a:t>
-            </a:r>
-            <a:r>
-              <a:rPr lang="de-DE" dirty="0" err="1" smtClean="0"/>
-              <a:t>from</a:t>
-            </a:r>
-            <a:r>
-              <a:rPr lang="de-DE" dirty="0" smtClean="0"/>
-              <a:t> </a:t>
-            </a:r>
-            <a:r>
-              <a:rPr lang="de-DE" dirty="0" err="1" smtClean="0"/>
-              <a:t>technical</a:t>
-            </a:r>
-            <a:r>
-              <a:rPr lang="de-DE" dirty="0" smtClean="0"/>
-              <a:t> </a:t>
-            </a:r>
-            <a:r>
-              <a:rPr lang="de-DE" dirty="0" err="1" smtClean="0"/>
-              <a:t>devices</a:t>
-            </a:r>
-            <a:r>
-              <a:rPr lang="de-DE" dirty="0" smtClean="0"/>
-              <a:t> </a:t>
-            </a:r>
-            <a:r>
-              <a:rPr lang="de-DE" dirty="0" err="1" smtClean="0"/>
-              <a:t>like</a:t>
-            </a:r>
-            <a:r>
-              <a:rPr lang="de-DE" dirty="0" smtClean="0"/>
-              <a:t> </a:t>
-            </a:r>
-            <a:r>
-              <a:rPr lang="de-DE" dirty="0" err="1" smtClean="0"/>
-              <a:t>sensors</a:t>
-            </a:r>
-            <a:endParaRPr lang="de-DE" dirty="0" smtClean="0"/>
-          </a:p>
-          <a:p>
-            <a:pPr lvl="1"/>
-            <a:r>
-              <a:rPr lang="de-DE" dirty="0" err="1" smtClean="0"/>
-              <a:t>Is</a:t>
-            </a:r>
-            <a:r>
-              <a:rPr lang="de-DE" dirty="0" smtClean="0"/>
-              <a:t> </a:t>
-            </a:r>
-            <a:r>
-              <a:rPr lang="de-DE" dirty="0" err="1" smtClean="0"/>
-              <a:t>there</a:t>
-            </a:r>
-            <a:r>
-              <a:rPr lang="de-DE" dirty="0" smtClean="0"/>
-              <a:t> </a:t>
-            </a:r>
-            <a:r>
-              <a:rPr lang="de-DE" dirty="0" err="1" smtClean="0"/>
-              <a:t>any</a:t>
-            </a:r>
-            <a:r>
-              <a:rPr lang="de-DE" dirty="0" smtClean="0"/>
-              <a:t> </a:t>
-            </a:r>
-            <a:r>
-              <a:rPr lang="de-DE" dirty="0" err="1" smtClean="0"/>
-              <a:t>effect</a:t>
-            </a:r>
-            <a:r>
-              <a:rPr lang="de-DE" dirty="0" smtClean="0"/>
-              <a:t> on </a:t>
-            </a:r>
-            <a:r>
-              <a:rPr lang="de-DE" dirty="0" err="1" smtClean="0"/>
-              <a:t>the</a:t>
-            </a:r>
-            <a:r>
-              <a:rPr lang="de-DE" dirty="0" smtClean="0"/>
-              <a:t> `Leitstand‘ </a:t>
-            </a:r>
-            <a:r>
-              <a:rPr lang="de-DE" dirty="0" err="1" smtClean="0"/>
-              <a:t>itself</a:t>
-            </a:r>
-            <a:r>
-              <a:rPr lang="de-DE" dirty="0" smtClean="0"/>
-              <a:t>?</a:t>
-            </a:r>
-          </a:p>
-          <a:p>
-            <a:pPr lvl="2"/>
-            <a:r>
-              <a:rPr lang="de-DE" dirty="0" err="1" smtClean="0"/>
-              <a:t>Is</a:t>
-            </a:r>
-            <a:r>
-              <a:rPr lang="de-DE" dirty="0" smtClean="0"/>
-              <a:t> </a:t>
-            </a:r>
-            <a:r>
-              <a:rPr lang="de-DE" dirty="0" err="1" smtClean="0"/>
-              <a:t>it</a:t>
-            </a:r>
-            <a:r>
-              <a:rPr lang="de-DE" dirty="0" smtClean="0"/>
-              <a:t> a </a:t>
-            </a:r>
-            <a:r>
-              <a:rPr lang="de-DE" dirty="0" err="1" smtClean="0"/>
-              <a:t>kind</a:t>
-            </a:r>
-            <a:r>
-              <a:rPr lang="de-DE" dirty="0" smtClean="0"/>
-              <a:t> </a:t>
-            </a:r>
-            <a:r>
-              <a:rPr lang="de-DE" dirty="0" err="1" smtClean="0"/>
-              <a:t>of</a:t>
-            </a:r>
-            <a:r>
-              <a:rPr lang="de-DE" dirty="0" smtClean="0"/>
-              <a:t> </a:t>
-            </a:r>
-            <a:r>
-              <a:rPr lang="de-DE" dirty="0" err="1" smtClean="0"/>
-              <a:t>black</a:t>
-            </a:r>
-            <a:r>
-              <a:rPr lang="de-DE" dirty="0" smtClean="0"/>
-              <a:t> box </a:t>
-            </a:r>
-            <a:r>
-              <a:rPr lang="de-DE" dirty="0" err="1" smtClean="0"/>
-              <a:t>the</a:t>
-            </a:r>
-            <a:r>
-              <a:rPr lang="de-DE" dirty="0" smtClean="0"/>
-              <a:t> `Leitstand‘? </a:t>
-            </a:r>
-            <a:r>
-              <a:rPr lang="de-DE" dirty="0" err="1" smtClean="0"/>
-              <a:t>Is</a:t>
-            </a:r>
-            <a:r>
-              <a:rPr lang="de-DE" dirty="0" smtClean="0"/>
-              <a:t> </a:t>
-            </a:r>
-            <a:r>
-              <a:rPr lang="de-DE" dirty="0" err="1" smtClean="0"/>
-              <a:t>there</a:t>
-            </a:r>
-            <a:r>
-              <a:rPr lang="de-DE" dirty="0" smtClean="0"/>
-              <a:t> </a:t>
-            </a:r>
-            <a:r>
-              <a:rPr lang="de-DE" dirty="0" err="1" smtClean="0"/>
-              <a:t>anything</a:t>
-            </a:r>
-            <a:r>
-              <a:rPr lang="de-DE" dirty="0" smtClean="0"/>
-              <a:t> </a:t>
-            </a:r>
-            <a:r>
-              <a:rPr lang="de-DE" dirty="0" err="1" smtClean="0"/>
-              <a:t>special</a:t>
-            </a:r>
-            <a:r>
-              <a:rPr lang="de-DE" dirty="0" smtClean="0"/>
-              <a:t> </a:t>
-            </a:r>
-            <a:r>
-              <a:rPr lang="de-DE" dirty="0" err="1" smtClean="0"/>
-              <a:t>of</a:t>
-            </a:r>
-            <a:r>
-              <a:rPr lang="de-DE" dirty="0" smtClean="0"/>
-              <a:t> </a:t>
-            </a:r>
-            <a:r>
-              <a:rPr lang="de-DE" dirty="0" err="1" smtClean="0"/>
-              <a:t>the</a:t>
-            </a:r>
-            <a:r>
-              <a:rPr lang="de-DE" dirty="0" smtClean="0"/>
-              <a:t> </a:t>
-            </a:r>
-            <a:r>
-              <a:rPr lang="de-DE" dirty="0" err="1" smtClean="0"/>
-              <a:t>architecture</a:t>
-            </a:r>
-            <a:r>
-              <a:rPr lang="de-DE" dirty="0" smtClean="0"/>
-              <a:t> (</a:t>
-            </a:r>
-            <a:r>
-              <a:rPr lang="de-DE" dirty="0" err="1" smtClean="0"/>
-              <a:t>wrt</a:t>
-            </a:r>
-            <a:r>
-              <a:rPr lang="de-DE" dirty="0" smtClean="0"/>
-              <a:t>. </a:t>
-            </a:r>
-            <a:r>
-              <a:rPr lang="de-DE" dirty="0" err="1" smtClean="0"/>
-              <a:t>IoT</a:t>
-            </a:r>
-            <a:r>
-              <a:rPr lang="de-DE" dirty="0" smtClean="0"/>
-              <a:t>)?</a:t>
-            </a:r>
-            <a:endParaRPr lang="de-DE" dirty="0"/>
-          </a:p>
-          <a:p>
-            <a:endParaRPr lang="en-US" dirty="0"/>
+              <a:rPr lang="de-DE" sz="1400" dirty="0" err="1" smtClean="0">
+                <a:sym typeface="Wingdings" pitchFamily="2" charset="2"/>
+              </a:rPr>
+              <a:t>specific</a:t>
+            </a:r>
+            <a:r>
+              <a:rPr lang="de-DE" sz="1400" dirty="0" smtClean="0">
+                <a:sym typeface="Wingdings" pitchFamily="2" charset="2"/>
+              </a:rPr>
+              <a:t>	</a:t>
+            </a:r>
+            <a:endParaRPr lang="en-US" sz="1400" dirty="0"/>
           </a:p>
         </p:txBody>
       </p:sp>
     </p:spTree>
     <p:extLst>
       <p:ext uri="{BB962C8B-B14F-4D97-AF65-F5344CB8AC3E}">
-        <p14:creationId xmlns:p14="http://schemas.microsoft.com/office/powerpoint/2010/main" val="105788904"/>
+        <p14:creationId xmlns:p14="http://schemas.microsoft.com/office/powerpoint/2010/main" val="4021812125"/>
       </p:ext>
     </p:extLst>
   </p:cSld>
@@ -5561,46 +5542,12 @@
             <p:ph type="title"/>
           </p:nvPr>
         </p:nvSpPr>
-        <p:spPr/>
-        <p:txBody>
-          <a:bodyPr/>
-          <a:lstStyle/>
-          <a:p>
-            <a:r>
-              <a:rPr lang="de-DE" dirty="0" smtClean="0"/>
-              <a:t>General </a:t>
-            </a:r>
-            <a:r>
-              <a:rPr lang="de-DE" dirty="0" err="1" smtClean="0"/>
-              <a:t>research</a:t>
-            </a:r>
-            <a:r>
-              <a:rPr lang="de-DE" dirty="0" smtClean="0"/>
-              <a:t> </a:t>
-            </a:r>
-            <a:r>
-              <a:rPr lang="de-DE" dirty="0" err="1" smtClean="0"/>
-              <a:t>aspects</a:t>
-            </a:r>
-            <a:r>
-              <a:rPr lang="de-DE" dirty="0" smtClean="0"/>
-              <a:t>	</a:t>
-            </a:r>
-            <a:endParaRPr lang="en-US" dirty="0"/>
-          </a:p>
-        </p:txBody>
-      </p:sp>
-      <p:sp>
-        <p:nvSpPr>
-          <p:cNvPr id="3" name="Inhaltsplatzhalter 2"/>
-          <p:cNvSpPr>
-            <a:spLocks noGrp="1"/>
-          </p:cNvSpPr>
-          <p:nvPr>
-            <p:ph idx="1"/>
-          </p:nvPr>
-        </p:nvSpPr>
-        <p:spPr/>
+        <p:spPr>
+          <a:xfrm>
+            <a:off x="457200" y="58614"/>
+            <a:ext cx="8229600" cy="922114"/>
+          </a:xfrm>
+        </p:spPr>
         <p:txBody>
           <a:bodyPr>
             <a:normAutofit/>
@@ -5608,363 +5555,367 @@
           <a:lstStyle/>
           <a:p>
             <a:r>
-              <a:rPr lang="de-DE" sz="1600" dirty="0" smtClean="0"/>
-              <a:t>Dynamic </a:t>
-            </a:r>
-            <a:r>
-              <a:rPr lang="de-DE" sz="1600" dirty="0" err="1" smtClean="0"/>
-              <a:t>business</a:t>
-            </a:r>
-            <a:r>
-              <a:rPr lang="de-DE" sz="1600" dirty="0" smtClean="0"/>
-              <a:t> </a:t>
-            </a:r>
-            <a:r>
-              <a:rPr lang="de-DE" sz="1600" dirty="0" err="1" smtClean="0"/>
-              <a:t>processes</a:t>
-            </a:r>
-            <a:r>
-              <a:rPr lang="de-DE" sz="1600" dirty="0" smtClean="0"/>
-              <a:t> (</a:t>
-            </a:r>
-            <a:r>
-              <a:rPr lang="de-DE" sz="1600" dirty="0" err="1" smtClean="0"/>
-              <a:t>wrt</a:t>
-            </a:r>
-            <a:r>
-              <a:rPr lang="de-DE" sz="1600" dirty="0" smtClean="0"/>
-              <a:t>. Events </a:t>
-            </a:r>
-            <a:r>
-              <a:rPr lang="de-DE" sz="1600" dirty="0" err="1" smtClean="0"/>
-              <a:t>of</a:t>
-            </a:r>
-            <a:r>
-              <a:rPr lang="de-DE" sz="1600" dirty="0" smtClean="0"/>
-              <a:t> </a:t>
-            </a:r>
-            <a:r>
-              <a:rPr lang="de-DE" sz="1600" dirty="0" err="1" smtClean="0"/>
-              <a:t>the</a:t>
-            </a:r>
-            <a:r>
-              <a:rPr lang="de-DE" sz="1600" dirty="0" smtClean="0"/>
-              <a:t> </a:t>
-            </a:r>
-            <a:r>
-              <a:rPr lang="de-DE" sz="1600" dirty="0" err="1" smtClean="0"/>
-              <a:t>environment</a:t>
-            </a:r>
-            <a:r>
-              <a:rPr lang="de-DE" sz="1600" dirty="0" smtClean="0"/>
-              <a:t>)</a:t>
-            </a:r>
-          </a:p>
-          <a:p>
-            <a:r>
-              <a:rPr lang="de-DE" sz="1600" dirty="0" err="1" smtClean="0"/>
-              <a:t>Process</a:t>
-            </a:r>
-            <a:r>
-              <a:rPr lang="de-DE" sz="1600" dirty="0" smtClean="0"/>
-              <a:t> </a:t>
-            </a:r>
-            <a:r>
-              <a:rPr lang="de-DE" sz="1600" dirty="0" err="1" smtClean="0"/>
-              <a:t>adaptation</a:t>
-            </a:r>
-            <a:r>
-              <a:rPr lang="de-DE" sz="1600" dirty="0" smtClean="0"/>
-              <a:t> (agile </a:t>
-            </a:r>
-            <a:r>
-              <a:rPr lang="de-DE" sz="1600" dirty="0" err="1" smtClean="0"/>
-              <a:t>processes</a:t>
-            </a:r>
-            <a:r>
-              <a:rPr lang="de-DE" sz="1600" dirty="0" smtClean="0"/>
-              <a:t>)</a:t>
-            </a:r>
-          </a:p>
-          <a:p>
-            <a:r>
-              <a:rPr lang="de-DE" sz="1600" dirty="0" err="1" smtClean="0"/>
-              <a:t>Challenges</a:t>
-            </a:r>
-            <a:r>
-              <a:rPr lang="de-DE" sz="1600" dirty="0" smtClean="0"/>
-              <a:t> (</a:t>
-            </a:r>
-            <a:r>
-              <a:rPr lang="de-DE" sz="1600" dirty="0" err="1" smtClean="0"/>
-              <a:t>LoFIP</a:t>
-            </a:r>
-            <a:r>
-              <a:rPr lang="de-DE" sz="1600" dirty="0" smtClean="0"/>
-              <a:t>)</a:t>
-            </a:r>
-          </a:p>
-          <a:p>
-            <a:pPr lvl="1"/>
-            <a:r>
-              <a:rPr lang="de-DE" sz="1600" dirty="0" smtClean="0"/>
-              <a:t>Service </a:t>
-            </a:r>
-            <a:r>
-              <a:rPr lang="de-DE" sz="1600" dirty="0" err="1" smtClean="0"/>
-              <a:t>network</a:t>
-            </a:r>
-            <a:r>
-              <a:rPr lang="de-DE" sz="1600" dirty="0" smtClean="0"/>
-              <a:t> must </a:t>
-            </a:r>
-            <a:r>
-              <a:rPr lang="de-DE" sz="1600" dirty="0" err="1" smtClean="0"/>
-              <a:t>be</a:t>
-            </a:r>
-            <a:r>
-              <a:rPr lang="de-DE" sz="1600" dirty="0" smtClean="0"/>
-              <a:t> </a:t>
-            </a:r>
-            <a:r>
-              <a:rPr lang="de-DE" sz="1600" dirty="0" err="1" smtClean="0"/>
-              <a:t>adapted</a:t>
-            </a:r>
-            <a:r>
-              <a:rPr lang="de-DE" sz="1600" dirty="0" smtClean="0"/>
-              <a:t> </a:t>
-            </a:r>
-            <a:r>
-              <a:rPr lang="de-DE" sz="1600" dirty="0" err="1" smtClean="0"/>
-              <a:t>to</a:t>
-            </a:r>
-            <a:r>
-              <a:rPr lang="de-DE" sz="1600" dirty="0" smtClean="0"/>
-              <a:t> </a:t>
-            </a:r>
-            <a:r>
-              <a:rPr lang="de-DE" sz="1600" dirty="0" err="1" smtClean="0"/>
-              <a:t>the</a:t>
-            </a:r>
-            <a:r>
-              <a:rPr lang="de-DE" sz="1600" dirty="0" smtClean="0"/>
-              <a:t> </a:t>
-            </a:r>
-            <a:r>
-              <a:rPr lang="de-DE" sz="1600" dirty="0" err="1" smtClean="0"/>
-              <a:t>domain</a:t>
-            </a:r>
-            <a:r>
-              <a:rPr lang="de-DE" sz="1600" dirty="0" smtClean="0"/>
-              <a:t> (</a:t>
-            </a:r>
-            <a:r>
-              <a:rPr lang="de-DE" sz="1600" dirty="0" err="1" smtClean="0"/>
-              <a:t>and</a:t>
-            </a:r>
-            <a:r>
-              <a:rPr lang="de-DE" sz="1600" dirty="0" smtClean="0"/>
-              <a:t> </a:t>
-            </a:r>
-            <a:r>
-              <a:rPr lang="de-DE" sz="1600" dirty="0" err="1" smtClean="0"/>
-              <a:t>the</a:t>
-            </a:r>
-            <a:r>
-              <a:rPr lang="de-DE" sz="1600" dirty="0" smtClean="0"/>
-              <a:t> </a:t>
-            </a:r>
-            <a:r>
-              <a:rPr lang="de-DE" sz="1600" dirty="0" err="1" smtClean="0"/>
-              <a:t>specific</a:t>
-            </a:r>
-            <a:r>
-              <a:rPr lang="de-DE" sz="1600" dirty="0" smtClean="0"/>
-              <a:t> </a:t>
-            </a:r>
-            <a:r>
-              <a:rPr lang="de-DE" sz="1600" dirty="0" err="1" smtClean="0"/>
-              <a:t>aspects</a:t>
-            </a:r>
-            <a:r>
-              <a:rPr lang="de-DE" sz="1600" dirty="0" smtClean="0"/>
-              <a:t>)  (in </a:t>
-            </a:r>
-            <a:r>
-              <a:rPr lang="de-DE" sz="1600" dirty="0" err="1" smtClean="0"/>
-              <a:t>LoFIP</a:t>
-            </a:r>
-            <a:r>
-              <a:rPr lang="de-DE" sz="1600" dirty="0" smtClean="0"/>
-              <a:t>: </a:t>
-            </a:r>
-            <a:r>
-              <a:rPr lang="de-DE" sz="1600" dirty="0" err="1" smtClean="0"/>
-              <a:t>logistic</a:t>
-            </a:r>
-            <a:r>
-              <a:rPr lang="de-DE" sz="1600" dirty="0" smtClean="0"/>
-              <a:t> </a:t>
-            </a:r>
-            <a:r>
-              <a:rPr lang="de-DE" sz="1600" dirty="0" err="1" smtClean="0"/>
-              <a:t>domain</a:t>
-            </a:r>
-            <a:r>
-              <a:rPr lang="de-DE" sz="1600" dirty="0" smtClean="0"/>
-              <a:t>)</a:t>
-            </a:r>
-          </a:p>
-          <a:p>
-            <a:pPr lvl="1"/>
-            <a:r>
-              <a:rPr lang="de-DE" sz="1600" dirty="0" smtClean="0"/>
-              <a:t>Service </a:t>
-            </a:r>
-            <a:r>
-              <a:rPr lang="de-DE" sz="1600" dirty="0" err="1" smtClean="0"/>
-              <a:t>network</a:t>
-            </a:r>
-            <a:r>
-              <a:rPr lang="de-DE" sz="1600" dirty="0" smtClean="0"/>
-              <a:t> must </a:t>
-            </a:r>
-            <a:r>
-              <a:rPr lang="de-DE" sz="1600" dirty="0" err="1" smtClean="0"/>
-              <a:t>be</a:t>
-            </a:r>
-            <a:r>
-              <a:rPr lang="de-DE" sz="1600" dirty="0" smtClean="0"/>
-              <a:t> </a:t>
-            </a:r>
-            <a:r>
-              <a:rPr lang="de-DE" sz="1600" dirty="0" err="1" smtClean="0"/>
-              <a:t>extended</a:t>
-            </a:r>
-            <a:r>
-              <a:rPr lang="de-DE" sz="1600" dirty="0" smtClean="0"/>
-              <a:t> </a:t>
-            </a:r>
-            <a:r>
-              <a:rPr lang="de-DE" sz="1600" dirty="0" err="1" smtClean="0"/>
-              <a:t>towards</a:t>
-            </a:r>
-            <a:r>
-              <a:rPr lang="de-DE" sz="1600" dirty="0" smtClean="0"/>
-              <a:t> </a:t>
-            </a:r>
-            <a:r>
-              <a:rPr lang="de-DE" sz="1600" dirty="0" err="1" smtClean="0"/>
-              <a:t>the</a:t>
-            </a:r>
-            <a:r>
-              <a:rPr lang="de-DE" sz="1600" dirty="0" smtClean="0"/>
-              <a:t> </a:t>
-            </a:r>
-            <a:r>
-              <a:rPr lang="de-DE" sz="1600" dirty="0" err="1" smtClean="0"/>
-              <a:t>level</a:t>
-            </a:r>
-            <a:r>
-              <a:rPr lang="de-DE" sz="1600" dirty="0" smtClean="0"/>
-              <a:t> </a:t>
-            </a:r>
-            <a:r>
-              <a:rPr lang="de-DE" sz="1600" dirty="0" err="1" smtClean="0"/>
-              <a:t>of</a:t>
-            </a:r>
-            <a:r>
-              <a:rPr lang="de-DE" sz="1600" dirty="0" smtClean="0"/>
-              <a:t> operative </a:t>
-            </a:r>
-            <a:r>
-              <a:rPr lang="de-DE" sz="1600" dirty="0" err="1" smtClean="0"/>
-              <a:t>business</a:t>
-            </a:r>
-            <a:r>
-              <a:rPr lang="de-DE" sz="1600" dirty="0" smtClean="0"/>
-              <a:t> </a:t>
-            </a:r>
-            <a:r>
-              <a:rPr lang="de-DE" sz="1600" dirty="0" err="1" smtClean="0"/>
-              <a:t>processes</a:t>
-            </a:r>
-            <a:r>
-              <a:rPr lang="de-DE" sz="1600" dirty="0" smtClean="0"/>
-              <a:t> (</a:t>
-            </a:r>
-            <a:r>
-              <a:rPr lang="de-DE" sz="1600" dirty="0" err="1" smtClean="0"/>
-              <a:t>from</a:t>
-            </a:r>
-            <a:r>
-              <a:rPr lang="de-DE" sz="1600" dirty="0" smtClean="0"/>
-              <a:t> high-level </a:t>
-            </a:r>
-            <a:r>
-              <a:rPr lang="de-DE" sz="1600" dirty="0" err="1" smtClean="0"/>
-              <a:t>service</a:t>
-            </a:r>
-            <a:r>
-              <a:rPr lang="de-DE" sz="1600" dirty="0" smtClean="0"/>
-              <a:t> </a:t>
-            </a:r>
-            <a:r>
-              <a:rPr lang="de-DE" sz="1600" dirty="0" err="1" smtClean="0"/>
-              <a:t>descriptions</a:t>
-            </a:r>
-            <a:r>
-              <a:rPr lang="de-DE" sz="1600" dirty="0" smtClean="0"/>
-              <a:t> </a:t>
-            </a:r>
-            <a:r>
-              <a:rPr lang="de-DE" sz="1600" dirty="0" err="1" smtClean="0"/>
-              <a:t>to</a:t>
-            </a:r>
-            <a:r>
-              <a:rPr lang="de-DE" sz="1600" dirty="0" smtClean="0"/>
-              <a:t> </a:t>
-            </a:r>
-            <a:r>
-              <a:rPr lang="de-DE" sz="1600" dirty="0" err="1" smtClean="0"/>
-              <a:t>concrete</a:t>
-            </a:r>
-            <a:r>
-              <a:rPr lang="de-DE" sz="1600" dirty="0" smtClean="0"/>
-              <a:t> operational </a:t>
-            </a:r>
-            <a:r>
-              <a:rPr lang="de-DE" sz="1600" dirty="0" err="1" smtClean="0"/>
-              <a:t>process</a:t>
-            </a:r>
-            <a:r>
-              <a:rPr lang="de-DE" sz="1600" dirty="0" smtClean="0"/>
-              <a:t> </a:t>
-            </a:r>
-            <a:r>
-              <a:rPr lang="de-DE" sz="1600" dirty="0" err="1" smtClean="0"/>
-              <a:t>descriptions</a:t>
-            </a:r>
-            <a:r>
-              <a:rPr lang="de-DE" sz="1600" dirty="0" smtClean="0"/>
-              <a:t>)</a:t>
-            </a:r>
-          </a:p>
-          <a:p>
-            <a:r>
-              <a:rPr lang="de-DE" sz="1600" dirty="0"/>
-              <a:t>d</a:t>
-            </a:r>
-          </a:p>
-          <a:p>
-            <a:endParaRPr lang="en-US" sz="1600" dirty="0"/>
-          </a:p>
-        </p:txBody>
-      </p:sp>
+              <a:rPr lang="en-US" sz="2400" dirty="0" smtClean="0"/>
+              <a:t>Why are the core part of these architectures so different?</a:t>
+            </a:r>
+            <a:br>
+              <a:rPr lang="en-US" sz="2400" dirty="0" smtClean="0"/>
+            </a:br>
+            <a:r>
+              <a:rPr lang="en-US" sz="2400" dirty="0" smtClean="0"/>
+              <a:t>Essential parts</a:t>
+            </a:r>
+            <a:endParaRPr lang="en-US" sz="2400" dirty="0"/>
+          </a:p>
+        </p:txBody>
+      </p:sp>
+      <p:graphicFrame>
+        <p:nvGraphicFramePr>
+          <p:cNvPr id="5" name="Tabelle 4"/>
+          <p:cNvGraphicFramePr>
+            <a:graphicFrameLocks noGrp="1"/>
+          </p:cNvGraphicFramePr>
+          <p:nvPr>
+            <p:extLst>
+              <p:ext uri="{D42A27DB-BD31-4B8C-83A1-F6EECF244321}">
+                <p14:modId xmlns:p14="http://schemas.microsoft.com/office/powerpoint/2010/main" val="3083481757"/>
+              </p:ext>
+            </p:extLst>
+          </p:nvPr>
+        </p:nvGraphicFramePr>
+        <p:xfrm>
+          <a:off x="467544" y="1052736"/>
+          <a:ext cx="8136903" cy="5400599"/>
+        </p:xfrm>
+        <a:graphic>
+          <a:graphicData uri="http://schemas.openxmlformats.org/drawingml/2006/table">
+            <a:tbl>
+              <a:tblPr firstRow="1" bandRow="1">
+                <a:tableStyleId>{5C22544A-7EE6-4342-B048-85BDC9FD1C3A}</a:tableStyleId>
+              </a:tblPr>
+              <a:tblGrid>
+                <a:gridCol w="2712301"/>
+                <a:gridCol w="2712301"/>
+                <a:gridCol w="2712301"/>
+              </a:tblGrid>
+              <a:tr h="647362">
+                <a:tc>
+                  <a:txBody>
+                    <a:bodyPr/>
+                    <a:lstStyle/>
+                    <a:p>
+                      <a:r>
+                        <a:rPr lang="en-US" sz="1600" noProof="0" dirty="0" smtClean="0"/>
+                        <a:t>Feature</a:t>
+                      </a:r>
+                      <a:endParaRPr lang="en-US" sz="1600" noProof="0" dirty="0"/>
+                    </a:p>
+                  </a:txBody>
+                  <a:tcPr/>
+                </a:tc>
+                <a:tc>
+                  <a:txBody>
+                    <a:bodyPr/>
+                    <a:lstStyle/>
+                    <a:p>
+                      <a:r>
+                        <a:rPr lang="en-US" sz="1600" noProof="0" dirty="0" err="1" smtClean="0"/>
+                        <a:t>FInest</a:t>
+                      </a:r>
+                      <a:endParaRPr lang="en-US" sz="1600" noProof="0" dirty="0"/>
+                    </a:p>
+                  </a:txBody>
+                  <a:tcPr/>
+                </a:tc>
+                <a:tc>
+                  <a:txBody>
+                    <a:bodyPr/>
+                    <a:lstStyle/>
+                    <a:p>
+                      <a:r>
+                        <a:rPr lang="en-US" sz="1600" noProof="0" smtClean="0"/>
+                        <a:t>LoFIP</a:t>
+                      </a:r>
+                      <a:endParaRPr lang="en-US" sz="1600" noProof="0"/>
+                    </a:p>
+                  </a:txBody>
+                  <a:tcPr/>
+                </a:tc>
+              </a:tr>
+              <a:tr h="1436613">
+                <a:tc>
+                  <a:txBody>
+                    <a:bodyPr/>
+                    <a:lstStyle/>
+                    <a:p>
+                      <a:r>
+                        <a:rPr lang="en-US" sz="1800" noProof="0" dirty="0" smtClean="0"/>
+                        <a:t>Get / extract / observe data</a:t>
+                      </a:r>
+                      <a:endParaRPr lang="en-US" sz="1800" noProof="0" dirty="0"/>
+                    </a:p>
+                  </a:txBody>
+                  <a:tcPr/>
+                </a:tc>
+                <a:tc>
+                  <a:txBody>
+                    <a:bodyPr/>
+                    <a:lstStyle/>
+                    <a:p>
+                      <a:r>
+                        <a:rPr lang="en-US" sz="1800" noProof="0" dirty="0" smtClean="0"/>
+                        <a:t>EVENT Processing (EPM)</a:t>
+                      </a:r>
+                    </a:p>
+                    <a:p>
+                      <a:r>
+                        <a:rPr lang="en-US" sz="1800" noProof="0" dirty="0" smtClean="0"/>
+                        <a:t>Contracting ECM (via monitoring in the back end)</a:t>
+                      </a:r>
+                      <a:endParaRPr lang="en-US" sz="1800" noProof="0" dirty="0"/>
+                    </a:p>
+                  </a:txBody>
+                  <a:tcPr/>
+                </a:tc>
+                <a:tc>
+                  <a:txBody>
+                    <a:bodyPr/>
+                    <a:lstStyle/>
+                    <a:p>
+                      <a:r>
+                        <a:rPr lang="en-US" sz="1800" noProof="0" smtClean="0"/>
+                        <a:t>MONITOR component</a:t>
+                      </a:r>
+                    </a:p>
+                    <a:p>
+                      <a:r>
+                        <a:rPr lang="en-US" sz="1800" noProof="0" smtClean="0"/>
+                        <a:t>    (data</a:t>
+                      </a:r>
+                      <a:r>
+                        <a:rPr lang="en-US" sz="1800" baseline="0" noProof="0" smtClean="0"/>
+                        <a:t> filter, aggregation, …)</a:t>
+                      </a:r>
+                      <a:endParaRPr lang="en-US" sz="1800" noProof="0"/>
+                    </a:p>
+                  </a:txBody>
+                  <a:tcPr/>
+                </a:tc>
+              </a:tr>
+              <a:tr h="647362">
+                <a:tc>
+                  <a:txBody>
+                    <a:bodyPr/>
+                    <a:lstStyle/>
+                    <a:p>
+                      <a:r>
+                        <a:rPr lang="en-US" sz="1800" noProof="0" smtClean="0"/>
+                        <a:t>Analyze data</a:t>
+                      </a:r>
+                      <a:endParaRPr lang="en-US" sz="1800" noProof="0"/>
+                    </a:p>
+                  </a:txBody>
+                  <a:tcPr/>
+                </a:tc>
+                <a:tc>
+                  <a:txBody>
+                    <a:bodyPr/>
+                    <a:lstStyle/>
+                    <a:p>
+                      <a:r>
+                        <a:rPr lang="en-US" sz="1800" noProof="0" dirty="0" smtClean="0"/>
+                        <a:t>EPM</a:t>
+                      </a:r>
+                      <a:endParaRPr lang="en-US" sz="1800" noProof="0" dirty="0"/>
+                    </a:p>
+                  </a:txBody>
+                  <a:tcPr/>
+                </a:tc>
+                <a:tc>
+                  <a:txBody>
+                    <a:bodyPr/>
+                    <a:lstStyle/>
+                    <a:p>
+                      <a:r>
+                        <a:rPr lang="en-US" sz="1800" noProof="0" dirty="0" smtClean="0"/>
+                        <a:t>ANALYZE, KB</a:t>
+                      </a:r>
+                      <a:endParaRPr lang="en-US" sz="1800" noProof="0" dirty="0"/>
+                    </a:p>
+                  </a:txBody>
+                  <a:tcPr/>
+                </a:tc>
+              </a:tr>
+              <a:tr h="1010950">
+                <a:tc>
+                  <a:txBody>
+                    <a:bodyPr/>
+                    <a:lstStyle/>
+                    <a:p>
+                      <a:r>
+                        <a:rPr lang="en-US" sz="1800" noProof="0" dirty="0" smtClean="0"/>
+                        <a:t>Contracting, bargaining,</a:t>
+                      </a:r>
+                    </a:p>
+                    <a:p>
+                      <a:r>
+                        <a:rPr lang="en-US" sz="1800" noProof="0" dirty="0" smtClean="0"/>
+                        <a:t>checking alternatives</a:t>
+                      </a:r>
+                      <a:endParaRPr lang="en-US" sz="1800" noProof="0" dirty="0"/>
+                    </a:p>
+                  </a:txBody>
+                  <a:tcPr/>
+                </a:tc>
+                <a:tc>
+                  <a:txBody>
+                    <a:bodyPr/>
+                    <a:lstStyle/>
+                    <a:p>
+                      <a:r>
+                        <a:rPr lang="en-US" sz="1800" noProof="0" dirty="0" smtClean="0"/>
+                        <a:t>Contracting (ECM)</a:t>
+                      </a:r>
+                      <a:endParaRPr lang="en-US" sz="1800" noProof="0" dirty="0"/>
+                    </a:p>
+                  </a:txBody>
+                  <a:tcPr/>
+                </a:tc>
+                <a:tc>
+                  <a:txBody>
+                    <a:bodyPr/>
+                    <a:lstStyle/>
+                    <a:p>
+                      <a:r>
+                        <a:rPr lang="en-US" sz="1800" noProof="0" dirty="0" smtClean="0"/>
+                        <a:t>PLAN</a:t>
+                      </a:r>
+                      <a:r>
+                        <a:rPr lang="en-US" sz="1800" baseline="0" noProof="0" dirty="0" smtClean="0"/>
+                        <a:t>   (identify alternatives)</a:t>
+                      </a:r>
+                      <a:endParaRPr lang="en-US" sz="1800" noProof="0" dirty="0"/>
+                    </a:p>
+                  </a:txBody>
+                  <a:tcPr/>
+                </a:tc>
+              </a:tr>
+              <a:tr h="647362">
+                <a:tc>
+                  <a:txBody>
+                    <a:bodyPr/>
+                    <a:lstStyle/>
+                    <a:p>
+                      <a:r>
+                        <a:rPr lang="en-US" sz="1800" noProof="0" smtClean="0"/>
+                        <a:t>Planning</a:t>
+                      </a:r>
+                      <a:endParaRPr lang="en-US" sz="1800" noProof="0"/>
+                    </a:p>
+                  </a:txBody>
+                  <a:tcPr/>
+                </a:tc>
+                <a:tc>
+                  <a:txBody>
+                    <a:bodyPr/>
+                    <a:lstStyle/>
+                    <a:p>
+                      <a:r>
+                        <a:rPr lang="en-US" sz="1800" noProof="0" dirty="0" smtClean="0"/>
+                        <a:t>Planning</a:t>
+                      </a:r>
+                      <a:r>
+                        <a:rPr lang="en-US" sz="1800" baseline="0" noProof="0" dirty="0" smtClean="0"/>
+                        <a:t> (TPM)</a:t>
+                      </a:r>
+                      <a:endParaRPr lang="en-US" sz="1800" noProof="0" dirty="0"/>
+                    </a:p>
+                  </a:txBody>
+                  <a:tcPr/>
+                </a:tc>
+                <a:tc>
+                  <a:txBody>
+                    <a:bodyPr/>
+                    <a:lstStyle/>
+                    <a:p>
+                      <a:r>
+                        <a:rPr lang="en-US" sz="1800" noProof="0" dirty="0" smtClean="0"/>
+                        <a:t>PLAN ,</a:t>
+                      </a:r>
+                      <a:r>
+                        <a:rPr lang="en-US" sz="1800" baseline="0" noProof="0" dirty="0" smtClean="0"/>
+                        <a:t> KB</a:t>
+                      </a:r>
+                      <a:endParaRPr lang="en-US" sz="1800" noProof="0" dirty="0"/>
+                    </a:p>
+                  </a:txBody>
+                  <a:tcPr/>
+                </a:tc>
+              </a:tr>
+              <a:tr h="1010950">
+                <a:tc>
+                  <a:txBody>
+                    <a:bodyPr/>
+                    <a:lstStyle/>
+                    <a:p>
+                      <a:r>
+                        <a:rPr lang="en-US" sz="1800" noProof="0" dirty="0" smtClean="0"/>
+                        <a:t>Execute</a:t>
+                      </a:r>
+                      <a:endParaRPr lang="en-US" sz="1800" noProof="0" dirty="0"/>
+                    </a:p>
+                  </a:txBody>
+                  <a:tcPr/>
+                </a:tc>
+                <a:tc>
+                  <a:txBody>
+                    <a:bodyPr/>
+                    <a:lstStyle/>
+                    <a:p>
+                      <a:r>
+                        <a:rPr lang="de-DE" sz="1800" noProof="0" dirty="0" smtClean="0"/>
+                        <a:t>Business</a:t>
+                      </a:r>
+                      <a:r>
+                        <a:rPr lang="de-DE" sz="1800" baseline="0" noProof="0" dirty="0" smtClean="0"/>
+                        <a:t> </a:t>
+                      </a:r>
+                      <a:r>
+                        <a:rPr lang="en-US" sz="1800" baseline="0" noProof="0" dirty="0" smtClean="0"/>
+                        <a:t>collaboration</a:t>
+                      </a:r>
+                      <a:r>
+                        <a:rPr lang="de-DE" sz="1800" baseline="0" noProof="0" dirty="0" smtClean="0"/>
+                        <a:t> (BCM) ??</a:t>
+                      </a:r>
+                      <a:endParaRPr lang="en-US" sz="1800" noProof="0" dirty="0"/>
+                    </a:p>
+                  </a:txBody>
+                  <a:tcPr/>
+                </a:tc>
+                <a:tc>
+                  <a:txBody>
+                    <a:bodyPr/>
+                    <a:lstStyle/>
+                    <a:p>
+                      <a:r>
+                        <a:rPr lang="en-US" sz="1800" noProof="0" dirty="0" smtClean="0"/>
+                        <a:t>EXECUTE</a:t>
+                      </a:r>
+                      <a:endParaRPr lang="en-US" sz="1800" noProof="0" dirty="0"/>
+                    </a:p>
+                  </a:txBody>
+                  <a:tcPr/>
+                </a:tc>
+              </a:tr>
+            </a:tbl>
+          </a:graphicData>
+        </a:graphic>
+      </p:graphicFrame>
     </p:spTree>
     <p:extLst>
       <p:ext uri="{BB962C8B-B14F-4D97-AF65-F5344CB8AC3E}">
-        <p14:creationId xmlns:p14="http://schemas.microsoft.com/office/powerpoint/2010/main" val="3131446875"/>
+        <p14:creationId xmlns:p14="http://schemas.microsoft.com/office/powerpoint/2010/main" val="3537636857"/>
       </p:ext>
     </p:extLst>
   </p:cSld>
@@ -6014,8 +5965,243 @@
           <a:lstStyle/>
           <a:p>
             <a:r>
-              <a:rPr lang="de-DE" dirty="0" err="1" smtClean="0"/>
-              <a:t>Remarks</a:t>
+              <a:rPr lang="de-DE" dirty="0" smtClean="0"/>
+              <a:t>Research Agenda</a:t>
+            </a:r>
+            <a:endParaRPr lang="en-US" dirty="0"/>
+          </a:p>
+        </p:txBody>
+      </p:sp>
+      <p:sp>
+        <p:nvSpPr>
+          <p:cNvPr id="3" name="Inhaltsplatzhalter 2"/>
+          <p:cNvSpPr>
+            <a:spLocks noGrp="1"/>
+          </p:cNvSpPr>
+          <p:nvPr>
+            <p:ph idx="1"/>
+          </p:nvPr>
+        </p:nvSpPr>
+        <p:spPr/>
+        <p:txBody>
+          <a:bodyPr>
+            <a:normAutofit fontScale="70000" lnSpcReduction="20000"/>
+          </a:bodyPr>
+          <a:lstStyle/>
+          <a:p>
+            <a:r>
+              <a:rPr lang="en-US" dirty="0" smtClean="0"/>
+              <a:t>Towards „Future Internet of Things“</a:t>
+            </a:r>
+          </a:p>
+          <a:p>
+            <a:r>
+              <a:rPr lang="en-US" dirty="0" smtClean="0"/>
+              <a:t>Finest: provides an architecture for an </a:t>
+            </a:r>
+            <a:r>
+              <a:rPr lang="en-US" dirty="0" err="1" smtClean="0"/>
+              <a:t>IoT</a:t>
+            </a:r>
+            <a:r>
+              <a:rPr lang="en-US" dirty="0" smtClean="0"/>
+              <a:t> platform for the  transport and logistics domain</a:t>
+            </a:r>
+          </a:p>
+          <a:p>
+            <a:pPr lvl="1"/>
+            <a:r>
+              <a:rPr lang="en-US" dirty="0" smtClean="0"/>
+              <a:t>Can we generalize this (to a domain independent architecture)</a:t>
+            </a:r>
+          </a:p>
+          <a:p>
+            <a:pPr lvl="1"/>
+            <a:r>
+              <a:rPr lang="en-US" dirty="0" smtClean="0"/>
+              <a:t>What makes </a:t>
+            </a:r>
+            <a:r>
+              <a:rPr lang="en-US" dirty="0" err="1" smtClean="0"/>
+              <a:t>IoT</a:t>
+            </a:r>
+            <a:r>
+              <a:rPr lang="en-US" dirty="0" smtClean="0"/>
+              <a:t> different from Service compositions</a:t>
+            </a:r>
+          </a:p>
+          <a:p>
+            <a:pPr lvl="2"/>
+            <a:r>
+              <a:rPr lang="en-US" dirty="0" smtClean="0"/>
+              <a:t>E.g., service description are complete, self-contained in contrast to component specifications</a:t>
+            </a:r>
+          </a:p>
+          <a:p>
+            <a:pPr lvl="2"/>
+            <a:r>
+              <a:rPr lang="en-US" dirty="0" smtClean="0"/>
+              <a:t>Usually, multiple services are available (choose among alternatives</a:t>
+            </a:r>
+          </a:p>
+          <a:p>
+            <a:pPr lvl="2"/>
+            <a:r>
+              <a:rPr lang="en-US" dirty="0" smtClean="0"/>
+              <a:t>What is specific </a:t>
+            </a:r>
+            <a:r>
+              <a:rPr lang="en-US" dirty="0" err="1" smtClean="0"/>
+              <a:t>wrt</a:t>
+            </a:r>
+            <a:r>
+              <a:rPr lang="en-US" dirty="0" smtClean="0"/>
+              <a:t>. </a:t>
+            </a:r>
+            <a:r>
+              <a:rPr lang="en-US" dirty="0" err="1" smtClean="0"/>
+              <a:t>IoT</a:t>
+            </a:r>
+            <a:r>
+              <a:rPr lang="en-US" dirty="0" smtClean="0"/>
+              <a:t>, i.e., the only connection to services is the front end and back end, but is there any internal connection to services on the internet.</a:t>
+            </a:r>
+          </a:p>
+          <a:p>
+            <a:r>
+              <a:rPr lang="en-US" dirty="0" err="1" smtClean="0"/>
+              <a:t>LoFIP</a:t>
+            </a:r>
+            <a:r>
+              <a:rPr lang="en-US" dirty="0" smtClean="0"/>
+              <a:t>: Future Internet Platform for logistics</a:t>
+            </a:r>
+          </a:p>
+          <a:p>
+            <a:pPr lvl="1"/>
+            <a:r>
+              <a:rPr lang="en-US" dirty="0" smtClean="0"/>
+              <a:t> </a:t>
+            </a:r>
+            <a:r>
+              <a:rPr lang="en-US" dirty="0" err="1" smtClean="0"/>
+              <a:t>IoT</a:t>
+            </a:r>
+            <a:r>
+              <a:rPr lang="en-US" dirty="0" smtClean="0"/>
+              <a:t> only comes into play in Front end and back end (gateway) where data is sent and received from technical devices like sensors</a:t>
+            </a:r>
+          </a:p>
+          <a:p>
+            <a:pPr lvl="1"/>
+            <a:r>
+              <a:rPr lang="en-US" dirty="0" smtClean="0"/>
+              <a:t>Is there any effect on the `</a:t>
+            </a:r>
+            <a:r>
+              <a:rPr lang="en-US" dirty="0" err="1" smtClean="0"/>
+              <a:t>Leitstand</a:t>
+            </a:r>
+            <a:r>
+              <a:rPr lang="en-US" dirty="0" smtClean="0"/>
+              <a:t>‘ itself?</a:t>
+            </a:r>
+          </a:p>
+          <a:p>
+            <a:pPr lvl="2"/>
+            <a:r>
+              <a:rPr lang="en-US" dirty="0" smtClean="0"/>
+              <a:t>Is it a kind of black box the `</a:t>
+            </a:r>
+            <a:r>
+              <a:rPr lang="en-US" dirty="0" err="1" smtClean="0"/>
+              <a:t>Leitstand</a:t>
+            </a:r>
+            <a:r>
+              <a:rPr lang="en-US" dirty="0" smtClean="0"/>
+              <a:t>‘? Is there anything special of the architecture (</a:t>
+            </a:r>
+            <a:r>
+              <a:rPr lang="en-US" dirty="0" err="1" smtClean="0"/>
+              <a:t>wrt</a:t>
+            </a:r>
+            <a:r>
+              <a:rPr lang="en-US" dirty="0" smtClean="0"/>
+              <a:t>. </a:t>
+            </a:r>
+            <a:r>
+              <a:rPr lang="en-US" dirty="0" err="1" smtClean="0"/>
+              <a:t>IoT</a:t>
+            </a:r>
+            <a:r>
+              <a:rPr lang="en-US" dirty="0" smtClean="0"/>
+              <a:t>)?</a:t>
+            </a:r>
+          </a:p>
+          <a:p>
+            <a:endParaRPr lang="en-US" dirty="0"/>
+          </a:p>
+        </p:txBody>
+      </p:sp>
+    </p:spTree>
+    <p:extLst>
+      <p:ext uri="{BB962C8B-B14F-4D97-AF65-F5344CB8AC3E}">
+        <p14:creationId xmlns:p14="http://schemas.microsoft.com/office/powerpoint/2010/main" val="105788904"/>
+      </p:ext>
+    </p:extLst>
+  </p:cSld>
+  <p:clrMapOvr>
+    <a:masterClrMapping/>
+  </p:clrMapOvr>
+  <p:timing>
+    <p:tnLst>
+      <p:par>
+        <p:cTn id="1" dur="indefinite" restart="never" nodeType="tmRoot"/>
+      </p:par>
+    </p:tnLst>
+  </p:timing>
+</p:sld>
+</file>
+
+<file path=ppt/slides/slide5.xml><?xml version="1.0" encoding="utf-8"?>
+<p:sld xmlns:a="http://schemas.openxmlformats.org/drawingml/2006/main" xmlns:r="http://schemas.openxmlformats.org/officeDocument/2006/relationships" xmlns:p="http://schemas.openxmlformats.org/presentationml/2006/main">
+  <p:cSld>
+    <p:spTree>
+      <p:nvGrpSpPr>
+        <p:cNvPr id="1" name=""/>
+        <p:cNvGrpSpPr/>
+        <p:nvPr/>
+      </p:nvGrpSpPr>
+      <p:grpSpPr>
+        <a:xfrm>
+          <a:off x="0" y="0"/>
+          <a:ext cx="0" cy="0"/>
+          <a:chOff x="0" y="0"/>
+          <a:chExt cx="0" cy="0"/>
+        </a:xfrm>
+      </p:grpSpPr>
+      <p:sp>
+        <p:nvSpPr>
+          <p:cNvPr id="2" name="Titel 1"/>
+          <p:cNvSpPr>
+            <a:spLocks noGrp="1"/>
+          </p:cNvSpPr>
+          <p:nvPr>
+            <p:ph type="title"/>
+          </p:nvPr>
+        </p:nvSpPr>
+        <p:spPr/>
+        <p:txBody>
+          <a:bodyPr/>
+          <a:lstStyle/>
+          <a:p>
+            <a:r>
+              <a:rPr lang="en-US" dirty="0" smtClean="0"/>
+              <a:t>General research aspects</a:t>
+            </a:r>
+            <a:r>
+              <a:rPr lang="de-DE" dirty="0" smtClean="0"/>
+              <a:t>	</a:t>
             </a:r>
             <a:endParaRPr lang="en-US" dirty="0"/>
           </a:p>
@@ -6039,41 +6225,72 @@
           <a:lstStyle/>
           <a:p>
             <a:r>
-              <a:rPr lang="de-DE" sz="2400" dirty="0" smtClean="0"/>
-              <a:t>Future Internet = Internet </a:t>
-            </a:r>
-            <a:r>
-              <a:rPr lang="de-DE" sz="2400" dirty="0" err="1" smtClean="0"/>
-              <a:t>of</a:t>
-            </a:r>
-            <a:r>
-              <a:rPr lang="de-DE" sz="2400" dirty="0" smtClean="0"/>
-              <a:t> </a:t>
-            </a:r>
-            <a:r>
-              <a:rPr lang="de-DE" sz="2400" dirty="0" err="1" smtClean="0"/>
-              <a:t>services</a:t>
-            </a:r>
-            <a:r>
-              <a:rPr lang="de-DE" sz="2400" dirty="0" smtClean="0"/>
-              <a:t> + Internet </a:t>
-            </a:r>
-            <a:r>
-              <a:rPr lang="de-DE" sz="2400" dirty="0" err="1" smtClean="0"/>
-              <a:t>of</a:t>
-            </a:r>
-            <a:r>
-              <a:rPr lang="de-DE" sz="2400" dirty="0" smtClean="0"/>
-              <a:t> Things</a:t>
-            </a:r>
-            <a:endParaRPr lang="en-US" sz="2400" dirty="0"/>
+              <a:rPr lang="en-US" sz="1600" dirty="0" smtClean="0"/>
+              <a:t>Dynamic business processes (</a:t>
+            </a:r>
+            <a:r>
+              <a:rPr lang="en-US" sz="1600" dirty="0" err="1" smtClean="0"/>
+              <a:t>wrt</a:t>
+            </a:r>
+            <a:r>
+              <a:rPr lang="en-US" sz="1600" dirty="0" smtClean="0"/>
+              <a:t>. events of the environment)</a:t>
+            </a:r>
+          </a:p>
+          <a:p>
+            <a:r>
+              <a:rPr lang="en-US" sz="1600" dirty="0" smtClean="0"/>
+              <a:t>Process adaptation (agile processes)</a:t>
+            </a:r>
+          </a:p>
+          <a:p>
+            <a:r>
+              <a:rPr lang="en-US" sz="1600" dirty="0" smtClean="0"/>
+              <a:t>Challenges (</a:t>
+            </a:r>
+            <a:r>
+              <a:rPr lang="en-US" sz="1600" dirty="0" err="1" smtClean="0"/>
+              <a:t>LoFIP</a:t>
+            </a:r>
+            <a:r>
+              <a:rPr lang="en-US" sz="1600" dirty="0" smtClean="0"/>
+              <a:t>)</a:t>
+            </a:r>
+          </a:p>
+          <a:p>
+            <a:pPr lvl="1"/>
+            <a:r>
+              <a:rPr lang="en-US" sz="1600" dirty="0" smtClean="0"/>
+              <a:t>Service network must be adapted to the domain (and the specific aspects)  (in </a:t>
+            </a:r>
+            <a:r>
+              <a:rPr lang="en-US" sz="1600" dirty="0" err="1" smtClean="0"/>
+              <a:t>LoFIP</a:t>
+            </a:r>
+            <a:r>
+              <a:rPr lang="en-US" sz="1600" dirty="0" smtClean="0"/>
+              <a:t>: logistic domain)</a:t>
+            </a:r>
+          </a:p>
+          <a:p>
+            <a:pPr lvl="1"/>
+            <a:r>
+              <a:rPr lang="en-US" sz="1600" dirty="0" smtClean="0"/>
+              <a:t>Service network must be extended towards the level of operative business processes (from high-level service descriptions to concrete operational process descriptions)</a:t>
+            </a:r>
+          </a:p>
+          <a:p>
+            <a:endParaRPr lang="en-US" sz="1600" dirty="0" smtClean="0"/>
+          </a:p>
+          <a:p>
+            <a:endParaRPr lang="en-US" sz="1600" dirty="0"/>
           </a:p>
         </p:txBody>
       </p:sp>
     </p:spTree>
     <p:extLst>
       <p:ext uri="{BB962C8B-B14F-4D97-AF65-F5344CB8AC3E}">
-        <p14:creationId xmlns:p14="http://schemas.microsoft.com/office/powerpoint/2010/main" val="3852604804"/>
+        <p14:creationId xmlns:p14="http://schemas.microsoft.com/office/powerpoint/2010/main" val="3131446875"/>
       </p:ext>
     </p:extLst>
   </p:cSld>
@@ -6373,4 +6590,289 @@
   <a:objectDefaults/>
   <a:extraClrSchemeLst/>
 </a:theme>
+</file>
+
+<file path=ppt/theme/theme2.xml><?xml version="1.0" encoding="utf-8"?>
+<a:theme xmlns:a="http://schemas.openxmlformats.org/drawingml/2006/main" name="Larissa">
+  <a:themeElements>
+    <a:clrScheme name="Larissa">
+      <a:dk1>
+        <a:sysClr val="windowText" lastClr="000000"/>
+      </a:dk1>
+      <a:lt1>
+        <a:sysClr val="window" lastClr="FFFFFF"/>
+      </a:lt1>
+      <a:dk2>
+        <a:srgbClr val="1F497D"/>
+      </a:dk2>
+      <a:lt2>
+        <a:srgbClr val="EEECE1"/>
+      </a:lt2>
+      <a:accent1>
+        <a:srgbClr val="4F81BD"/>
+      </a:accent1>
+      <a:accent2>
+        <a:srgbClr val="C0504D"/>
+      </a:accent2>
+      <a:accent3>
+        <a:srgbClr val="9BBB59"/>
+      </a:accent3>
+      <a:accent4>
+        <a:srgbClr val="8064A2"/>
+      </a:accent4>
+      <a:accent5>
+        <a:srgbClr val="4BACC6"/>
+      </a:accent5>
+      <a:accent6>
+        <a:srgbClr val="F79646"/>
+      </a:accent6>
+      <a:hlink>
+        <a:srgbClr val="0000FF"/>
+      </a:hlink>
+      <a:folHlink>
+        <a:srgbClr val="800080"/>
+      </a:folHlink>
+    </a:clrScheme>
+    <a:fontScheme name="Larissa">
+      <a:majorFont>
+        <a:latin typeface="Calibri"/>
+        <a:ea typeface=""/>
+        <a:cs typeface=""/>
+        <a:font script="Jpan" typeface="ＭＳ Ｐゴシック"/>
+        <a:font script="Hang" typeface="맑은 고딕"/>
+        <a:font script="Hans" typeface="宋体"/>
+        <a:font script="Hant" typeface="新細明體"/>
+        <a:font script="Arab" typeface="Times New Roman"/>
+        <a:font script="Hebr" typeface="Times New Roman"/>
+        <a:font script="Thai" typeface="Angsana New"/>
+        <a:font script="Ethi" typeface="Nyala"/>
+        <a:font script="Beng" typeface="Vrinda"/>
+        <a:font script="Gujr" typeface="Shruti"/>
+        <a:font script="Khmr" typeface="MoolBoran"/>
+        <a:font script="Knda" typeface="Tunga"/>
+        <a:font script="Guru" typeface="Raavi"/>
+        <a:font script="Cans" typeface="Euphemia"/>
+        <a:font script="Cher" typeface="Plantagenet Cherokee"/>
+        <a:font script="Yiii" typeface="Microsoft Yi Baiti"/>
+        <a:font script="Tibt" typeface="Microsoft Himalaya"/>
+        <a:font script="Thaa" typeface="MV Boli"/>
+        <a:font script="Deva" typeface="Mangal"/>
+        <a:font script="Telu" typeface="Gautami"/>
+        <a:font script="Taml" typeface="Latha"/>
+        <a:font script="Syrc" typeface="Estrangelo Edessa"/>
+        <a:font script="Orya" typeface="Kalinga"/>
+        <a:font script="Mlym" typeface="Kartika"/>
+        <a:font script="Laoo" typeface="DokChampa"/>
+        <a:font script="Sinh" typeface="Iskoola Pota"/>
+        <a:font script="Mong" typeface="Mongolian Baiti"/>
+        <a:font script="Viet" typeface="Times New Roman"/>
+        <a:font script="Uigh" typeface="Microsoft Uighur"/>
+        <a:font script="Geor" typeface="Sylfaen"/>
+      </a:majorFont>
+      <a:minorFont>
+        <a:latin typeface="Calibri"/>
+        <a:ea typeface=""/>
+        <a:cs typeface=""/>
+        <a:font script="Jpan" typeface="ＭＳ Ｐゴシック"/>
+        <a:font script="Hang" typeface="맑은 고딕"/>
+        <a:font script="Hans" typeface="宋体"/>
+        <a:font script="Hant" typeface="新細明體"/>
+        <a:font script="Arab" typeface="Arial"/>
+        <a:font script="Hebr" typeface="Arial"/>
+        <a:font script="Thai" typeface="Cordia New"/>
+        <a:font script="Ethi" typeface="Nyala"/>
+        <a:font script="Beng" typeface="Vrinda"/>
+        <a:font script="Gujr" typeface="Shruti"/>
+        <a:font script="Khmr" typeface="DaunPenh"/>
+        <a:font script="Knda" typeface="Tunga"/>
+        <a:font script="Guru" typeface="Raavi"/>
+        <a:font script="Cans" typeface="Euphemia"/>
+        <a:font script="Cher" typeface="Plantagenet Cherokee"/>
+        <a:font script="Yiii" typeface="Microsoft Yi Baiti"/>
+        <a:font script="Tibt" typeface="Microsoft Himalaya"/>
+        <a:font script="Thaa" typeface="MV Boli"/>
+        <a:font script="Deva" typeface="Mangal"/>
+        <a:font script="Telu" typeface="Gautami"/>
+        <a:font script="Taml" typeface="Latha"/>
+        <a:font script="Syrc" typeface="Estrangelo Edessa"/>
+        <a:font script="Orya" typeface="Kalinga"/>
+        <a:font script="Mlym" typeface="Kartika"/>
+        <a:font script="Laoo" typeface="DokChampa"/>
+        <a:font script="Sinh" typeface="Iskoola Pota"/>
+        <a:font script="Mong" typeface="Mongolian Baiti"/>
+        <a:font script="Viet" typeface="Arial"/>
+        <a:font script="Uigh" typeface="Microsoft Uighur"/>
+        <a:font script="Geor" typeface="Sylfaen"/>
+      </a:minorFont>
+    </a:fontScheme>
+    <a:fmtScheme name="Larissa">
+      <a:fillStyleLst>
+        <a:solidFill>
+          <a:schemeClr val="phClr"/>
+        </a:solidFill>
+        <a:gradFill rotWithShape="1">
+          <a:gsLst>
+            <a:gs pos="0">
+              <a:schemeClr val="phClr">
+                <a:tint val="50000"/>
+                <a:satMod val="300000"/>
+              </a:schemeClr>
+            </a:gs>
+            <a:gs pos="35000">
+              <a:schemeClr val="phClr">
+                <a:tint val="37000"/>
+                <a:satMod val="300000"/>
+              </a:schemeClr>
+            </a:gs>
+            <a:gs pos="100000">
+              <a:schemeClr val="phClr">
+                <a:tint val="15000"/>
+                <a:satMod val="350000"/>
+              </a:schemeClr>
+            </a:gs>
+          </a:gsLst>
+          <a:lin ang="16200000" scaled="1"/>
+        </a:gradFill>
+        <a:gradFill rotWithShape="1">
+          <a:gsLst>
+            <a:gs pos="0">
+              <a:schemeClr val="phClr">
+                <a:shade val="51000"/>
+                <a:satMod val="130000"/>
+              </a:schemeClr>
+            </a:gs>
+            <a:gs pos="80000">
+              <a:schemeClr val="phClr">
+                <a:shade val="93000"/>
+                <a:satMod val="130000"/>
+              </a:schemeClr>
+            </a:gs>
+            <a:gs pos="100000">
+              <a:schemeClr val="phClr">
+                <a:shade val="94000"/>
+                <a:satMod val="135000"/>
+              </a:schemeClr>
+            </a:gs>
+          </a:gsLst>
+          <a:lin ang="16200000" scaled="0"/>
+        </a:gradFill>
+      </a:fillStyleLst>
+      <a:lnStyleLst>
+        <a:ln w="9525" cap="flat" cmpd="sng" algn="ctr">
+          <a:solidFill>
+            <a:schemeClr val="phClr">
+              <a:shade val="95000"/>
+              <a:satMod val="105000"/>
+            </a:schemeClr>
+          </a:solidFill>
+          <a:prstDash val="solid"/>
+        </a:ln>
+        <a:ln w="25400" cap="flat" cmpd="sng" algn="ctr">
+          <a:solidFill>
+            <a:schemeClr val="phClr"/>
+          </a:solidFill>
+          <a:prstDash val="solid"/>
+        </a:ln>
+        <a:ln w="38100" cap="flat" cmpd="sng" algn="ctr">
+          <a:solidFill>
+            <a:schemeClr val="phClr"/>
+          </a:solidFill>
+          <a:prstDash val="solid"/>
+        </a:ln>
+      </a:lnStyleLst>
+      <a:effectStyleLst>
+        <a:effectStyle>
+          <a:effectLst>
+            <a:outerShdw blurRad="40000" dist="20000" dir="5400000" rotWithShape="0">
+              <a:srgbClr val="000000">
+                <a:alpha val="38000"/>
+              </a:srgbClr>
+            </a:outerShdw>
+          </a:effectLst>
+        </a:effectStyle>
+        <a:effectStyle>
+          <a:effectLst>
+            <a:outerShdw blurRad="40000" dist="23000" dir="5400000" rotWithShape="0">
+              <a:srgbClr val="000000">
+                <a:alpha val="35000"/>
+              </a:srgbClr>
+            </a:outerShdw>
+          </a:effectLst>
+        </a:effectStyle>
+        <a:effectStyle>
+          <a:effectLst>
+            <a:outerShdw blurRad="40000" dist="23000" dir="5400000" rotWithShape="0">
+              <a:srgbClr val="000000">
+                <a:alpha val="35000"/>
+              </a:srgbClr>
+            </a:outerShdw>
+          </a:effectLst>
+          <a:scene3d>
+            <a:camera prst="orthographicFront">
+              <a:rot lat="0" lon="0" rev="0"/>
+            </a:camera>
+            <a:lightRig rig="threePt" dir="t">
+              <a:rot lat="0" lon="0" rev="1200000"/>
+            </a:lightRig>
+          </a:scene3d>
+          <a:sp3d>
+            <a:bevelT w="63500" h="25400"/>
+          </a:sp3d>
+        </a:effectStyle>
+      </a:effectStyleLst>
+      <a:bgFillStyleLst>
+        <a:solidFill>
+          <a:schemeClr val="phClr"/>
+        </a:solidFill>
+        <a:gradFill rotWithShape="1">
+          <a:gsLst>
+            <a:gs pos="0">
+              <a:schemeClr val="phClr">
+                <a:tint val="40000"/>
+                <a:satMod val="350000"/>
+              </a:schemeClr>
+            </a:gs>
+            <a:gs pos="40000">
+              <a:schemeClr val="phClr">
+                <a:tint val="45000"/>
+                <a:shade val="99000"/>
+                <a:satMod val="350000"/>
+              </a:schemeClr>
+            </a:gs>
+            <a:gs pos="100000">
+              <a:schemeClr val="phClr">
+                <a:shade val="20000"/>
+                <a:satMod val="255000"/>
+              </a:schemeClr>
+            </a:gs>
+          </a:gsLst>
+          <a:path path="circle">
+            <a:fillToRect l="50000" t="-80000" r="50000" b="180000"/>
+          </a:path>
+        </a:gradFill>
+        <a:gradFill rotWithShape="1">
+          <a:gsLst>
+            <a:gs pos="0">
+              <a:schemeClr val="phClr">
+                <a:tint val="80000"/>
+                <a:satMod val="300000"/>
+              </a:schemeClr>
+            </a:gs>
+            <a:gs pos="100000">
+              <a:schemeClr val="phClr">
+                <a:shade val="30000"/>
+                <a:satMod val="200000"/>
+              </a:schemeClr>
+            </a:gs>
+          </a:gsLst>
+          <a:path path="circle">
+            <a:fillToRect l="50000" t="50000" r="50000" b="50000"/>
+          </a:path>
+        </a:gradFill>
+      </a:bgFillStyleLst>
+    </a:fmtScheme>
+  </a:themeElements>
+  <a:objectDefaults/>
+  <a:extraClrSchemeLst/>
+</a:theme>
 </file>